--- a/QF604 Econometrics Final v1.0.pptx
+++ b/QF604 Econometrics Final v1.0.pptx
@@ -5,7 +5,7 @@
     <p:sldMasterId id="2147483660" r:id="rId1"/>
   </p:sldMasterIdLst>
   <p:notesMasterIdLst>
-    <p:notesMasterId r:id="rId48"/>
+    <p:notesMasterId r:id="rId29"/>
   </p:notesMasterIdLst>
   <p:sldIdLst>
     <p:sldId id="257" r:id="rId2"/>
@@ -26,34 +26,15 @@
     <p:sldId id="335" r:id="rId17"/>
     <p:sldId id="339" r:id="rId18"/>
     <p:sldId id="340" r:id="rId19"/>
-    <p:sldId id="273" r:id="rId20"/>
-    <p:sldId id="275" r:id="rId21"/>
-    <p:sldId id="276" r:id="rId22"/>
-    <p:sldId id="277" r:id="rId23"/>
-    <p:sldId id="279" r:id="rId24"/>
-    <p:sldId id="282" r:id="rId25"/>
-    <p:sldId id="280" r:id="rId26"/>
-    <p:sldId id="281" r:id="rId27"/>
-    <p:sldId id="278" r:id="rId28"/>
-    <p:sldId id="285" r:id="rId29"/>
-    <p:sldId id="305" r:id="rId30"/>
-    <p:sldId id="286" r:id="rId31"/>
-    <p:sldId id="306" r:id="rId32"/>
-    <p:sldId id="307" r:id="rId33"/>
-    <p:sldId id="308" r:id="rId34"/>
-    <p:sldId id="309" r:id="rId35"/>
-    <p:sldId id="310" r:id="rId36"/>
-    <p:sldId id="311" r:id="rId37"/>
-    <p:sldId id="322" r:id="rId38"/>
-    <p:sldId id="323" r:id="rId39"/>
-    <p:sldId id="324" r:id="rId40"/>
-    <p:sldId id="325" r:id="rId41"/>
-    <p:sldId id="326" r:id="rId42"/>
-    <p:sldId id="327" r:id="rId43"/>
-    <p:sldId id="318" r:id="rId44"/>
-    <p:sldId id="319" r:id="rId45"/>
-    <p:sldId id="321" r:id="rId46"/>
-    <p:sldId id="298" r:id="rId47"/>
+    <p:sldId id="342" r:id="rId20"/>
+    <p:sldId id="341" r:id="rId21"/>
+    <p:sldId id="343" r:id="rId22"/>
+    <p:sldId id="344" r:id="rId23"/>
+    <p:sldId id="345" r:id="rId24"/>
+    <p:sldId id="346" r:id="rId25"/>
+    <p:sldId id="347" r:id="rId26"/>
+    <p:sldId id="348" r:id="rId27"/>
+    <p:sldId id="349" r:id="rId28"/>
   </p:sldIdLst>
   <p:sldSz cx="12192000" cy="6858000"/>
   <p:notesSz cx="6858000" cy="9144000"/>
@@ -503,93 +484,6 @@
     </a:lvl9pPr>
   </p:notesStyle>
 </p:notesMaster>
-</file>
-
-<file path=ppt/notesSlides/notesSlide1.xml><?xml version="1.0" encoding="utf-8"?>
-<p:notes xmlns:a="http://schemas.openxmlformats.org/drawingml/2006/main" xmlns:r="http://schemas.openxmlformats.org/officeDocument/2006/relationships" xmlns:p="http://schemas.openxmlformats.org/presentationml/2006/main">
-  <p:cSld>
-    <p:spTree>
-      <p:nvGrpSpPr>
-        <p:cNvPr id="1" name=""/>
-        <p:cNvGrpSpPr/>
-        <p:nvPr/>
-      </p:nvGrpSpPr>
-      <p:grpSpPr>
-        <a:xfrm>
-          <a:off x="0" y="0"/>
-          <a:ext cx="0" cy="0"/>
-          <a:chOff x="0" y="0"/>
-          <a:chExt cx="0" cy="0"/>
-        </a:xfrm>
-      </p:grpSpPr>
-      <p:sp>
-        <p:nvSpPr>
-          <p:cNvPr id="2" name="Slide Image Placeholder 1"/>
-          <p:cNvSpPr>
-            <a:spLocks noGrp="1" noRot="1" noChangeAspect="1"/>
-          </p:cNvSpPr>
-          <p:nvPr>
-            <p:ph type="sldImg"/>
-          </p:nvPr>
-        </p:nvSpPr>
-        <p:spPr/>
-      </p:sp>
-      <p:sp>
-        <p:nvSpPr>
-          <p:cNvPr id="3" name="Notes Placeholder 2"/>
-          <p:cNvSpPr>
-            <a:spLocks noGrp="1"/>
-          </p:cNvSpPr>
-          <p:nvPr>
-            <p:ph type="body" idx="1"/>
-          </p:nvPr>
-        </p:nvSpPr>
-        <p:spPr/>
-        <p:txBody>
-          <a:bodyPr/>
-          <a:lstStyle/>
-          <a:p>
-            <a:r>
-              <a:rPr lang="en-SG" dirty="0"/>
-              <a:t>To prove fit of data for OLS</a:t>
-            </a:r>
-          </a:p>
-        </p:txBody>
-      </p:sp>
-      <p:sp>
-        <p:nvSpPr>
-          <p:cNvPr id="4" name="Slide Number Placeholder 3"/>
-          <p:cNvSpPr>
-            <a:spLocks noGrp="1"/>
-          </p:cNvSpPr>
-          <p:nvPr>
-            <p:ph type="sldNum" sz="quarter" idx="5"/>
-          </p:nvPr>
-        </p:nvSpPr>
-        <p:spPr/>
-        <p:txBody>
-          <a:bodyPr/>
-          <a:lstStyle/>
-          <a:p>
-            <a:fld id="{C19DAB45-CF5F-406B-B0F9-26806D84E9AC}" type="slidenum">
-              <a:rPr lang="en-SG" smtClean="0"/>
-              <a:t>46</a:t>
-            </a:fld>
-            <a:endParaRPr lang="en-SG"/>
-          </a:p>
-        </p:txBody>
-      </p:sp>
-    </p:spTree>
-    <p:extLst>
-      <p:ext uri="{BB962C8B-B14F-4D97-AF65-F5344CB8AC3E}">
-        <p14:creationId xmlns:p14="http://schemas.microsoft.com/office/powerpoint/2010/main" val="3795614753"/>
-      </p:ext>
-    </p:extLst>
-  </p:cSld>
-  <p:clrMapOvr>
-    <a:masterClrMapping/>
-  </p:clrMapOvr>
-</p:notes>
 </file>
 
 <file path=ppt/slideLayouts/slideLayout1.xml><?xml version="1.0" encoding="utf-8"?>
@@ -8532,10 +8426,10 @@
       </p:grpSpPr>
       <p:pic>
         <p:nvPicPr>
-          <p:cNvPr id="14" name="Picture 13">
+          <p:cNvPr id="15" name="Picture 14">
             <a:extLst>
               <a:ext uri="{FF2B5EF4-FFF2-40B4-BE49-F238E27FC236}">
-                <a16:creationId xmlns:a16="http://schemas.microsoft.com/office/drawing/2014/main" id="{B8987F2A-C4B6-4299-93FB-092579191256}"/>
+                <a16:creationId xmlns:a16="http://schemas.microsoft.com/office/drawing/2014/main" id="{DCD849AF-3D9E-44CF-ACF7-F40E10FBE63F}"/>
               </a:ext>
             </a:extLst>
           </p:cNvPr>
@@ -8553,7 +8447,7 @@
         <p:spPr>
           <a:xfrm>
             <a:off x="484650" y="1513522"/>
-            <a:ext cx="6494400" cy="5036938"/>
+            <a:ext cx="6494400" cy="4872519"/>
           </a:xfrm>
           <a:prstGeom prst="rect">
             <a:avLst/>
@@ -8686,6 +8580,43 @@
           <a:chExt cx="0" cy="0"/>
         </a:xfrm>
       </p:grpSpPr>
+      <p:pic>
+        <p:nvPicPr>
+          <p:cNvPr id="7" name="Picture 6">
+            <a:extLst>
+              <a:ext uri="{FF2B5EF4-FFF2-40B4-BE49-F238E27FC236}">
+                <a16:creationId xmlns:a16="http://schemas.microsoft.com/office/drawing/2014/main" id="{AD877BDC-C351-4309-88ED-FC9794187AF7}"/>
+              </a:ext>
+            </a:extLst>
+          </p:cNvPr>
+          <p:cNvPicPr>
+            <a:picLocks noChangeAspect="1"/>
+          </p:cNvPicPr>
+          <p:nvPr/>
+        </p:nvPicPr>
+        <p:blipFill>
+          <a:blip r:embed="rId2"/>
+          <a:stretch>
+            <a:fillRect/>
+          </a:stretch>
+        </p:blipFill>
+        <p:spPr>
+          <a:xfrm>
+            <a:off x="484650" y="1513521"/>
+            <a:ext cx="6494400" cy="4867368"/>
+          </a:xfrm>
+          <a:prstGeom prst="rect">
+            <a:avLst/>
+          </a:prstGeom>
+          <a:effectLst>
+            <a:outerShdw blurRad="50800" dist="38100" dir="2700000" algn="tl" rotWithShape="0">
+              <a:prstClr val="black">
+                <a:alpha val="40000"/>
+              </a:prstClr>
+            </a:outerShdw>
+          </a:effectLst>
+        </p:spPr>
+      </p:pic>
       <p:sp>
         <p:nvSpPr>
           <p:cNvPr id="2" name="Title 1">
@@ -8704,24 +8635,24 @@
         </p:nvSpPr>
         <p:spPr/>
         <p:txBody>
-          <a:bodyPr>
+          <a:bodyPr anchor="ctr">
             <a:normAutofit/>
           </a:bodyPr>
           <a:lstStyle/>
           <a:p>
             <a:r>
-              <a:rPr lang="en-SG" sz="4800" dirty="0"/>
-              <a:t>CRSP</a:t>
-            </a:r>
-          </a:p>
-        </p:txBody>
-      </p:sp>
-      <p:sp>
-        <p:nvSpPr>
-          <p:cNvPr id="3" name="Content Placeholder 2">
+              <a:rPr lang="en-GB" dirty="0"/>
+              <a:t>Initial Findings</a:t>
+            </a:r>
+          </a:p>
+        </p:txBody>
+      </p:sp>
+      <p:sp>
+        <p:nvSpPr>
+          <p:cNvPr id="11" name="Content Placeholder 2">
             <a:extLst>
               <a:ext uri="{FF2B5EF4-FFF2-40B4-BE49-F238E27FC236}">
-                <a16:creationId xmlns:a16="http://schemas.microsoft.com/office/drawing/2014/main" id="{C5A6A21D-90D4-4D3D-A603-476DBD3CBF11}"/>
+                <a16:creationId xmlns:a16="http://schemas.microsoft.com/office/drawing/2014/main" id="{ED536D47-90CC-4CC5-9B8A-5191AE74C3EF}"/>
               </a:ext>
             </a:extLst>
           </p:cNvPr>
@@ -8732,81 +8663,61 @@
             <p:ph idx="1"/>
           </p:nvPr>
         </p:nvSpPr>
-        <p:spPr/>
+        <p:spPr>
+          <a:xfrm>
+            <a:off x="7058225" y="1513522"/>
+            <a:ext cx="3817112" cy="5031390"/>
+          </a:xfrm>
+        </p:spPr>
         <p:txBody>
           <a:bodyPr anchor="ctr">
-            <a:noAutofit/>
+            <a:normAutofit/>
           </a:bodyPr>
           <a:lstStyle/>
           <a:p>
-            <a:pPr marL="0" indent="0" algn="just">
-              <a:buNone/>
-            </a:pPr>
-            <a:r>
-              <a:rPr lang="en-SG" sz="1700" b="1" dirty="0"/>
-              <a:t>Available Relevant Data (Monthly)</a:t>
-            </a:r>
-          </a:p>
-          <a:p>
             <a:pPr algn="just"/>
             <a:r>
-              <a:rPr lang="en-SG" sz="1700" dirty="0"/>
-              <a:t>Closing Stock Price</a:t>
+              <a:rPr lang="en-SG" dirty="0"/>
+              <a:t>Coming in as faraway second and third place were the </a:t>
+            </a:r>
+            <a:r>
+              <a:rPr lang="en-SG" b="1" dirty="0"/>
+              <a:t>ROCE</a:t>
+            </a:r>
+            <a:r>
+              <a:rPr lang="en-SG" dirty="0"/>
+              <a:t> and </a:t>
+            </a:r>
+            <a:r>
+              <a:rPr lang="en-SG" b="1" dirty="0"/>
+              <a:t>Current Ratio</a:t>
+            </a:r>
+            <a:r>
+              <a:rPr lang="en-SG" dirty="0"/>
+              <a:t>-based smart beta indices. </a:t>
             </a:r>
           </a:p>
           <a:p>
             <a:pPr algn="just"/>
             <a:r>
-              <a:rPr lang="en-SG" sz="1700" dirty="0"/>
-              <a:t>Number of Shares Outstanding</a:t>
-            </a:r>
-          </a:p>
-          <a:p>
-            <a:pPr algn="just"/>
-            <a:r>
-              <a:rPr lang="en-SG" sz="1700" dirty="0"/>
-              <a:t>Returns (Simple, Dividend, Delisting)</a:t>
-            </a:r>
-          </a:p>
-          <a:p>
-            <a:pPr algn="just"/>
-            <a:endParaRPr lang="en-SG" sz="1700" dirty="0"/>
-          </a:p>
-          <a:p>
-            <a:pPr marL="0" indent="0" algn="just">
-              <a:buNone/>
-            </a:pPr>
-            <a:r>
-              <a:rPr lang="en-SG" sz="1700" b="1" dirty="0"/>
-              <a:t>Identifiers</a:t>
-            </a:r>
-          </a:p>
-          <a:p>
-            <a:pPr algn="just"/>
-            <a:r>
-              <a:rPr lang="en-SG" sz="1700" dirty="0"/>
-              <a:t>PERMCO</a:t>
-            </a:r>
-          </a:p>
-          <a:p>
-            <a:pPr algn="just"/>
-            <a:r>
-              <a:rPr lang="en-SG" sz="1700" dirty="0"/>
-              <a:t>PERMNO</a:t>
-            </a:r>
-          </a:p>
-          <a:p>
-            <a:pPr algn="just"/>
-            <a:r>
-              <a:rPr lang="en-SG" sz="1700" dirty="0"/>
-              <a:t>CUSIP – Not unique</a:t>
-            </a:r>
-          </a:p>
-          <a:p>
-            <a:pPr algn="just"/>
-            <a:r>
-              <a:rPr lang="en-SG" sz="1700" dirty="0"/>
-              <a:t>Ticker – Not unique</a:t>
+              <a:rPr lang="en-SG" dirty="0"/>
+              <a:t>Amongst the portfolios which survived the sample period, indices weighed based on </a:t>
+            </a:r>
+            <a:r>
+              <a:rPr lang="en-SG" b="1" dirty="0"/>
+              <a:t>price</a:t>
+            </a:r>
+            <a:r>
+              <a:rPr lang="en-SG" dirty="0"/>
+              <a:t> and </a:t>
+            </a:r>
+            <a:r>
+              <a:rPr lang="en-SG" b="1" dirty="0"/>
+              <a:t>market capitalisation performed the worst</a:t>
+            </a:r>
+            <a:r>
+              <a:rPr lang="en-SG" dirty="0"/>
+              <a:t>.</a:t>
             </a:r>
           </a:p>
         </p:txBody>
@@ -8814,7 +8725,7 @@
     </p:spTree>
     <p:extLst>
       <p:ext uri="{BB962C8B-B14F-4D97-AF65-F5344CB8AC3E}">
-        <p14:creationId xmlns:p14="http://schemas.microsoft.com/office/powerpoint/2010/main" val="3478928965"/>
+        <p14:creationId xmlns:p14="http://schemas.microsoft.com/office/powerpoint/2010/main" val="1811704223"/>
       </p:ext>
     </p:extLst>
   </p:cSld>
@@ -9000,6 +8911,43 @@
           <a:chExt cx="0" cy="0"/>
         </a:xfrm>
       </p:grpSpPr>
+      <p:pic>
+        <p:nvPicPr>
+          <p:cNvPr id="8" name="Picture 7">
+            <a:extLst>
+              <a:ext uri="{FF2B5EF4-FFF2-40B4-BE49-F238E27FC236}">
+                <a16:creationId xmlns:a16="http://schemas.microsoft.com/office/drawing/2014/main" id="{79DAEF2D-06D1-4008-9179-456E867B2E3D}"/>
+              </a:ext>
+            </a:extLst>
+          </p:cNvPr>
+          <p:cNvPicPr>
+            <a:picLocks noChangeAspect="1"/>
+          </p:cNvPicPr>
+          <p:nvPr/>
+        </p:nvPicPr>
+        <p:blipFill>
+          <a:blip r:embed="rId2"/>
+          <a:stretch>
+            <a:fillRect/>
+          </a:stretch>
+        </p:blipFill>
+        <p:spPr>
+          <a:xfrm>
+            <a:off x="484650" y="1513522"/>
+            <a:ext cx="6494400" cy="4872519"/>
+          </a:xfrm>
+          <a:prstGeom prst="rect">
+            <a:avLst/>
+          </a:prstGeom>
+          <a:effectLst>
+            <a:outerShdw blurRad="50800" dist="38100" dir="2700000" algn="tl" rotWithShape="0">
+              <a:prstClr val="black">
+                <a:alpha val="40000"/>
+              </a:prstClr>
+            </a:outerShdw>
+          </a:effectLst>
+        </p:spPr>
+      </p:pic>
       <p:sp>
         <p:nvSpPr>
           <p:cNvPr id="2" name="Title 1">
@@ -9018,24 +8966,24 @@
         </p:nvSpPr>
         <p:spPr/>
         <p:txBody>
-          <a:bodyPr>
+          <a:bodyPr anchor="ctr">
             <a:normAutofit/>
           </a:bodyPr>
           <a:lstStyle/>
           <a:p>
             <a:r>
-              <a:rPr lang="en-SG" sz="4800" dirty="0"/>
-              <a:t>Compustat – Capital IQ</a:t>
-            </a:r>
-          </a:p>
-        </p:txBody>
-      </p:sp>
-      <p:sp>
-        <p:nvSpPr>
-          <p:cNvPr id="3" name="Content Placeholder 2">
+              <a:rPr lang="en-GB" dirty="0"/>
+              <a:t>Initial Findings</a:t>
+            </a:r>
+          </a:p>
+        </p:txBody>
+      </p:sp>
+      <p:sp>
+        <p:nvSpPr>
+          <p:cNvPr id="11" name="Content Placeholder 2">
             <a:extLst>
               <a:ext uri="{FF2B5EF4-FFF2-40B4-BE49-F238E27FC236}">
-                <a16:creationId xmlns:a16="http://schemas.microsoft.com/office/drawing/2014/main" id="{C5A6A21D-90D4-4D3D-A603-476DBD3CBF11}"/>
+                <a16:creationId xmlns:a16="http://schemas.microsoft.com/office/drawing/2014/main" id="{ED536D47-90CC-4CC5-9B8A-5191AE74C3EF}"/>
               </a:ext>
             </a:extLst>
           </p:cNvPr>
@@ -9046,10 +8994,15 @@
             <p:ph idx="1"/>
           </p:nvPr>
         </p:nvSpPr>
-        <p:spPr/>
+        <p:spPr>
+          <a:xfrm>
+            <a:off x="7137400" y="1513522"/>
+            <a:ext cx="3817112" cy="5031390"/>
+          </a:xfrm>
+        </p:spPr>
         <p:txBody>
           <a:bodyPr anchor="ctr">
-            <a:normAutofit fontScale="92500" lnSpcReduction="20000"/>
+            <a:normAutofit/>
           </a:bodyPr>
           <a:lstStyle/>
           <a:p>
@@ -9057,77 +9010,38 @@
               <a:buNone/>
             </a:pPr>
             <a:r>
+              <a:rPr lang="en-SG" dirty="0"/>
+              <a:t>To put things into perspective: </a:t>
+            </a:r>
+          </a:p>
+          <a:p>
+            <a:pPr algn="just"/>
+            <a:r>
+              <a:rPr lang="en-SG" dirty="0"/>
+              <a:t>The value of $1 invested in our constructed ROIC-based total return smart beta portfolio at Jun 1988 would be worth </a:t>
+            </a:r>
+            <a:r>
               <a:rPr lang="en-SG" b="1" dirty="0"/>
-              <a:t>Available Relevant Data (Balance Sheet, Annual)</a:t>
+              <a:t>$197.10 </a:t>
+            </a:r>
+            <a:r>
+              <a:rPr lang="en-SG" dirty="0"/>
+              <a:t>at the end of 2018 (excluding transaction costs).</a:t>
             </a:r>
           </a:p>
           <a:p>
             <a:pPr algn="just"/>
             <a:r>
               <a:rPr lang="en-SG" dirty="0"/>
-              <a:t>Total Stockholders’ Equity</a:t>
-            </a:r>
-          </a:p>
-          <a:p>
-            <a:pPr algn="just"/>
+              <a:t>An identical $1 invested in the benchmark total return index over the same time period would be worth </a:t>
+            </a:r>
+            <a:r>
+              <a:rPr lang="en-SG" b="1" dirty="0"/>
+              <a:t>“only” $15.77</a:t>
+            </a:r>
             <a:r>
               <a:rPr lang="en-SG" dirty="0"/>
-              <a:t>Deferred Taxes</a:t>
-            </a:r>
-          </a:p>
-          <a:p>
-            <a:pPr algn="just"/>
-            <a:r>
-              <a:rPr lang="en-SG" dirty="0"/>
-              <a:t>Investment Tax Credit</a:t>
-            </a:r>
-          </a:p>
-          <a:p>
-            <a:pPr algn="just"/>
-            <a:r>
-              <a:rPr lang="en-SG" dirty="0"/>
-              <a:t>Preferred Stock (Redemption, Liquidation, Carrying Values)</a:t>
-            </a:r>
-          </a:p>
-          <a:p>
-            <a:pPr algn="just"/>
-            <a:endParaRPr lang="en-SG" dirty="0"/>
-          </a:p>
-          <a:p>
-            <a:pPr marL="0" indent="0" algn="just">
-              <a:buNone/>
-            </a:pPr>
-            <a:r>
-              <a:rPr lang="en-SG" b="1" dirty="0"/>
-              <a:t>Identifiers</a:t>
-            </a:r>
-          </a:p>
-          <a:p>
-            <a:pPr algn="just"/>
-            <a:r>
-              <a:rPr lang="en-SG" dirty="0"/>
-              <a:t>GVKEY</a:t>
-            </a:r>
-          </a:p>
-          <a:p>
-            <a:pPr algn="just"/>
-            <a:r>
-              <a:rPr lang="en-SG" dirty="0"/>
-              <a:t>IID</a:t>
-            </a:r>
-          </a:p>
-          <a:p>
-            <a:pPr algn="just"/>
-            <a:r>
-              <a:rPr lang="en-SG" dirty="0"/>
-              <a:t>CUSIP – Not unique</a:t>
-            </a:r>
-          </a:p>
-          <a:p>
-            <a:pPr algn="just"/>
-            <a:r>
-              <a:rPr lang="en-SG" dirty="0"/>
-              <a:t>Ticker – Not unique, different from CRSP tickers</a:t>
+              <a:t>.</a:t>
             </a:r>
           </a:p>
         </p:txBody>
@@ -9135,7 +9049,7 @@
     </p:spTree>
     <p:extLst>
       <p:ext uri="{BB962C8B-B14F-4D97-AF65-F5344CB8AC3E}">
-        <p14:creationId xmlns:p14="http://schemas.microsoft.com/office/powerpoint/2010/main" val="125012425"/>
+        <p14:creationId xmlns:p14="http://schemas.microsoft.com/office/powerpoint/2010/main" val="3043581333"/>
       </p:ext>
     </p:extLst>
   </p:cSld>
@@ -9162,6 +9076,43 @@
           <a:chExt cx="0" cy="0"/>
         </a:xfrm>
       </p:grpSpPr>
+      <p:pic>
+        <p:nvPicPr>
+          <p:cNvPr id="8" name="Picture 7">
+            <a:extLst>
+              <a:ext uri="{FF2B5EF4-FFF2-40B4-BE49-F238E27FC236}">
+                <a16:creationId xmlns:a16="http://schemas.microsoft.com/office/drawing/2014/main" id="{C91F6B68-AE3E-49D7-94ED-CB108177A125}"/>
+              </a:ext>
+            </a:extLst>
+          </p:cNvPr>
+          <p:cNvPicPr>
+            <a:picLocks/>
+          </p:cNvPicPr>
+          <p:nvPr/>
+        </p:nvPicPr>
+        <p:blipFill>
+          <a:blip r:embed="rId2"/>
+          <a:stretch>
+            <a:fillRect/>
+          </a:stretch>
+        </p:blipFill>
+        <p:spPr>
+          <a:xfrm>
+            <a:off x="484650" y="1513522"/>
+            <a:ext cx="6494400" cy="4874400"/>
+          </a:xfrm>
+          <a:prstGeom prst="rect">
+            <a:avLst/>
+          </a:prstGeom>
+          <a:effectLst>
+            <a:outerShdw blurRad="50800" dist="38100" dir="2700000" algn="tl" rotWithShape="0">
+              <a:prstClr val="black">
+                <a:alpha val="40000"/>
+              </a:prstClr>
+            </a:outerShdw>
+          </a:effectLst>
+        </p:spPr>
+      </p:pic>
       <p:sp>
         <p:nvSpPr>
           <p:cNvPr id="2" name="Title 1">
@@ -9180,24 +9131,24 @@
         </p:nvSpPr>
         <p:spPr/>
         <p:txBody>
-          <a:bodyPr>
+          <a:bodyPr anchor="ctr">
             <a:normAutofit/>
           </a:bodyPr>
           <a:lstStyle/>
           <a:p>
             <a:r>
-              <a:rPr lang="en-SG" sz="4800" dirty="0"/>
-              <a:t>CRSP vs Compustat</a:t>
-            </a:r>
-          </a:p>
-        </p:txBody>
-      </p:sp>
-      <p:sp>
-        <p:nvSpPr>
-          <p:cNvPr id="3" name="Content Placeholder 2">
+              <a:rPr lang="en-GB" dirty="0"/>
+              <a:t>Initial Findings</a:t>
+            </a:r>
+          </a:p>
+        </p:txBody>
+      </p:sp>
+      <p:sp>
+        <p:nvSpPr>
+          <p:cNvPr id="11" name="Content Placeholder 2">
             <a:extLst>
               <a:ext uri="{FF2B5EF4-FFF2-40B4-BE49-F238E27FC236}">
-                <a16:creationId xmlns:a16="http://schemas.microsoft.com/office/drawing/2014/main" id="{C5A6A21D-90D4-4D3D-A603-476DBD3CBF11}"/>
+                <a16:creationId xmlns:a16="http://schemas.microsoft.com/office/drawing/2014/main" id="{ED536D47-90CC-4CC5-9B8A-5191AE74C3EF}"/>
               </a:ext>
             </a:extLst>
           </p:cNvPr>
@@ -9208,7 +9159,12 @@
             <p:ph idx="1"/>
           </p:nvPr>
         </p:nvSpPr>
-        <p:spPr/>
+        <p:spPr>
+          <a:xfrm>
+            <a:off x="7137400" y="1513522"/>
+            <a:ext cx="3817112" cy="5031390"/>
+          </a:xfrm>
+        </p:spPr>
         <p:txBody>
           <a:bodyPr anchor="ctr">
             <a:normAutofit/>
@@ -9218,56 +9174,45 @@
             <a:pPr algn="just"/>
             <a:r>
               <a:rPr lang="en-SG" dirty="0"/>
-              <a:t>Entity Level: </a:t>
+              <a:t>As with the case of the price return smart beta indices, the second-best performing total return smart beta portfolio was the one weighted based on </a:t>
             </a:r>
             <a:r>
               <a:rPr lang="en-SG" b="1" dirty="0"/>
-              <a:t>PERMCO (CRSP) </a:t>
+              <a:t>ROCE</a:t>
             </a:r>
             <a:r>
               <a:rPr lang="en-SG" dirty="0"/>
-              <a:t>and </a:t>
+              <a:t>.</a:t>
+            </a:r>
+          </a:p>
+          <a:p>
+            <a:pPr algn="just"/>
+            <a:r>
+              <a:rPr lang="en-SG" dirty="0"/>
+              <a:t>The </a:t>
             </a:r>
             <a:r>
               <a:rPr lang="en-SG" b="1" dirty="0"/>
-              <a:t>GVKEY (Compustat) </a:t>
+              <a:t>Operating Cash Flow Margin</a:t>
             </a:r>
             <a:r>
               <a:rPr lang="en-SG" dirty="0"/>
-              <a:t>do not always agree, difficult to obtain perfect matching between datasets. As such, 1 PERMCO may correspond to multiple GVKEY and vice versa.</a:t>
+              <a:t>-based index came in third. </a:t>
             </a:r>
           </a:p>
           <a:p>
             <a:pPr algn="just"/>
             <a:r>
+              <a:rPr lang="en-SG" dirty="0"/>
+              <a:t>The </a:t>
+            </a:r>
+            <a:r>
               <a:rPr lang="en-SG" b="1" dirty="0"/>
-              <a:t>CRSP/Compustat Merged (CCM) </a:t>
+              <a:t>price-weighted index was once again amongst the worst performing </a:t>
             </a:r>
             <a:r>
               <a:rPr lang="en-SG" dirty="0"/>
-              <a:t>tries to bridge the gap but some crucial data (e.g. number of shares outstanding) is missing/formatted in an inconvenient manner.</a:t>
-            </a:r>
-          </a:p>
-          <a:p>
-            <a:pPr algn="just"/>
-            <a:r>
-              <a:rPr lang="en-SG" dirty="0"/>
-              <a:t>Solution: Use CCM to obtain entity level matching data, then raw data was obtained from standalone datasets. New identifier </a:t>
-            </a:r>
-            <a:r>
-              <a:rPr lang="en-SG" b="1" dirty="0"/>
-              <a:t>GVKEY PERMCO </a:t>
-            </a:r>
-            <a:r>
-              <a:rPr lang="en-SG" dirty="0"/>
-              <a:t>was created for purposes of traversing between datasets.</a:t>
-            </a:r>
-          </a:p>
-          <a:p>
-            <a:pPr algn="just"/>
-            <a:r>
-              <a:rPr lang="en-SG" dirty="0"/>
-              <a:t>Example: If Apple Inc’s GVKEY is 1690 and its PERMCO is 7, its GV KEY PERMCO is 16907, which is a unique identifier.</a:t>
+              <a:t>but surviving ones.</a:t>
             </a:r>
           </a:p>
         </p:txBody>
@@ -9275,7 +9220,7 @@
     </p:spTree>
     <p:extLst>
       <p:ext uri="{BB962C8B-B14F-4D97-AF65-F5344CB8AC3E}">
-        <p14:creationId xmlns:p14="http://schemas.microsoft.com/office/powerpoint/2010/main" val="2039408702"/>
+        <p14:creationId xmlns:p14="http://schemas.microsoft.com/office/powerpoint/2010/main" val="3666054794"/>
       </p:ext>
     </p:extLst>
   </p:cSld>
@@ -9286,7 +9231,7 @@
 </file>
 
 <file path=ppt/slides/slide22.xml><?xml version="1.0" encoding="utf-8"?>
-<p:sld xmlns:a="http://schemas.openxmlformats.org/drawingml/2006/main" xmlns:r="http://schemas.openxmlformats.org/officeDocument/2006/relationships" xmlns:p="http://schemas.openxmlformats.org/presentationml/2006/main" show="0">
+<p:sld xmlns:a="http://schemas.openxmlformats.org/drawingml/2006/main" xmlns:r="http://schemas.openxmlformats.org/officeDocument/2006/relationships" xmlns:p="http://schemas.openxmlformats.org/presentationml/2006/main">
   <p:cSld>
     <p:spTree>
       <p:nvGrpSpPr>
@@ -9302,6 +9247,43 @@
           <a:chExt cx="0" cy="0"/>
         </a:xfrm>
       </p:grpSpPr>
+      <p:pic>
+        <p:nvPicPr>
+          <p:cNvPr id="12" name="Picture 11">
+            <a:extLst>
+              <a:ext uri="{FF2B5EF4-FFF2-40B4-BE49-F238E27FC236}">
+                <a16:creationId xmlns:a16="http://schemas.microsoft.com/office/drawing/2014/main" id="{C8637763-CA09-46E8-9726-A5BCA366215E}"/>
+              </a:ext>
+            </a:extLst>
+          </p:cNvPr>
+          <p:cNvPicPr>
+            <a:picLocks noChangeAspect="1"/>
+          </p:cNvPicPr>
+          <p:nvPr/>
+        </p:nvPicPr>
+        <p:blipFill>
+          <a:blip r:embed="rId2"/>
+          <a:stretch>
+            <a:fillRect/>
+          </a:stretch>
+        </p:blipFill>
+        <p:spPr>
+          <a:xfrm>
+            <a:off x="484650" y="1513522"/>
+            <a:ext cx="6494400" cy="4869904"/>
+          </a:xfrm>
+          <a:prstGeom prst="rect">
+            <a:avLst/>
+          </a:prstGeom>
+          <a:effectLst>
+            <a:outerShdw blurRad="50800" dist="38100" dir="2700000" algn="tl" rotWithShape="0">
+              <a:prstClr val="black">
+                <a:alpha val="40000"/>
+              </a:prstClr>
+            </a:outerShdw>
+          </a:effectLst>
+        </p:spPr>
+      </p:pic>
       <p:sp>
         <p:nvSpPr>
           <p:cNvPr id="2" name="Title 1">
@@ -9320,24 +9302,24 @@
         </p:nvSpPr>
         <p:spPr/>
         <p:txBody>
-          <a:bodyPr>
+          <a:bodyPr anchor="ctr">
             <a:normAutofit/>
           </a:bodyPr>
           <a:lstStyle/>
           <a:p>
             <a:r>
-              <a:rPr lang="en-SG" sz="4800" dirty="0"/>
-              <a:t>Other Issues in Data</a:t>
-            </a:r>
-          </a:p>
-        </p:txBody>
-      </p:sp>
-      <p:sp>
-        <p:nvSpPr>
-          <p:cNvPr id="3" name="Content Placeholder 2">
+              <a:rPr lang="en-GB" dirty="0"/>
+              <a:t>Initial Findings</a:t>
+            </a:r>
+          </a:p>
+        </p:txBody>
+      </p:sp>
+      <p:sp>
+        <p:nvSpPr>
+          <p:cNvPr id="11" name="Content Placeholder 2">
             <a:extLst>
               <a:ext uri="{FF2B5EF4-FFF2-40B4-BE49-F238E27FC236}">
-                <a16:creationId xmlns:a16="http://schemas.microsoft.com/office/drawing/2014/main" id="{C5A6A21D-90D4-4D3D-A603-476DBD3CBF11}"/>
+                <a16:creationId xmlns:a16="http://schemas.microsoft.com/office/drawing/2014/main" id="{ED536D47-90CC-4CC5-9B8A-5191AE74C3EF}"/>
               </a:ext>
             </a:extLst>
           </p:cNvPr>
@@ -9348,45 +9330,43 @@
             <p:ph idx="1"/>
           </p:nvPr>
         </p:nvSpPr>
-        <p:spPr/>
+        <p:spPr>
+          <a:xfrm>
+            <a:off x="7137400" y="1513522"/>
+            <a:ext cx="3817112" cy="5031390"/>
+          </a:xfrm>
+        </p:spPr>
         <p:txBody>
           <a:bodyPr anchor="ctr">
-            <a:normAutofit/>
+            <a:normAutofit lnSpcReduction="10000"/>
           </a:bodyPr>
           <a:lstStyle/>
           <a:p>
             <a:pPr algn="just"/>
             <a:r>
               <a:rPr lang="en-SG" dirty="0"/>
-              <a:t>Missing Data – E.g. No returns data available when it should be</a:t>
+              <a:t>We also observed a few constructed portfolios which have failed over our sample period (ROA, Profit Margin and LTDE Ratio). </a:t>
             </a:r>
           </a:p>
           <a:p>
             <a:pPr algn="just"/>
             <a:r>
               <a:rPr lang="en-SG" dirty="0"/>
-              <a:t>Incomplete Dataset – CRSP &amp; Compustat do not cover the whole population of NYSE, NASDAQ and Amex traded stocks, only an overlap is available</a:t>
+              <a:t>All of the failure cases were the result of a few extensive losses incurred from prescribed unprofitable and extremely large short positions taken on the same few constituent stocks</a:t>
             </a:r>
           </a:p>
           <a:p>
             <a:pPr algn="just"/>
             <a:r>
               <a:rPr lang="en-SG" dirty="0"/>
-              <a:t>Repeat Data – Double reporting of same company for same period</a:t>
+              <a:t>This is the result of one of the drawbacks that come with allowing fully unconstrained portfolios. </a:t>
             </a:r>
           </a:p>
           <a:p>
             <a:pPr algn="just"/>
             <a:r>
               <a:rPr lang="en-SG" dirty="0"/>
-              <a:t>Conflicting Data – Standalone CRSP &amp; Compustat vs. CCM</a:t>
-            </a:r>
-          </a:p>
-          <a:p>
-            <a:pPr algn="just"/>
-            <a:r>
-              <a:rPr lang="en-SG" dirty="0"/>
-              <a:t>Computational Cost – Takes hours to compute several million cells</a:t>
+              <a:t>The failures were also observed to all have occurred in mid-to-late 2002.</a:t>
             </a:r>
           </a:p>
         </p:txBody>
@@ -9394,7 +9374,7 @@
     </p:spTree>
     <p:extLst>
       <p:ext uri="{BB962C8B-B14F-4D97-AF65-F5344CB8AC3E}">
-        <p14:creationId xmlns:p14="http://schemas.microsoft.com/office/powerpoint/2010/main" val="284918670"/>
+        <p14:creationId xmlns:p14="http://schemas.microsoft.com/office/powerpoint/2010/main" val="4072247869"/>
       </p:ext>
     </p:extLst>
   </p:cSld>
@@ -9421,404 +9401,126 @@
           <a:chExt cx="0" cy="0"/>
         </a:xfrm>
       </p:grpSpPr>
-      <p:sp>
-        <p:nvSpPr>
-          <p:cNvPr id="3" name="Title 1">
+      <p:pic>
+        <p:nvPicPr>
+          <p:cNvPr id="6" name="Picture 5">
             <a:extLst>
               <a:ext uri="{FF2B5EF4-FFF2-40B4-BE49-F238E27FC236}">
-                <a16:creationId xmlns:a16="http://schemas.microsoft.com/office/drawing/2014/main" id="{B2012655-3A3E-4012-9F61-294F4C1A6261}"/>
+                <a16:creationId xmlns:a16="http://schemas.microsoft.com/office/drawing/2014/main" id="{B6FDA0C3-F773-439D-915C-67573BAD741C}"/>
               </a:ext>
             </a:extLst>
           </p:cNvPr>
-          <p:cNvSpPr txBox="1">
-            <a:spLocks/>
-          </p:cNvSpPr>
+          <p:cNvPicPr>
+            <a:picLocks noChangeAspect="1"/>
+          </p:cNvPicPr>
           <p:nvPr/>
-        </p:nvSpPr>
+        </p:nvPicPr>
+        <p:blipFill>
+          <a:blip r:embed="rId2"/>
+          <a:stretch>
+            <a:fillRect/>
+          </a:stretch>
+        </p:blipFill>
         <p:spPr>
           <a:xfrm>
-            <a:off x="1261872" y="365760"/>
-            <a:ext cx="9692640" cy="1325562"/>
+            <a:off x="484650" y="1513522"/>
+            <a:ext cx="6494400" cy="4862067"/>
           </a:xfrm>
           <a:prstGeom prst="rect">
             <a:avLst/>
           </a:prstGeom>
+          <a:effectLst>
+            <a:outerShdw blurRad="50800" dist="38100" dir="2700000" algn="tl" rotWithShape="0">
+              <a:prstClr val="black">
+                <a:alpha val="40000"/>
+              </a:prstClr>
+            </a:outerShdw>
+          </a:effectLst>
         </p:spPr>
-        <p:txBody>
-          <a:bodyPr vert="horz" lIns="91440" tIns="45720" rIns="91440" bIns="45720" rtlCol="0" anchor="b">
-            <a:normAutofit/>
-          </a:bodyPr>
-          <a:lstStyle>
-            <a:lvl1pPr algn="l" defTabSz="914400" rtl="0" eaLnBrk="1" latinLnBrk="0" hangingPunct="1">
-              <a:lnSpc>
-                <a:spcPct val="85000"/>
-              </a:lnSpc>
-              <a:spcBef>
-                <a:spcPct val="0"/>
-              </a:spcBef>
-              <a:buNone/>
-              <a:defRPr sz="7200" b="0" kern="1200" spc="-50" baseline="0">
-                <a:solidFill>
-                  <a:schemeClr val="tx1"/>
-                </a:solidFill>
-                <a:latin typeface="+mj-lt"/>
-                <a:ea typeface="+mj-ea"/>
-                <a:cs typeface="+mj-cs"/>
-              </a:defRPr>
-            </a:lvl1pPr>
-          </a:lstStyle>
-          <a:p>
-            <a:r>
-              <a:rPr lang="en-GB" sz="4000" dirty="0"/>
-              <a:t>Data, Research Design &amp; Methodology</a:t>
-            </a:r>
-          </a:p>
-        </p:txBody>
-      </p:sp>
-      <p:sp>
-        <p:nvSpPr>
-          <p:cNvPr id="4" name="Content Placeholder 2">
+      </p:pic>
+      <p:sp>
+        <p:nvSpPr>
+          <p:cNvPr id="2" name="Title 1">
             <a:extLst>
               <a:ext uri="{FF2B5EF4-FFF2-40B4-BE49-F238E27FC236}">
-                <a16:creationId xmlns:a16="http://schemas.microsoft.com/office/drawing/2014/main" id="{47EFAD8E-A1BE-434D-B90B-B2BAD3D10F32}"/>
+                <a16:creationId xmlns:a16="http://schemas.microsoft.com/office/drawing/2014/main" id="{E32021F1-307B-408C-9FCF-6F677B44ECFE}"/>
               </a:ext>
             </a:extLst>
           </p:cNvPr>
-          <p:cNvSpPr txBox="1">
-            <a:spLocks/>
+          <p:cNvSpPr>
+            <a:spLocks noGrp="1"/>
           </p:cNvSpPr>
-          <p:nvPr/>
+          <p:nvPr>
+            <p:ph type="title"/>
+          </p:nvPr>
+        </p:nvSpPr>
+        <p:spPr/>
+        <p:txBody>
+          <a:bodyPr anchor="ctr">
+            <a:normAutofit/>
+          </a:bodyPr>
+          <a:lstStyle/>
+          <a:p>
+            <a:r>
+              <a:rPr lang="en-GB" dirty="0"/>
+              <a:t>Initial Findings</a:t>
+            </a:r>
+          </a:p>
+        </p:txBody>
+      </p:sp>
+      <p:sp>
+        <p:nvSpPr>
+          <p:cNvPr id="11" name="Content Placeholder 2">
+            <a:extLst>
+              <a:ext uri="{FF2B5EF4-FFF2-40B4-BE49-F238E27FC236}">
+                <a16:creationId xmlns:a16="http://schemas.microsoft.com/office/drawing/2014/main" id="{ED536D47-90CC-4CC5-9B8A-5191AE74C3EF}"/>
+              </a:ext>
+            </a:extLst>
+          </p:cNvPr>
+          <p:cNvSpPr>
+            <a:spLocks noGrp="1"/>
+          </p:cNvSpPr>
+          <p:nvPr>
+            <p:ph idx="1"/>
+          </p:nvPr>
         </p:nvSpPr>
         <p:spPr>
           <a:xfrm>
-            <a:off x="1261872" y="1828800"/>
-            <a:ext cx="8595360" cy="4351337"/>
+            <a:off x="7137400" y="1513522"/>
+            <a:ext cx="3817112" cy="5031390"/>
           </a:xfrm>
-          <a:prstGeom prst="rect">
-            <a:avLst/>
-          </a:prstGeom>
         </p:spPr>
         <p:txBody>
-          <a:bodyPr vert="horz" lIns="91440" tIns="45720" rIns="91440" bIns="45720" rtlCol="0" anchor="ctr">
-            <a:normAutofit/>
+          <a:bodyPr anchor="ctr">
+            <a:normAutofit lnSpcReduction="10000"/>
           </a:bodyPr>
-          <a:lstStyle>
-            <a:lvl1pPr marL="0" indent="0" algn="l" defTabSz="914400" rtl="0" eaLnBrk="1" latinLnBrk="0" hangingPunct="1">
-              <a:lnSpc>
-                <a:spcPct val="95000"/>
-              </a:lnSpc>
-              <a:spcBef>
-                <a:spcPts val="1400"/>
-              </a:spcBef>
-              <a:spcAft>
-                <a:spcPts val="200"/>
-              </a:spcAft>
-              <a:buClr>
-                <a:schemeClr val="accent1"/>
-              </a:buClr>
-              <a:buSzPct val="80000"/>
-              <a:buFont typeface="Arial" pitchFamily="34" charset="0"/>
-              <a:buNone/>
-              <a:defRPr sz="2200" kern="1200" spc="10" baseline="0">
-                <a:solidFill>
-                  <a:schemeClr val="tx1">
-                    <a:lumMod val="65000"/>
-                    <a:lumOff val="35000"/>
-                  </a:schemeClr>
-                </a:solidFill>
-                <a:latin typeface="+mn-lt"/>
-                <a:ea typeface="+mn-ea"/>
-                <a:cs typeface="+mn-cs"/>
-              </a:defRPr>
-            </a:lvl1pPr>
-            <a:lvl2pPr marL="457200" indent="0" algn="l" defTabSz="914400" rtl="0" eaLnBrk="1" latinLnBrk="0" hangingPunct="1">
-              <a:lnSpc>
-                <a:spcPct val="90000"/>
-              </a:lnSpc>
-              <a:spcBef>
-                <a:spcPts val="300"/>
-              </a:spcBef>
-              <a:spcAft>
-                <a:spcPts val="300"/>
-              </a:spcAft>
-              <a:buClr>
-                <a:schemeClr val="accent1"/>
-              </a:buClr>
-              <a:buFont typeface="Wingdings 2" pitchFamily="18" charset="2"/>
-              <a:buNone/>
-              <a:defRPr sz="1800" kern="1200">
-                <a:solidFill>
-                  <a:schemeClr val="tx1">
-                    <a:tint val="75000"/>
-                  </a:schemeClr>
-                </a:solidFill>
-                <a:latin typeface="+mn-lt"/>
-                <a:ea typeface="+mn-ea"/>
-                <a:cs typeface="+mn-cs"/>
-              </a:defRPr>
-            </a:lvl2pPr>
-            <a:lvl3pPr marL="914400" indent="0" algn="l" defTabSz="914400" rtl="0" eaLnBrk="1" latinLnBrk="0" hangingPunct="1">
-              <a:lnSpc>
-                <a:spcPct val="90000"/>
-              </a:lnSpc>
-              <a:spcBef>
-                <a:spcPts val="300"/>
-              </a:spcBef>
-              <a:spcAft>
-                <a:spcPts val="300"/>
-              </a:spcAft>
-              <a:buClr>
-                <a:schemeClr val="accent1"/>
-              </a:buClr>
-              <a:buFont typeface="Wingdings 2" pitchFamily="18" charset="2"/>
-              <a:buNone/>
-              <a:defRPr sz="1600" kern="1200">
-                <a:solidFill>
-                  <a:schemeClr val="tx1">
-                    <a:tint val="75000"/>
-                  </a:schemeClr>
-                </a:solidFill>
-                <a:latin typeface="+mn-lt"/>
-                <a:ea typeface="+mn-ea"/>
-                <a:cs typeface="+mn-cs"/>
-              </a:defRPr>
-            </a:lvl3pPr>
-            <a:lvl4pPr marL="1371600" indent="0" algn="l" defTabSz="914400" rtl="0" eaLnBrk="1" latinLnBrk="0" hangingPunct="1">
-              <a:lnSpc>
-                <a:spcPct val="90000"/>
-              </a:lnSpc>
-              <a:spcBef>
-                <a:spcPts val="300"/>
-              </a:spcBef>
-              <a:spcAft>
-                <a:spcPts val="300"/>
-              </a:spcAft>
-              <a:buClr>
-                <a:schemeClr val="accent1"/>
-              </a:buClr>
-              <a:buFont typeface="Wingdings 2" pitchFamily="18" charset="2"/>
-              <a:buNone/>
-              <a:defRPr sz="1400" kern="1200">
-                <a:solidFill>
-                  <a:schemeClr val="tx1">
-                    <a:tint val="75000"/>
-                  </a:schemeClr>
-                </a:solidFill>
-                <a:latin typeface="+mn-lt"/>
-                <a:ea typeface="+mn-ea"/>
-                <a:cs typeface="+mn-cs"/>
-              </a:defRPr>
-            </a:lvl4pPr>
-            <a:lvl5pPr marL="1828800" indent="0" algn="l" defTabSz="914400" rtl="0" eaLnBrk="1" latinLnBrk="0" hangingPunct="1">
-              <a:lnSpc>
-                <a:spcPct val="90000"/>
-              </a:lnSpc>
-              <a:spcBef>
-                <a:spcPts val="300"/>
-              </a:spcBef>
-              <a:spcAft>
-                <a:spcPts val="300"/>
-              </a:spcAft>
-              <a:buClr>
-                <a:schemeClr val="accent1"/>
-              </a:buClr>
-              <a:buFont typeface="Wingdings 2" pitchFamily="18" charset="2"/>
-              <a:buNone/>
-              <a:defRPr sz="1400" kern="1200">
-                <a:solidFill>
-                  <a:schemeClr val="tx1">
-                    <a:tint val="75000"/>
-                  </a:schemeClr>
-                </a:solidFill>
-                <a:latin typeface="+mn-lt"/>
-                <a:ea typeface="+mn-ea"/>
-                <a:cs typeface="+mn-cs"/>
-              </a:defRPr>
-            </a:lvl5pPr>
-            <a:lvl6pPr marL="2286000" indent="0" algn="l" defTabSz="914400" rtl="0" eaLnBrk="1" latinLnBrk="0" hangingPunct="1">
-              <a:lnSpc>
-                <a:spcPct val="90000"/>
-              </a:lnSpc>
-              <a:spcBef>
-                <a:spcPts val="300"/>
-              </a:spcBef>
-              <a:spcAft>
-                <a:spcPts val="300"/>
-              </a:spcAft>
-              <a:buClr>
-                <a:schemeClr val="accent1"/>
-              </a:buClr>
-              <a:buFont typeface="Wingdings 2" pitchFamily="18" charset="2"/>
-              <a:buNone/>
-              <a:defRPr sz="1400" kern="1200">
-                <a:solidFill>
-                  <a:schemeClr val="tx1">
-                    <a:tint val="75000"/>
-                  </a:schemeClr>
-                </a:solidFill>
-                <a:latin typeface="+mn-lt"/>
-                <a:ea typeface="+mn-ea"/>
-                <a:cs typeface="+mn-cs"/>
-              </a:defRPr>
-            </a:lvl6pPr>
-            <a:lvl7pPr marL="2743200" indent="0" algn="l" defTabSz="914400" rtl="0" eaLnBrk="1" latinLnBrk="0" hangingPunct="1">
-              <a:lnSpc>
-                <a:spcPct val="90000"/>
-              </a:lnSpc>
-              <a:spcBef>
-                <a:spcPts val="300"/>
-              </a:spcBef>
-              <a:spcAft>
-                <a:spcPts val="300"/>
-              </a:spcAft>
-              <a:buClr>
-                <a:schemeClr val="accent1"/>
-              </a:buClr>
-              <a:buFont typeface="Wingdings 2" pitchFamily="18" charset="2"/>
-              <a:buNone/>
-              <a:defRPr sz="1400" kern="1200">
-                <a:solidFill>
-                  <a:schemeClr val="tx1">
-                    <a:tint val="75000"/>
-                  </a:schemeClr>
-                </a:solidFill>
-                <a:latin typeface="+mn-lt"/>
-                <a:ea typeface="+mn-ea"/>
-                <a:cs typeface="+mn-cs"/>
-              </a:defRPr>
-            </a:lvl7pPr>
-            <a:lvl8pPr marL="3200400" indent="0" algn="l" defTabSz="914400" rtl="0" eaLnBrk="1" latinLnBrk="0" hangingPunct="1">
-              <a:lnSpc>
-                <a:spcPct val="90000"/>
-              </a:lnSpc>
-              <a:spcBef>
-                <a:spcPts val="300"/>
-              </a:spcBef>
-              <a:spcAft>
-                <a:spcPts val="300"/>
-              </a:spcAft>
-              <a:buClr>
-                <a:schemeClr val="accent1"/>
-              </a:buClr>
-              <a:buFont typeface="Wingdings 2" pitchFamily="18" charset="2"/>
-              <a:buNone/>
-              <a:defRPr sz="1400" kern="1200">
-                <a:solidFill>
-                  <a:schemeClr val="tx1">
-                    <a:tint val="75000"/>
-                  </a:schemeClr>
-                </a:solidFill>
-                <a:latin typeface="+mn-lt"/>
-                <a:ea typeface="+mn-ea"/>
-                <a:cs typeface="+mn-cs"/>
-              </a:defRPr>
-            </a:lvl8pPr>
-            <a:lvl9pPr marL="3657600" indent="0" algn="l" defTabSz="914400" rtl="0" eaLnBrk="1" latinLnBrk="0" hangingPunct="1">
-              <a:lnSpc>
-                <a:spcPct val="90000"/>
-              </a:lnSpc>
-              <a:spcBef>
-                <a:spcPts val="300"/>
-              </a:spcBef>
-              <a:spcAft>
-                <a:spcPts val="300"/>
-              </a:spcAft>
-              <a:buClr>
-                <a:schemeClr val="accent1"/>
-              </a:buClr>
-              <a:buFont typeface="Wingdings 2" pitchFamily="18" charset="2"/>
-              <a:buNone/>
-              <a:defRPr sz="1400" kern="1200">
-                <a:solidFill>
-                  <a:schemeClr val="tx1">
-                    <a:tint val="75000"/>
-                  </a:schemeClr>
-                </a:solidFill>
-                <a:latin typeface="+mn-lt"/>
-                <a:ea typeface="+mn-ea"/>
-                <a:cs typeface="+mn-cs"/>
-              </a:defRPr>
-            </a:lvl9pPr>
-          </a:lstStyle>
+          <a:lstStyle/>
           <a:p>
             <a:pPr algn="just"/>
             <a:r>
-              <a:rPr lang="en-SG" b="1" u="sng" dirty="0">
-                <a:solidFill>
-                  <a:schemeClr val="tx1"/>
-                </a:solidFill>
-              </a:rPr>
-              <a:t>Research Design &amp; Methodology:</a:t>
-            </a:r>
-          </a:p>
-          <a:p>
-            <a:pPr marL="342900" indent="-342900" algn="just">
-              <a:buFont typeface="Arial" panose="020B0604020202020204" pitchFamily="34" charset="0"/>
-              <a:buChar char="•"/>
-            </a:pPr>
-            <a:r>
-              <a:rPr lang="en-SG" dirty="0">
-                <a:solidFill>
-                  <a:schemeClr val="tx1"/>
-                </a:solidFill>
-              </a:rPr>
-              <a:t>Size</a:t>
-            </a:r>
-          </a:p>
-          <a:p>
-            <a:pPr marL="342900" indent="-342900" algn="just">
-              <a:buFont typeface="Arial" panose="020B0604020202020204" pitchFamily="34" charset="0"/>
-              <a:buChar char="•"/>
-            </a:pPr>
-            <a:r>
-              <a:rPr lang="en-SG" dirty="0">
-                <a:solidFill>
-                  <a:schemeClr val="tx1"/>
-                </a:solidFill>
-              </a:rPr>
-              <a:t>Book to Market Equity</a:t>
-            </a:r>
-          </a:p>
-          <a:p>
-            <a:pPr marL="342900" indent="-342900" algn="just">
-              <a:buFont typeface="Arial" panose="020B0604020202020204" pitchFamily="34" charset="0"/>
-              <a:buChar char="•"/>
-            </a:pPr>
-            <a:r>
-              <a:rPr lang="en-SG" dirty="0">
-                <a:solidFill>
-                  <a:schemeClr val="tx1"/>
-                </a:solidFill>
-              </a:rPr>
-              <a:t>SMB &amp; HML</a:t>
-            </a:r>
-          </a:p>
-          <a:p>
-            <a:pPr marL="342900" indent="-342900" algn="just">
-              <a:buFont typeface="Arial" panose="020B0604020202020204" pitchFamily="34" charset="0"/>
-              <a:buChar char="•"/>
-            </a:pPr>
-            <a:r>
-              <a:rPr lang="en-SG" dirty="0">
-                <a:solidFill>
-                  <a:schemeClr val="tx1"/>
-                </a:solidFill>
-              </a:rPr>
-              <a:t>Rm-Rf</a:t>
-            </a:r>
-          </a:p>
-          <a:p>
-            <a:pPr marL="342900" indent="-342900" algn="just">
-              <a:buFont typeface="Arial" panose="020B0604020202020204" pitchFamily="34" charset="0"/>
-              <a:buChar char="•"/>
-            </a:pPr>
-            <a:r>
-              <a:rPr lang="en-SG" dirty="0">
-                <a:solidFill>
-                  <a:schemeClr val="tx1"/>
-                </a:solidFill>
-              </a:rPr>
-              <a:t>Quantile Based Portfolios</a:t>
+              <a:rPr lang="en-SG" dirty="0"/>
+              <a:t>We also observed a few constructed portfolios which have failed over our sample period (ROA, Profit Margin and LTDE Ratio). </a:t>
+            </a:r>
+          </a:p>
+          <a:p>
+            <a:pPr algn="just"/>
+            <a:r>
+              <a:rPr lang="en-SG" dirty="0"/>
+              <a:t>All of the failure cases were the result of a few extensive losses incurred from prescribed unprofitable and extremely large short positions taken on the same few constituent stocks</a:t>
+            </a:r>
+          </a:p>
+          <a:p>
+            <a:pPr algn="just"/>
+            <a:r>
+              <a:rPr lang="en-SG" dirty="0"/>
+              <a:t>This is the result of one of the drawbacks that come with allowing fully unconstrained portfolios. </a:t>
+            </a:r>
+          </a:p>
+          <a:p>
+            <a:pPr algn="just"/>
+            <a:r>
+              <a:rPr lang="en-SG" dirty="0"/>
+              <a:t>The failures were also observed to all have occurred in mid-to-late 2002.</a:t>
             </a:r>
           </a:p>
         </p:txBody>
@@ -9826,7 +9528,7 @@
     </p:spTree>
     <p:extLst>
       <p:ext uri="{BB962C8B-B14F-4D97-AF65-F5344CB8AC3E}">
-        <p14:creationId xmlns:p14="http://schemas.microsoft.com/office/powerpoint/2010/main" val="310815951"/>
+        <p14:creationId xmlns:p14="http://schemas.microsoft.com/office/powerpoint/2010/main" val="598804815"/>
       </p:ext>
     </p:extLst>
   </p:cSld>
@@ -9855,10 +9557,60 @@
       </p:grpSpPr>
       <p:sp>
         <p:nvSpPr>
-          <p:cNvPr id="2" name="Title 1">
+          <p:cNvPr id="7" name="TextBox 6">
             <a:extLst>
               <a:ext uri="{FF2B5EF4-FFF2-40B4-BE49-F238E27FC236}">
-                <a16:creationId xmlns:a16="http://schemas.microsoft.com/office/drawing/2014/main" id="{E32021F1-307B-408C-9FCF-6F677B44ECFE}"/>
+                <a16:creationId xmlns:a16="http://schemas.microsoft.com/office/drawing/2014/main" id="{E6B0855F-9863-49F5-8332-656E09DB5116}"/>
+              </a:ext>
+            </a:extLst>
+          </p:cNvPr>
+          <p:cNvSpPr txBox="1"/>
+          <p:nvPr/>
+        </p:nvSpPr>
+        <p:spPr>
+          <a:xfrm>
+            <a:off x="5015020" y="1174537"/>
+            <a:ext cx="2161960" cy="4508927"/>
+          </a:xfrm>
+          <a:prstGeom prst="rect">
+            <a:avLst/>
+          </a:prstGeom>
+          <a:noFill/>
+        </p:spPr>
+        <p:txBody>
+          <a:bodyPr wrap="square" rtlCol="0">
+            <a:spAutoFit/>
+          </a:bodyPr>
+          <a:lstStyle/>
+          <a:p>
+            <a:r>
+              <a:rPr lang="en-US" sz="28700" b="1" dirty="0">
+                <a:solidFill>
+                  <a:schemeClr val="bg1">
+                    <a:lumMod val="50000"/>
+                    <a:lumOff val="50000"/>
+                  </a:schemeClr>
+                </a:solidFill>
+              </a:rPr>
+              <a:t>4</a:t>
+            </a:r>
+            <a:endParaRPr lang="en-GB" sz="28700" b="1" dirty="0">
+              <a:solidFill>
+                <a:schemeClr val="bg1">
+                  <a:lumMod val="50000"/>
+                  <a:lumOff val="50000"/>
+                </a:schemeClr>
+              </a:solidFill>
+            </a:endParaRPr>
+          </a:p>
+        </p:txBody>
+      </p:sp>
+      <p:sp>
+        <p:nvSpPr>
+          <p:cNvPr id="8" name="Title 1">
+            <a:extLst>
+              <a:ext uri="{FF2B5EF4-FFF2-40B4-BE49-F238E27FC236}">
+                <a16:creationId xmlns:a16="http://schemas.microsoft.com/office/drawing/2014/main" id="{F4196A68-9855-413F-8780-380DF2955D53}"/>
               </a:ext>
             </a:extLst>
           </p:cNvPr>
@@ -9866,95 +9618,25 @@
             <a:spLocks noGrp="1"/>
           </p:cNvSpPr>
           <p:nvPr>
-            <p:ph type="title"/>
+            <p:ph type="ctrTitle"/>
           </p:nvPr>
         </p:nvSpPr>
-        <p:spPr/>
-        <p:txBody>
-          <a:bodyPr>
-            <a:normAutofit/>
+        <p:spPr>
+          <a:xfrm>
+            <a:off x="1748344" y="3048113"/>
+            <a:ext cx="8695313" cy="1091974"/>
+          </a:xfrm>
+        </p:spPr>
+        <p:txBody>
+          <a:bodyPr anchor="ctr">
+            <a:noAutofit/>
           </a:bodyPr>
           <a:lstStyle/>
           <a:p>
-            <a:r>
-              <a:rPr lang="en-SG" sz="4800" dirty="0"/>
-              <a:t>Size</a:t>
-            </a:r>
-          </a:p>
-        </p:txBody>
-      </p:sp>
-      <p:sp>
-        <p:nvSpPr>
-          <p:cNvPr id="3" name="Content Placeholder 2">
-            <a:extLst>
-              <a:ext uri="{FF2B5EF4-FFF2-40B4-BE49-F238E27FC236}">
-                <a16:creationId xmlns:a16="http://schemas.microsoft.com/office/drawing/2014/main" id="{C5A6A21D-90D4-4D3D-A603-476DBD3CBF11}"/>
-              </a:ext>
-            </a:extLst>
-          </p:cNvPr>
-          <p:cNvSpPr>
-            <a:spLocks noGrp="1"/>
-          </p:cNvSpPr>
-          <p:nvPr>
-            <p:ph idx="1"/>
-          </p:nvPr>
-        </p:nvSpPr>
-        <p:spPr/>
-        <p:txBody>
-          <a:bodyPr anchor="ctr">
-            <a:normAutofit/>
-          </a:bodyPr>
-          <a:lstStyle/>
-          <a:p>
-            <a:pPr marL="0" indent="0" algn="just">
-              <a:buNone/>
-            </a:pPr>
-            <a:r>
-              <a:rPr lang="en-SG" b="1" dirty="0"/>
-              <a:t>Formulas</a:t>
-            </a:r>
-          </a:p>
-          <a:p>
-            <a:pPr algn="just"/>
-            <a:r>
-              <a:rPr lang="en-SG" dirty="0"/>
-              <a:t>Size = Market Capitalisation of the Firm at June of time t</a:t>
-            </a:r>
-          </a:p>
-          <a:p>
-            <a:pPr algn="just"/>
-            <a:r>
-              <a:rPr lang="en-SG" dirty="0"/>
-              <a:t>Market Capitalisation = Share Price x Number of Shares Outstanding</a:t>
-            </a:r>
-          </a:p>
-          <a:p>
-            <a:pPr marL="0" indent="0" algn="just">
-              <a:buNone/>
-            </a:pPr>
-            <a:endParaRPr lang="en-SG" dirty="0"/>
-          </a:p>
-          <a:p>
-            <a:pPr marL="0" indent="0" algn="just">
-              <a:buNone/>
-            </a:pPr>
-            <a:r>
-              <a:rPr lang="en-SG" b="1" dirty="0"/>
-              <a:t>Small vs. Big</a:t>
-            </a:r>
-          </a:p>
-          <a:p>
-            <a:pPr algn="just"/>
-            <a:r>
-              <a:rPr lang="en-SG" dirty="0"/>
-              <a:t>Every year, Sizes of firms traded on the NYSE, NASDAQ and Amex (where available) are computed.</a:t>
-            </a:r>
-          </a:p>
-          <a:p>
-            <a:pPr algn="just"/>
-            <a:r>
-              <a:rPr lang="en-SG" dirty="0"/>
-              <a:t>Then, for only NYSE-traded firms, Size is ranked, then the median is used as the distinguisher between Small and Big companies.</a:t>
+            <a:pPr algn="ctr"/>
+            <a:r>
+              <a:rPr lang="en-GB" sz="4000" dirty="0"/>
+              <a:t>Index Performance Appraisal</a:t>
             </a:r>
           </a:p>
         </p:txBody>
@@ -9962,7 +9644,7 @@
     </p:spTree>
     <p:extLst>
       <p:ext uri="{BB962C8B-B14F-4D97-AF65-F5344CB8AC3E}">
-        <p14:creationId xmlns:p14="http://schemas.microsoft.com/office/powerpoint/2010/main" val="2984310205"/>
+        <p14:creationId xmlns:p14="http://schemas.microsoft.com/office/powerpoint/2010/main" val="3055933896"/>
       </p:ext>
     </p:extLst>
   </p:cSld>
@@ -9991,10 +9673,60 @@
       </p:grpSpPr>
       <p:sp>
         <p:nvSpPr>
-          <p:cNvPr id="2" name="Title 1">
+          <p:cNvPr id="7" name="TextBox 6">
             <a:extLst>
               <a:ext uri="{FF2B5EF4-FFF2-40B4-BE49-F238E27FC236}">
-                <a16:creationId xmlns:a16="http://schemas.microsoft.com/office/drawing/2014/main" id="{E32021F1-307B-408C-9FCF-6F677B44ECFE}"/>
+                <a16:creationId xmlns:a16="http://schemas.microsoft.com/office/drawing/2014/main" id="{E6B0855F-9863-49F5-8332-656E09DB5116}"/>
+              </a:ext>
+            </a:extLst>
+          </p:cNvPr>
+          <p:cNvSpPr txBox="1"/>
+          <p:nvPr/>
+        </p:nvSpPr>
+        <p:spPr>
+          <a:xfrm>
+            <a:off x="5015020" y="1174537"/>
+            <a:ext cx="2161960" cy="4508927"/>
+          </a:xfrm>
+          <a:prstGeom prst="rect">
+            <a:avLst/>
+          </a:prstGeom>
+          <a:noFill/>
+        </p:spPr>
+        <p:txBody>
+          <a:bodyPr wrap="square" rtlCol="0">
+            <a:spAutoFit/>
+          </a:bodyPr>
+          <a:lstStyle/>
+          <a:p>
+            <a:r>
+              <a:rPr lang="en-US" sz="28700" b="1" dirty="0">
+                <a:solidFill>
+                  <a:schemeClr val="bg1">
+                    <a:lumMod val="50000"/>
+                    <a:lumOff val="50000"/>
+                  </a:schemeClr>
+                </a:solidFill>
+              </a:rPr>
+              <a:t>5</a:t>
+            </a:r>
+            <a:endParaRPr lang="en-GB" sz="28700" b="1" dirty="0">
+              <a:solidFill>
+                <a:schemeClr val="bg1">
+                  <a:lumMod val="50000"/>
+                  <a:lumOff val="50000"/>
+                </a:schemeClr>
+              </a:solidFill>
+            </a:endParaRPr>
+          </a:p>
+        </p:txBody>
+      </p:sp>
+      <p:sp>
+        <p:nvSpPr>
+          <p:cNvPr id="8" name="Title 1">
+            <a:extLst>
+              <a:ext uri="{FF2B5EF4-FFF2-40B4-BE49-F238E27FC236}">
+                <a16:creationId xmlns:a16="http://schemas.microsoft.com/office/drawing/2014/main" id="{F4196A68-9855-413F-8780-380DF2955D53}"/>
               </a:ext>
             </a:extLst>
           </p:cNvPr>
@@ -10002,124 +9734,25 @@
             <a:spLocks noGrp="1"/>
           </p:cNvSpPr>
           <p:nvPr>
-            <p:ph type="title"/>
+            <p:ph type="ctrTitle"/>
           </p:nvPr>
         </p:nvSpPr>
-        <p:spPr/>
-        <p:txBody>
-          <a:bodyPr>
-            <a:normAutofit/>
+        <p:spPr>
+          <a:xfrm>
+            <a:off x="1748344" y="3048113"/>
+            <a:ext cx="8695313" cy="1091974"/>
+          </a:xfrm>
+        </p:spPr>
+        <p:txBody>
+          <a:bodyPr anchor="ctr">
+            <a:noAutofit/>
           </a:bodyPr>
           <a:lstStyle/>
           <a:p>
-            <a:r>
-              <a:rPr lang="en-SG" sz="4800" dirty="0"/>
-              <a:t>Book-to-Market Equity</a:t>
-            </a:r>
-          </a:p>
-        </p:txBody>
-      </p:sp>
-      <p:sp>
-        <p:nvSpPr>
-          <p:cNvPr id="3" name="Content Placeholder 2">
-            <a:extLst>
-              <a:ext uri="{FF2B5EF4-FFF2-40B4-BE49-F238E27FC236}">
-                <a16:creationId xmlns:a16="http://schemas.microsoft.com/office/drawing/2014/main" id="{C5A6A21D-90D4-4D3D-A603-476DBD3CBF11}"/>
-              </a:ext>
-            </a:extLst>
-          </p:cNvPr>
-          <p:cNvSpPr>
-            <a:spLocks noGrp="1"/>
-          </p:cNvSpPr>
-          <p:nvPr>
-            <p:ph idx="1"/>
-          </p:nvPr>
-        </p:nvSpPr>
-        <p:spPr/>
-        <p:txBody>
-          <a:bodyPr anchor="ctr">
-            <a:normAutofit fontScale="85000" lnSpcReduction="20000"/>
-          </a:bodyPr>
-          <a:lstStyle/>
-          <a:p>
-            <a:pPr marL="0" indent="0" algn="just">
-              <a:buNone/>
-            </a:pPr>
-            <a:r>
-              <a:rPr lang="en-SG" b="1" dirty="0"/>
-              <a:t>Formulas</a:t>
-            </a:r>
-          </a:p>
-          <a:p>
-            <a:pPr algn="just"/>
-            <a:r>
-              <a:rPr lang="en-SG" dirty="0"/>
-              <a:t>Book-to-Market Equity= BE/ME</a:t>
-            </a:r>
-          </a:p>
-          <a:p>
-            <a:pPr algn="just"/>
-            <a:r>
-              <a:rPr lang="en-SG" dirty="0"/>
-              <a:t>Book Common Equity (BE) = (Total Stockholders’ Equity + Deferred Taxes + Investment Tax Credit – Book Value of Preferred Stock) of the Firm at time t-1.</a:t>
-            </a:r>
-          </a:p>
-          <a:p>
-            <a:pPr algn="just"/>
-            <a:r>
-              <a:rPr lang="en-SG" dirty="0"/>
-              <a:t>Book Value of Preferred Stock = Redemption, Liquidation or Carrying Value of Preferred Stock, in that order, when available.</a:t>
-            </a:r>
-          </a:p>
-          <a:p>
-            <a:pPr algn="just"/>
-            <a:r>
-              <a:rPr lang="en-SG" dirty="0"/>
-              <a:t>Market Common Equity (ME) = Market Capitalisation of the Firm at December of time t-1.</a:t>
-            </a:r>
-          </a:p>
-          <a:p>
-            <a:pPr marL="0" indent="0" algn="just">
-              <a:buNone/>
-            </a:pPr>
-            <a:endParaRPr lang="en-SG" dirty="0"/>
-          </a:p>
-          <a:p>
-            <a:pPr marL="0" indent="0" algn="just">
-              <a:buNone/>
-            </a:pPr>
-            <a:r>
-              <a:rPr lang="en-SG" b="1" dirty="0"/>
-              <a:t>High vs. Low</a:t>
-            </a:r>
-          </a:p>
-          <a:p>
-            <a:pPr algn="just"/>
-            <a:r>
-              <a:rPr lang="en-SG" dirty="0"/>
-              <a:t>Every year, </a:t>
-            </a:r>
-            <a:r>
-              <a:rPr lang="en-SG" b="1" dirty="0"/>
-              <a:t>positive-only </a:t>
-            </a:r>
-            <a:r>
-              <a:rPr lang="en-SG" dirty="0"/>
-              <a:t>BE-ME for firms traded on the NYSE, NASDAQ and Amex (where available) are computed.</a:t>
-            </a:r>
-          </a:p>
-          <a:p>
-            <a:pPr algn="just"/>
-            <a:r>
-              <a:rPr lang="en-SG" dirty="0"/>
-              <a:t>Then, for only NYSE-traded firms, BE-ME is ranked, then cut off points of 30% and 70% are used as distinguishers of Low, Medium and High firms. </a:t>
-            </a:r>
-          </a:p>
-          <a:p>
-            <a:pPr algn="just"/>
-            <a:r>
-              <a:rPr lang="en-SG" dirty="0"/>
-              <a:t>Low = Bottom 30%, Medium = Next 40%, High = Top 30%</a:t>
+            <a:pPr algn="ctr"/>
+            <a:r>
+              <a:rPr lang="en-GB" sz="4000" dirty="0"/>
+              <a:t>Autocorrelation of Fundamentals</a:t>
             </a:r>
           </a:p>
         </p:txBody>
@@ -10127,7 +9760,7 @@
     </p:spTree>
     <p:extLst>
       <p:ext uri="{BB962C8B-B14F-4D97-AF65-F5344CB8AC3E}">
-        <p14:creationId xmlns:p14="http://schemas.microsoft.com/office/powerpoint/2010/main" val="3720612501"/>
+        <p14:creationId xmlns:p14="http://schemas.microsoft.com/office/powerpoint/2010/main" val="2345257939"/>
       </p:ext>
     </p:extLst>
   </p:cSld>
@@ -10156,10 +9789,60 @@
       </p:grpSpPr>
       <p:sp>
         <p:nvSpPr>
-          <p:cNvPr id="2" name="Title 1">
+          <p:cNvPr id="7" name="TextBox 6">
             <a:extLst>
               <a:ext uri="{FF2B5EF4-FFF2-40B4-BE49-F238E27FC236}">
-                <a16:creationId xmlns:a16="http://schemas.microsoft.com/office/drawing/2014/main" id="{E32021F1-307B-408C-9FCF-6F677B44ECFE}"/>
+                <a16:creationId xmlns:a16="http://schemas.microsoft.com/office/drawing/2014/main" id="{E6B0855F-9863-49F5-8332-656E09DB5116}"/>
+              </a:ext>
+            </a:extLst>
+          </p:cNvPr>
+          <p:cNvSpPr txBox="1"/>
+          <p:nvPr/>
+        </p:nvSpPr>
+        <p:spPr>
+          <a:xfrm>
+            <a:off x="5015020" y="1174537"/>
+            <a:ext cx="2161960" cy="4508927"/>
+          </a:xfrm>
+          <a:prstGeom prst="rect">
+            <a:avLst/>
+          </a:prstGeom>
+          <a:noFill/>
+        </p:spPr>
+        <p:txBody>
+          <a:bodyPr wrap="square" rtlCol="0">
+            <a:spAutoFit/>
+          </a:bodyPr>
+          <a:lstStyle/>
+          <a:p>
+            <a:r>
+              <a:rPr lang="en-US" sz="28700" b="1" dirty="0">
+                <a:solidFill>
+                  <a:schemeClr val="bg1">
+                    <a:lumMod val="50000"/>
+                    <a:lumOff val="50000"/>
+                  </a:schemeClr>
+                </a:solidFill>
+              </a:rPr>
+              <a:t>6</a:t>
+            </a:r>
+            <a:endParaRPr lang="en-GB" sz="28700" b="1" dirty="0">
+              <a:solidFill>
+                <a:schemeClr val="bg1">
+                  <a:lumMod val="50000"/>
+                  <a:lumOff val="50000"/>
+                </a:schemeClr>
+              </a:solidFill>
+            </a:endParaRPr>
+          </a:p>
+        </p:txBody>
+      </p:sp>
+      <p:sp>
+        <p:nvSpPr>
+          <p:cNvPr id="8" name="Title 1">
+            <a:extLst>
+              <a:ext uri="{FF2B5EF4-FFF2-40B4-BE49-F238E27FC236}">
+                <a16:creationId xmlns:a16="http://schemas.microsoft.com/office/drawing/2014/main" id="{F4196A68-9855-413F-8780-380DF2955D53}"/>
               </a:ext>
             </a:extLst>
           </p:cNvPr>
@@ -10167,694 +9850,33 @@
             <a:spLocks noGrp="1"/>
           </p:cNvSpPr>
           <p:nvPr>
-            <p:ph type="title"/>
+            <p:ph type="ctrTitle"/>
           </p:nvPr>
         </p:nvSpPr>
-        <p:spPr/>
-        <p:txBody>
-          <a:bodyPr>
-            <a:normAutofit/>
+        <p:spPr>
+          <a:xfrm>
+            <a:off x="1748344" y="3048113"/>
+            <a:ext cx="8695313" cy="1091974"/>
+          </a:xfrm>
+        </p:spPr>
+        <p:txBody>
+          <a:bodyPr anchor="ctr">
+            <a:noAutofit/>
           </a:bodyPr>
           <a:lstStyle/>
           <a:p>
-            <a:r>
-              <a:rPr lang="en-SG" sz="4800" dirty="0"/>
-              <a:t>SMB &amp; HML Factors</a:t>
-            </a:r>
-          </a:p>
-        </p:txBody>
-      </p:sp>
-      <mc:AlternateContent xmlns:mc="http://schemas.openxmlformats.org/markup-compatibility/2006" xmlns:a14="http://schemas.microsoft.com/office/drawing/2010/main">
-        <mc:Choice Requires="a14">
-          <p:sp>
-            <p:nvSpPr>
-              <p:cNvPr id="3" name="Content Placeholder 2">
-                <a:extLst>
-                  <a:ext uri="{FF2B5EF4-FFF2-40B4-BE49-F238E27FC236}">
-                    <a16:creationId xmlns:a16="http://schemas.microsoft.com/office/drawing/2014/main" id="{C5A6A21D-90D4-4D3D-A603-476DBD3CBF11}"/>
-                  </a:ext>
-                </a:extLst>
-              </p:cNvPr>
-              <p:cNvSpPr>
-                <a:spLocks noGrp="1"/>
-              </p:cNvSpPr>
-              <p:nvPr>
-                <p:ph idx="1"/>
-              </p:nvPr>
-            </p:nvSpPr>
-            <p:spPr/>
-            <p:txBody>
-              <a:bodyPr anchor="ctr">
-                <a:normAutofit/>
-              </a:bodyPr>
-              <a:lstStyle/>
-              <a:p>
-                <a:pPr algn="just"/>
-                <a:r>
-                  <a:rPr lang="en-SG" dirty="0"/>
-                  <a:t>Eligible firms are then bundled into 6 value-weighted portfolios (“the factor portfolios”) based on Size (S or B) and BE-ME (H, M or L): S/L, S/M, S/H, B/L, B/M, B/H.</a:t>
-                </a:r>
-              </a:p>
-              <a:p>
-                <a:pPr algn="just"/>
-                <a:r>
-                  <a:rPr lang="en-SG" b="1" dirty="0"/>
-                  <a:t>Monthly returns </a:t>
-                </a:r>
-                <a:r>
-                  <a:rPr lang="en-SG" dirty="0"/>
-                  <a:t>for these portfolios are then computed.</a:t>
-                </a:r>
-              </a:p>
-              <a:p>
-                <a:pPr algn="just"/>
-                <a:endParaRPr lang="en-SG" dirty="0"/>
-              </a:p>
-              <a:p>
-                <a:pPr algn="just"/>
-                <a:r>
-                  <a:rPr lang="en-SG" dirty="0"/>
-                  <a:t>Small Minus Big (SMB) = </a:t>
-                </a:r>
-                <a14:m>
-                  <m:oMath xmlns:m="http://schemas.openxmlformats.org/officeDocument/2006/math">
-                    <m:f>
-                      <m:fPr>
-                        <m:ctrlPr>
-                          <a:rPr lang="en-SG" i="1">
-                            <a:latin typeface="Cambria Math" panose="02040503050406030204" pitchFamily="18" charset="0"/>
-                          </a:rPr>
-                        </m:ctrlPr>
-                      </m:fPr>
-                      <m:num>
-                        <m:r>
-                          <a:rPr lang="en-SG" i="1">
-                            <a:latin typeface="Cambria Math" panose="02040503050406030204" pitchFamily="18" charset="0"/>
-                          </a:rPr>
-                          <m:t>1</m:t>
-                        </m:r>
-                      </m:num>
-                      <m:den>
-                        <m:r>
-                          <a:rPr lang="en-SG" i="1">
-                            <a:latin typeface="Cambria Math" panose="02040503050406030204" pitchFamily="18" charset="0"/>
-                          </a:rPr>
-                          <m:t>3</m:t>
-                        </m:r>
-                      </m:den>
-                    </m:f>
-                    <m:r>
-                      <a:rPr lang="en-SG" i="1">
-                        <a:latin typeface="Cambria Math" panose="02040503050406030204" pitchFamily="18" charset="0"/>
-                      </a:rPr>
-                      <m:t>(</m:t>
-                    </m:r>
-                    <m:sSub>
-                      <m:sSubPr>
-                        <m:ctrlPr>
-                          <a:rPr lang="en-SG" i="1">
-                            <a:latin typeface="Cambria Math" panose="02040503050406030204" pitchFamily="18" charset="0"/>
-                          </a:rPr>
-                        </m:ctrlPr>
-                      </m:sSubPr>
-                      <m:e>
-                        <m:r>
-                          <a:rPr lang="en-SG" i="1">
-                            <a:latin typeface="Cambria Math" panose="02040503050406030204" pitchFamily="18" charset="0"/>
-                          </a:rPr>
-                          <m:t>𝑅</m:t>
-                        </m:r>
-                      </m:e>
-                      <m:sub>
-                        <m:r>
-                          <a:rPr lang="en-SG" i="1">
-                            <a:latin typeface="Cambria Math" panose="02040503050406030204" pitchFamily="18" charset="0"/>
-                          </a:rPr>
-                          <m:t>𝑆</m:t>
-                        </m:r>
-                        <m:r>
-                          <a:rPr lang="en-SG" i="1">
-                            <a:latin typeface="Cambria Math" panose="02040503050406030204" pitchFamily="18" charset="0"/>
-                          </a:rPr>
-                          <m:t>/</m:t>
-                        </m:r>
-                        <m:r>
-                          <a:rPr lang="en-SG" i="1">
-                            <a:latin typeface="Cambria Math" panose="02040503050406030204" pitchFamily="18" charset="0"/>
-                          </a:rPr>
-                          <m:t>𝐿</m:t>
-                        </m:r>
-                      </m:sub>
-                    </m:sSub>
-                    <m:r>
-                      <a:rPr lang="en-SG" i="1">
-                        <a:latin typeface="Cambria Math" panose="02040503050406030204" pitchFamily="18" charset="0"/>
-                      </a:rPr>
-                      <m:t>+</m:t>
-                    </m:r>
-                    <m:sSub>
-                      <m:sSubPr>
-                        <m:ctrlPr>
-                          <a:rPr lang="en-SG" i="1">
-                            <a:latin typeface="Cambria Math" panose="02040503050406030204" pitchFamily="18" charset="0"/>
-                          </a:rPr>
-                        </m:ctrlPr>
-                      </m:sSubPr>
-                      <m:e>
-                        <m:r>
-                          <a:rPr lang="en-SG" i="1">
-                            <a:latin typeface="Cambria Math" panose="02040503050406030204" pitchFamily="18" charset="0"/>
-                          </a:rPr>
-                          <m:t>𝑅</m:t>
-                        </m:r>
-                      </m:e>
-                      <m:sub>
-                        <m:r>
-                          <a:rPr lang="en-SG" i="1">
-                            <a:latin typeface="Cambria Math" panose="02040503050406030204" pitchFamily="18" charset="0"/>
-                          </a:rPr>
-                          <m:t>𝑆</m:t>
-                        </m:r>
-                        <m:r>
-                          <a:rPr lang="en-SG" i="1">
-                            <a:latin typeface="Cambria Math" panose="02040503050406030204" pitchFamily="18" charset="0"/>
-                          </a:rPr>
-                          <m:t>/</m:t>
-                        </m:r>
-                        <m:r>
-                          <a:rPr lang="en-SG" i="1">
-                            <a:latin typeface="Cambria Math" panose="02040503050406030204" pitchFamily="18" charset="0"/>
-                          </a:rPr>
-                          <m:t>𝑀</m:t>
-                        </m:r>
-                      </m:sub>
-                    </m:sSub>
-                    <m:r>
-                      <a:rPr lang="en-SG" i="1">
-                        <a:latin typeface="Cambria Math" panose="02040503050406030204" pitchFamily="18" charset="0"/>
-                      </a:rPr>
-                      <m:t>+</m:t>
-                    </m:r>
-                    <m:sSub>
-                      <m:sSubPr>
-                        <m:ctrlPr>
-                          <a:rPr lang="en-SG" i="1">
-                            <a:latin typeface="Cambria Math" panose="02040503050406030204" pitchFamily="18" charset="0"/>
-                          </a:rPr>
-                        </m:ctrlPr>
-                      </m:sSubPr>
-                      <m:e>
-                        <m:r>
-                          <a:rPr lang="en-SG" i="1">
-                            <a:latin typeface="Cambria Math" panose="02040503050406030204" pitchFamily="18" charset="0"/>
-                          </a:rPr>
-                          <m:t>𝑅</m:t>
-                        </m:r>
-                      </m:e>
-                      <m:sub>
-                        <m:r>
-                          <a:rPr lang="en-SG" i="1">
-                            <a:latin typeface="Cambria Math" panose="02040503050406030204" pitchFamily="18" charset="0"/>
-                          </a:rPr>
-                          <m:t>𝑆</m:t>
-                        </m:r>
-                        <m:r>
-                          <a:rPr lang="en-SG" i="1">
-                            <a:latin typeface="Cambria Math" panose="02040503050406030204" pitchFamily="18" charset="0"/>
-                          </a:rPr>
-                          <m:t>/</m:t>
-                        </m:r>
-                        <m:r>
-                          <a:rPr lang="en-SG" i="1">
-                            <a:latin typeface="Cambria Math" panose="02040503050406030204" pitchFamily="18" charset="0"/>
-                          </a:rPr>
-                          <m:t>𝐻</m:t>
-                        </m:r>
-                      </m:sub>
-                    </m:sSub>
-                    <m:r>
-                      <a:rPr lang="en-SG" i="1">
-                        <a:latin typeface="Cambria Math" panose="02040503050406030204" pitchFamily="18" charset="0"/>
-                      </a:rPr>
-                      <m:t>)−</m:t>
-                    </m:r>
-                    <m:f>
-                      <m:fPr>
-                        <m:ctrlPr>
-                          <a:rPr lang="en-SG" i="1">
-                            <a:latin typeface="Cambria Math" panose="02040503050406030204" pitchFamily="18" charset="0"/>
-                          </a:rPr>
-                        </m:ctrlPr>
-                      </m:fPr>
-                      <m:num>
-                        <m:r>
-                          <a:rPr lang="en-SG" i="1">
-                            <a:latin typeface="Cambria Math" panose="02040503050406030204" pitchFamily="18" charset="0"/>
-                          </a:rPr>
-                          <m:t>1</m:t>
-                        </m:r>
-                      </m:num>
-                      <m:den>
-                        <m:r>
-                          <a:rPr lang="en-SG" i="1">
-                            <a:latin typeface="Cambria Math" panose="02040503050406030204" pitchFamily="18" charset="0"/>
-                          </a:rPr>
-                          <m:t>3</m:t>
-                        </m:r>
-                      </m:den>
-                    </m:f>
-                    <m:r>
-                      <a:rPr lang="en-SG" i="1">
-                        <a:latin typeface="Cambria Math" panose="02040503050406030204" pitchFamily="18" charset="0"/>
-                      </a:rPr>
-                      <m:t>(</m:t>
-                    </m:r>
-                    <m:sSub>
-                      <m:sSubPr>
-                        <m:ctrlPr>
-                          <a:rPr lang="en-SG" i="1">
-                            <a:latin typeface="Cambria Math" panose="02040503050406030204" pitchFamily="18" charset="0"/>
-                          </a:rPr>
-                        </m:ctrlPr>
-                      </m:sSubPr>
-                      <m:e>
-                        <m:r>
-                          <a:rPr lang="en-SG" i="1">
-                            <a:latin typeface="Cambria Math" panose="02040503050406030204" pitchFamily="18" charset="0"/>
-                          </a:rPr>
-                          <m:t>𝑅</m:t>
-                        </m:r>
-                      </m:e>
-                      <m:sub>
-                        <m:r>
-                          <a:rPr lang="en-SG" i="1">
-                            <a:latin typeface="Cambria Math" panose="02040503050406030204" pitchFamily="18" charset="0"/>
-                          </a:rPr>
-                          <m:t>𝐵</m:t>
-                        </m:r>
-                        <m:r>
-                          <a:rPr lang="en-SG" i="1">
-                            <a:latin typeface="Cambria Math" panose="02040503050406030204" pitchFamily="18" charset="0"/>
-                          </a:rPr>
-                          <m:t>/</m:t>
-                        </m:r>
-                        <m:r>
-                          <a:rPr lang="en-SG" i="1">
-                            <a:latin typeface="Cambria Math" panose="02040503050406030204" pitchFamily="18" charset="0"/>
-                          </a:rPr>
-                          <m:t>𝐿</m:t>
-                        </m:r>
-                      </m:sub>
-                    </m:sSub>
-                    <m:r>
-                      <a:rPr lang="en-SG" i="1">
-                        <a:latin typeface="Cambria Math" panose="02040503050406030204" pitchFamily="18" charset="0"/>
-                      </a:rPr>
-                      <m:t>+</m:t>
-                    </m:r>
-                    <m:sSub>
-                      <m:sSubPr>
-                        <m:ctrlPr>
-                          <a:rPr lang="en-SG" i="1">
-                            <a:latin typeface="Cambria Math" panose="02040503050406030204" pitchFamily="18" charset="0"/>
-                          </a:rPr>
-                        </m:ctrlPr>
-                      </m:sSubPr>
-                      <m:e>
-                        <m:r>
-                          <a:rPr lang="en-SG" i="1">
-                            <a:latin typeface="Cambria Math" panose="02040503050406030204" pitchFamily="18" charset="0"/>
-                          </a:rPr>
-                          <m:t>𝑅</m:t>
-                        </m:r>
-                      </m:e>
-                      <m:sub>
-                        <m:r>
-                          <a:rPr lang="en-SG" i="1">
-                            <a:latin typeface="Cambria Math" panose="02040503050406030204" pitchFamily="18" charset="0"/>
-                          </a:rPr>
-                          <m:t>𝐵</m:t>
-                        </m:r>
-                        <m:r>
-                          <a:rPr lang="en-SG" i="1">
-                            <a:latin typeface="Cambria Math" panose="02040503050406030204" pitchFamily="18" charset="0"/>
-                          </a:rPr>
-                          <m:t>/</m:t>
-                        </m:r>
-                        <m:r>
-                          <a:rPr lang="en-SG" i="1">
-                            <a:latin typeface="Cambria Math" panose="02040503050406030204" pitchFamily="18" charset="0"/>
-                          </a:rPr>
-                          <m:t>𝑀</m:t>
-                        </m:r>
-                      </m:sub>
-                    </m:sSub>
-                    <m:r>
-                      <a:rPr lang="en-SG" i="1">
-                        <a:latin typeface="Cambria Math" panose="02040503050406030204" pitchFamily="18" charset="0"/>
-                      </a:rPr>
-                      <m:t>+</m:t>
-                    </m:r>
-                    <m:sSub>
-                      <m:sSubPr>
-                        <m:ctrlPr>
-                          <a:rPr lang="en-SG" i="1">
-                            <a:latin typeface="Cambria Math" panose="02040503050406030204" pitchFamily="18" charset="0"/>
-                          </a:rPr>
-                        </m:ctrlPr>
-                      </m:sSubPr>
-                      <m:e>
-                        <m:r>
-                          <a:rPr lang="en-SG" i="1">
-                            <a:latin typeface="Cambria Math" panose="02040503050406030204" pitchFamily="18" charset="0"/>
-                          </a:rPr>
-                          <m:t>𝑅</m:t>
-                        </m:r>
-                      </m:e>
-                      <m:sub>
-                        <m:r>
-                          <a:rPr lang="en-SG" i="1">
-                            <a:latin typeface="Cambria Math" panose="02040503050406030204" pitchFamily="18" charset="0"/>
-                          </a:rPr>
-                          <m:t>𝐵</m:t>
-                        </m:r>
-                        <m:r>
-                          <a:rPr lang="en-SG" i="1">
-                            <a:latin typeface="Cambria Math" panose="02040503050406030204" pitchFamily="18" charset="0"/>
-                          </a:rPr>
-                          <m:t>/</m:t>
-                        </m:r>
-                        <m:r>
-                          <a:rPr lang="en-SG" i="1">
-                            <a:latin typeface="Cambria Math" panose="02040503050406030204" pitchFamily="18" charset="0"/>
-                          </a:rPr>
-                          <m:t>𝐻</m:t>
-                        </m:r>
-                      </m:sub>
-                    </m:sSub>
-                    <m:r>
-                      <a:rPr lang="en-SG" i="1">
-                        <a:latin typeface="Cambria Math" panose="02040503050406030204" pitchFamily="18" charset="0"/>
-                      </a:rPr>
-                      <m:t>)</m:t>
-                    </m:r>
-                  </m:oMath>
-                </a14:m>
-                <a:endParaRPr lang="en-SG" dirty="0"/>
-              </a:p>
-              <a:p>
-                <a:pPr algn="just"/>
-                <a:r>
-                  <a:rPr lang="en-SG" dirty="0"/>
-                  <a:t>High Minus Low (HML) = </a:t>
-                </a:r>
-                <a14:m>
-                  <m:oMath xmlns:m="http://schemas.openxmlformats.org/officeDocument/2006/math">
-                    <m:f>
-                      <m:fPr>
-                        <m:ctrlPr>
-                          <a:rPr lang="en-SG" i="1">
-                            <a:latin typeface="Cambria Math" panose="02040503050406030204" pitchFamily="18" charset="0"/>
-                          </a:rPr>
-                        </m:ctrlPr>
-                      </m:fPr>
-                      <m:num>
-                        <m:r>
-                          <a:rPr lang="en-SG" i="1">
-                            <a:latin typeface="Cambria Math" panose="02040503050406030204" pitchFamily="18" charset="0"/>
-                          </a:rPr>
-                          <m:t>1</m:t>
-                        </m:r>
-                      </m:num>
-                      <m:den>
-                        <m:r>
-                          <a:rPr lang="en-SG" b="0" i="1" smtClean="0">
-                            <a:latin typeface="Cambria Math" panose="02040503050406030204" pitchFamily="18" charset="0"/>
-                          </a:rPr>
-                          <m:t>2</m:t>
-                        </m:r>
-                      </m:den>
-                    </m:f>
-                    <m:r>
-                      <a:rPr lang="en-SG" i="1">
-                        <a:latin typeface="Cambria Math" panose="02040503050406030204" pitchFamily="18" charset="0"/>
-                      </a:rPr>
-                      <m:t>(</m:t>
-                    </m:r>
-                    <m:sSub>
-                      <m:sSubPr>
-                        <m:ctrlPr>
-                          <a:rPr lang="en-SG" i="1">
-                            <a:latin typeface="Cambria Math" panose="02040503050406030204" pitchFamily="18" charset="0"/>
-                          </a:rPr>
-                        </m:ctrlPr>
-                      </m:sSubPr>
-                      <m:e>
-                        <m:r>
-                          <a:rPr lang="en-SG" i="1">
-                            <a:latin typeface="Cambria Math" panose="02040503050406030204" pitchFamily="18" charset="0"/>
-                          </a:rPr>
-                          <m:t>𝑅</m:t>
-                        </m:r>
-                      </m:e>
-                      <m:sub>
-                        <m:r>
-                          <a:rPr lang="en-SG" i="1">
-                            <a:latin typeface="Cambria Math" panose="02040503050406030204" pitchFamily="18" charset="0"/>
-                          </a:rPr>
-                          <m:t>𝑆</m:t>
-                        </m:r>
-                        <m:r>
-                          <a:rPr lang="en-SG" i="1">
-                            <a:latin typeface="Cambria Math" panose="02040503050406030204" pitchFamily="18" charset="0"/>
-                          </a:rPr>
-                          <m:t>/</m:t>
-                        </m:r>
-                        <m:r>
-                          <a:rPr lang="en-SG" b="0" i="1" smtClean="0">
-                            <a:latin typeface="Cambria Math" panose="02040503050406030204" pitchFamily="18" charset="0"/>
-                          </a:rPr>
-                          <m:t>𝐻</m:t>
-                        </m:r>
-                      </m:sub>
-                    </m:sSub>
-                    <m:r>
-                      <a:rPr lang="en-SG" i="1">
-                        <a:latin typeface="Cambria Math" panose="02040503050406030204" pitchFamily="18" charset="0"/>
-                      </a:rPr>
-                      <m:t>+</m:t>
-                    </m:r>
-                    <m:sSub>
-                      <m:sSubPr>
-                        <m:ctrlPr>
-                          <a:rPr lang="en-SG" i="1">
-                            <a:latin typeface="Cambria Math" panose="02040503050406030204" pitchFamily="18" charset="0"/>
-                          </a:rPr>
-                        </m:ctrlPr>
-                      </m:sSubPr>
-                      <m:e>
-                        <m:r>
-                          <a:rPr lang="en-SG" i="1">
-                            <a:latin typeface="Cambria Math" panose="02040503050406030204" pitchFamily="18" charset="0"/>
-                          </a:rPr>
-                          <m:t>𝑅</m:t>
-                        </m:r>
-                      </m:e>
-                      <m:sub>
-                        <m:r>
-                          <a:rPr lang="en-SG" b="0" i="1" smtClean="0">
-                            <a:latin typeface="Cambria Math" panose="02040503050406030204" pitchFamily="18" charset="0"/>
-                          </a:rPr>
-                          <m:t>𝐵</m:t>
-                        </m:r>
-                        <m:r>
-                          <a:rPr lang="en-SG" i="1">
-                            <a:latin typeface="Cambria Math" panose="02040503050406030204" pitchFamily="18" charset="0"/>
-                          </a:rPr>
-                          <m:t>/</m:t>
-                        </m:r>
-                        <m:r>
-                          <a:rPr lang="en-SG" b="0" i="1" smtClean="0">
-                            <a:latin typeface="Cambria Math" panose="02040503050406030204" pitchFamily="18" charset="0"/>
-                          </a:rPr>
-                          <m:t>𝐻</m:t>
-                        </m:r>
-                      </m:sub>
-                    </m:sSub>
-                    <m:r>
-                      <a:rPr lang="en-SG" i="1">
-                        <a:latin typeface="Cambria Math" panose="02040503050406030204" pitchFamily="18" charset="0"/>
-                      </a:rPr>
-                      <m:t>)−</m:t>
-                    </m:r>
-                    <m:f>
-                      <m:fPr>
-                        <m:ctrlPr>
-                          <a:rPr lang="en-SG" i="1">
-                            <a:latin typeface="Cambria Math" panose="02040503050406030204" pitchFamily="18" charset="0"/>
-                          </a:rPr>
-                        </m:ctrlPr>
-                      </m:fPr>
-                      <m:num>
-                        <m:r>
-                          <a:rPr lang="en-SG" i="1">
-                            <a:latin typeface="Cambria Math" panose="02040503050406030204" pitchFamily="18" charset="0"/>
-                          </a:rPr>
-                          <m:t>1</m:t>
-                        </m:r>
-                      </m:num>
-                      <m:den>
-                        <m:r>
-                          <a:rPr lang="en-SG" b="0" i="1" smtClean="0">
-                            <a:latin typeface="Cambria Math" panose="02040503050406030204" pitchFamily="18" charset="0"/>
-                          </a:rPr>
-                          <m:t>2</m:t>
-                        </m:r>
-                      </m:den>
-                    </m:f>
-                    <m:r>
-                      <a:rPr lang="en-SG" i="1">
-                        <a:latin typeface="Cambria Math" panose="02040503050406030204" pitchFamily="18" charset="0"/>
-                      </a:rPr>
-                      <m:t>(</m:t>
-                    </m:r>
-                    <m:sSub>
-                      <m:sSubPr>
-                        <m:ctrlPr>
-                          <a:rPr lang="en-SG" i="1">
-                            <a:latin typeface="Cambria Math" panose="02040503050406030204" pitchFamily="18" charset="0"/>
-                          </a:rPr>
-                        </m:ctrlPr>
-                      </m:sSubPr>
-                      <m:e>
-                        <m:r>
-                          <a:rPr lang="en-SG" i="1">
-                            <a:latin typeface="Cambria Math" panose="02040503050406030204" pitchFamily="18" charset="0"/>
-                          </a:rPr>
-                          <m:t>𝑅</m:t>
-                        </m:r>
-                      </m:e>
-                      <m:sub>
-                        <m:r>
-                          <a:rPr lang="en-SG" b="0" i="1" smtClean="0">
-                            <a:latin typeface="Cambria Math" panose="02040503050406030204" pitchFamily="18" charset="0"/>
-                          </a:rPr>
-                          <m:t>𝑆</m:t>
-                        </m:r>
-                        <m:r>
-                          <a:rPr lang="en-SG" i="1">
-                            <a:latin typeface="Cambria Math" panose="02040503050406030204" pitchFamily="18" charset="0"/>
-                          </a:rPr>
-                          <m:t>/</m:t>
-                        </m:r>
-                        <m:r>
-                          <a:rPr lang="en-SG" i="1">
-                            <a:latin typeface="Cambria Math" panose="02040503050406030204" pitchFamily="18" charset="0"/>
-                          </a:rPr>
-                          <m:t>𝐿</m:t>
-                        </m:r>
-                      </m:sub>
-                    </m:sSub>
-                    <m:r>
-                      <a:rPr lang="en-SG" i="1">
-                        <a:latin typeface="Cambria Math" panose="02040503050406030204" pitchFamily="18" charset="0"/>
-                      </a:rPr>
-                      <m:t>+</m:t>
-                    </m:r>
-                    <m:sSub>
-                      <m:sSubPr>
-                        <m:ctrlPr>
-                          <a:rPr lang="en-SG" i="1">
-                            <a:latin typeface="Cambria Math" panose="02040503050406030204" pitchFamily="18" charset="0"/>
-                          </a:rPr>
-                        </m:ctrlPr>
-                      </m:sSubPr>
-                      <m:e>
-                        <m:r>
-                          <a:rPr lang="en-SG" i="1">
-                            <a:latin typeface="Cambria Math" panose="02040503050406030204" pitchFamily="18" charset="0"/>
-                          </a:rPr>
-                          <m:t>𝑅</m:t>
-                        </m:r>
-                      </m:e>
-                      <m:sub>
-                        <m:r>
-                          <a:rPr lang="en-SG" i="1">
-                            <a:latin typeface="Cambria Math" panose="02040503050406030204" pitchFamily="18" charset="0"/>
-                          </a:rPr>
-                          <m:t>𝐵</m:t>
-                        </m:r>
-                        <m:r>
-                          <a:rPr lang="en-SG" i="1">
-                            <a:latin typeface="Cambria Math" panose="02040503050406030204" pitchFamily="18" charset="0"/>
-                          </a:rPr>
-                          <m:t>/</m:t>
-                        </m:r>
-                        <m:r>
-                          <a:rPr lang="en-SG" b="0" i="1" smtClean="0">
-                            <a:latin typeface="Cambria Math" panose="02040503050406030204" pitchFamily="18" charset="0"/>
-                          </a:rPr>
-                          <m:t>𝐿</m:t>
-                        </m:r>
-                      </m:sub>
-                    </m:sSub>
-                    <m:r>
-                      <a:rPr lang="en-SG" i="1" smtClean="0">
-                        <a:latin typeface="Cambria Math" panose="02040503050406030204" pitchFamily="18" charset="0"/>
-                      </a:rPr>
-                      <m:t>)</m:t>
-                    </m:r>
-                  </m:oMath>
-                </a14:m>
-                <a:endParaRPr lang="en-SG" dirty="0"/>
-              </a:p>
-            </p:txBody>
-          </p:sp>
-        </mc:Choice>
-        <mc:Fallback xmlns="">
-          <p:sp>
-            <p:nvSpPr>
-              <p:cNvPr id="3" name="Content Placeholder 2">
-                <a:extLst>
-                  <a:ext uri="{FF2B5EF4-FFF2-40B4-BE49-F238E27FC236}">
-                    <a16:creationId xmlns:a16="http://schemas.microsoft.com/office/drawing/2014/main" id="{C5A6A21D-90D4-4D3D-A603-476DBD3CBF11}"/>
-                  </a:ext>
-                </a:extLst>
-              </p:cNvPr>
-              <p:cNvSpPr>
-                <a:spLocks noGrp="1" noRot="1" noChangeAspect="1" noMove="1" noResize="1" noEditPoints="1" noAdjustHandles="1" noChangeArrowheads="1" noChangeShapeType="1" noTextEdit="1"/>
-              </p:cNvSpPr>
-              <p:nvPr>
-                <p:ph idx="1"/>
-              </p:nvPr>
-            </p:nvSpPr>
-            <p:spPr>
-              <a:blipFill>
-                <a:blip r:embed="rId2"/>
-                <a:stretch>
-                  <a:fillRect l="-142" r="-567"/>
-                </a:stretch>
-              </a:blipFill>
-            </p:spPr>
-            <p:txBody>
-              <a:bodyPr/>
-              <a:lstStyle/>
-              <a:p>
-                <a:r>
-                  <a:rPr lang="en-SG">
-                    <a:noFill/>
-                  </a:rPr>
-                  <a:t> </a:t>
-                </a:r>
-              </a:p>
-            </p:txBody>
-          </p:sp>
-        </mc:Fallback>
-      </mc:AlternateContent>
+            <a:pPr algn="ctr"/>
+            <a:r>
+              <a:rPr lang="en-GB" sz="4000" dirty="0"/>
+              <a:t>Further Regression Studies</a:t>
+            </a:r>
+          </a:p>
+        </p:txBody>
+      </p:sp>
     </p:spTree>
     <p:extLst>
       <p:ext uri="{BB962C8B-B14F-4D97-AF65-F5344CB8AC3E}">
-        <p14:creationId xmlns:p14="http://schemas.microsoft.com/office/powerpoint/2010/main" val="3102714859"/>
+        <p14:creationId xmlns:p14="http://schemas.microsoft.com/office/powerpoint/2010/main" val="2560330474"/>
       </p:ext>
     </p:extLst>
   </p:cSld>
@@ -10883,394 +9905,10 @@
       </p:grpSpPr>
       <p:sp>
         <p:nvSpPr>
-          <p:cNvPr id="2" name="Title 1">
+          <p:cNvPr id="7" name="TextBox 6">
             <a:extLst>
               <a:ext uri="{FF2B5EF4-FFF2-40B4-BE49-F238E27FC236}">
-                <a16:creationId xmlns:a16="http://schemas.microsoft.com/office/drawing/2014/main" id="{E32021F1-307B-408C-9FCF-6F677B44ECFE}"/>
-              </a:ext>
-            </a:extLst>
-          </p:cNvPr>
-          <p:cNvSpPr>
-            <a:spLocks noGrp="1"/>
-          </p:cNvSpPr>
-          <p:nvPr>
-            <p:ph type="title"/>
-          </p:nvPr>
-        </p:nvSpPr>
-        <p:spPr/>
-        <p:txBody>
-          <a:bodyPr>
-            <a:normAutofit/>
-          </a:bodyPr>
-          <a:lstStyle/>
-          <a:p>
-            <a:r>
-              <a:rPr lang="en-SG" sz="4800" dirty="0"/>
-              <a:t>Excess Market Return Factor</a:t>
-            </a:r>
-          </a:p>
-        </p:txBody>
-      </p:sp>
-      <mc:AlternateContent xmlns:mc="http://schemas.openxmlformats.org/markup-compatibility/2006" xmlns:a14="http://schemas.microsoft.com/office/drawing/2010/main">
-        <mc:Choice Requires="a14">
-          <p:sp>
-            <p:nvSpPr>
-              <p:cNvPr id="3" name="Content Placeholder 2">
-                <a:extLst>
-                  <a:ext uri="{FF2B5EF4-FFF2-40B4-BE49-F238E27FC236}">
-                    <a16:creationId xmlns:a16="http://schemas.microsoft.com/office/drawing/2014/main" id="{C5A6A21D-90D4-4D3D-A603-476DBD3CBF11}"/>
-                  </a:ext>
-                </a:extLst>
-              </p:cNvPr>
-              <p:cNvSpPr>
-                <a:spLocks noGrp="1"/>
-              </p:cNvSpPr>
-              <p:nvPr>
-                <p:ph idx="1"/>
-              </p:nvPr>
-            </p:nvSpPr>
-            <p:spPr/>
-            <p:txBody>
-              <a:bodyPr anchor="ctr">
-                <a:normAutofit/>
-              </a:bodyPr>
-              <a:lstStyle/>
-              <a:p>
-                <a:pPr algn="just"/>
-                <a:r>
-                  <a:rPr lang="en-SG" dirty="0"/>
-                  <a:t>Excess Market Return = </a:t>
-                </a:r>
-                <a14:m>
-                  <m:oMath xmlns:m="http://schemas.openxmlformats.org/officeDocument/2006/math">
-                    <m:sSub>
-                      <m:sSubPr>
-                        <m:ctrlPr>
-                          <a:rPr lang="en-SG" i="1">
-                            <a:latin typeface="Cambria Math" panose="02040503050406030204" pitchFamily="18" charset="0"/>
-                          </a:rPr>
-                        </m:ctrlPr>
-                      </m:sSubPr>
-                      <m:e>
-                        <m:r>
-                          <a:rPr lang="en-SG" i="1">
-                            <a:latin typeface="Cambria Math" panose="02040503050406030204" pitchFamily="18" charset="0"/>
-                          </a:rPr>
-                          <m:t>𝑅</m:t>
-                        </m:r>
-                      </m:e>
-                      <m:sub>
-                        <m:r>
-                          <a:rPr lang="en-SG" i="1">
-                            <a:latin typeface="Cambria Math" panose="02040503050406030204" pitchFamily="18" charset="0"/>
-                          </a:rPr>
-                          <m:t>𝑀</m:t>
-                        </m:r>
-                      </m:sub>
-                    </m:sSub>
-                    <m:r>
-                      <a:rPr lang="en-SG" i="1">
-                        <a:latin typeface="Cambria Math" panose="02040503050406030204" pitchFamily="18" charset="0"/>
-                      </a:rPr>
-                      <m:t>−</m:t>
-                    </m:r>
-                    <m:sSub>
-                      <m:sSubPr>
-                        <m:ctrlPr>
-                          <a:rPr lang="en-SG" i="1">
-                            <a:latin typeface="Cambria Math" panose="02040503050406030204" pitchFamily="18" charset="0"/>
-                          </a:rPr>
-                        </m:ctrlPr>
-                      </m:sSubPr>
-                      <m:e>
-                        <m:r>
-                          <a:rPr lang="en-SG" i="1">
-                            <a:latin typeface="Cambria Math" panose="02040503050406030204" pitchFamily="18" charset="0"/>
-                          </a:rPr>
-                          <m:t>𝑅</m:t>
-                        </m:r>
-                      </m:e>
-                      <m:sub>
-                        <m:r>
-                          <a:rPr lang="en-SG" i="1">
-                            <a:latin typeface="Cambria Math" panose="02040503050406030204" pitchFamily="18" charset="0"/>
-                          </a:rPr>
-                          <m:t>𝐹</m:t>
-                        </m:r>
-                      </m:sub>
-                    </m:sSub>
-                  </m:oMath>
-                </a14:m>
-                <a:endParaRPr lang="en-SG" dirty="0"/>
-              </a:p>
-              <a:p>
-                <a:pPr algn="just"/>
-                <a14:m>
-                  <m:oMath xmlns:m="http://schemas.openxmlformats.org/officeDocument/2006/math">
-                    <m:sSub>
-                      <m:sSubPr>
-                        <m:ctrlPr>
-                          <a:rPr lang="en-SG" i="1">
-                            <a:latin typeface="Cambria Math" panose="02040503050406030204" pitchFamily="18" charset="0"/>
-                          </a:rPr>
-                        </m:ctrlPr>
-                      </m:sSubPr>
-                      <m:e>
-                        <m:r>
-                          <a:rPr lang="en-SG" i="1">
-                            <a:latin typeface="Cambria Math" panose="02040503050406030204" pitchFamily="18" charset="0"/>
-                          </a:rPr>
-                          <m:t>𝑅</m:t>
-                        </m:r>
-                      </m:e>
-                      <m:sub>
-                        <m:r>
-                          <a:rPr lang="en-SG" i="1">
-                            <a:latin typeface="Cambria Math" panose="02040503050406030204" pitchFamily="18" charset="0"/>
-                          </a:rPr>
-                          <m:t>𝑀</m:t>
-                        </m:r>
-                      </m:sub>
-                    </m:sSub>
-                  </m:oMath>
-                </a14:m>
-                <a:r>
-                  <a:rPr lang="en-SG" dirty="0"/>
-                  <a:t> = Return of the value-weighted portfolio comprised of all previously eligible firms, and including firms with negative Book Common Equity (BE).</a:t>
-                </a:r>
-              </a:p>
-              <a:p>
-                <a:pPr algn="just"/>
-                <a14:m>
-                  <m:oMath xmlns:m="http://schemas.openxmlformats.org/officeDocument/2006/math">
-                    <m:sSub>
-                      <m:sSubPr>
-                        <m:ctrlPr>
-                          <a:rPr lang="en-SG" i="1">
-                            <a:latin typeface="Cambria Math" panose="02040503050406030204" pitchFamily="18" charset="0"/>
-                          </a:rPr>
-                        </m:ctrlPr>
-                      </m:sSubPr>
-                      <m:e>
-                        <m:r>
-                          <a:rPr lang="en-SG" i="1">
-                            <a:latin typeface="Cambria Math" panose="02040503050406030204" pitchFamily="18" charset="0"/>
-                          </a:rPr>
-                          <m:t>𝑅</m:t>
-                        </m:r>
-                      </m:e>
-                      <m:sub>
-                        <m:r>
-                          <a:rPr lang="en-SG" i="1">
-                            <a:latin typeface="Cambria Math" panose="02040503050406030204" pitchFamily="18" charset="0"/>
-                          </a:rPr>
-                          <m:t>𝐹</m:t>
-                        </m:r>
-                      </m:sub>
-                    </m:sSub>
-                  </m:oMath>
-                </a14:m>
-                <a:r>
-                  <a:rPr lang="en-SG" dirty="0"/>
-                  <a:t> = 1-Month Treasury Bill Rate</a:t>
-                </a:r>
-              </a:p>
-            </p:txBody>
-          </p:sp>
-        </mc:Choice>
-        <mc:Fallback xmlns="">
-          <p:sp>
-            <p:nvSpPr>
-              <p:cNvPr id="3" name="Content Placeholder 2">
-                <a:extLst>
-                  <a:ext uri="{FF2B5EF4-FFF2-40B4-BE49-F238E27FC236}">
-                    <a16:creationId xmlns:a16="http://schemas.microsoft.com/office/drawing/2014/main" id="{C5A6A21D-90D4-4D3D-A603-476DBD3CBF11}"/>
-                  </a:ext>
-                </a:extLst>
-              </p:cNvPr>
-              <p:cNvSpPr>
-                <a:spLocks noGrp="1" noRot="1" noChangeAspect="1" noMove="1" noResize="1" noEditPoints="1" noAdjustHandles="1" noChangeArrowheads="1" noChangeShapeType="1" noTextEdit="1"/>
-              </p:cNvSpPr>
-              <p:nvPr>
-                <p:ph idx="1"/>
-              </p:nvPr>
-            </p:nvSpPr>
-            <p:spPr>
-              <a:blipFill>
-                <a:blip r:embed="rId2"/>
-                <a:stretch>
-                  <a:fillRect l="-142" r="-567"/>
-                </a:stretch>
-              </a:blipFill>
-            </p:spPr>
-            <p:txBody>
-              <a:bodyPr/>
-              <a:lstStyle/>
-              <a:p>
-                <a:r>
-                  <a:rPr lang="en-SG">
-                    <a:noFill/>
-                  </a:rPr>
-                  <a:t> </a:t>
-                </a:r>
-              </a:p>
-            </p:txBody>
-          </p:sp>
-        </mc:Fallback>
-      </mc:AlternateContent>
-    </p:spTree>
-    <p:extLst>
-      <p:ext uri="{BB962C8B-B14F-4D97-AF65-F5344CB8AC3E}">
-        <p14:creationId xmlns:p14="http://schemas.microsoft.com/office/powerpoint/2010/main" val="3558763586"/>
-      </p:ext>
-    </p:extLst>
-  </p:cSld>
-  <p:clrMapOvr>
-    <a:masterClrMapping/>
-  </p:clrMapOvr>
-</p:sld>
-</file>
-
-<file path=ppt/slides/slide28.xml><?xml version="1.0" encoding="utf-8"?>
-<p:sld xmlns:a="http://schemas.openxmlformats.org/drawingml/2006/main" xmlns:r="http://schemas.openxmlformats.org/officeDocument/2006/relationships" xmlns:p="http://schemas.openxmlformats.org/presentationml/2006/main">
-  <p:cSld>
-    <p:spTree>
-      <p:nvGrpSpPr>
-        <p:cNvPr id="1" name=""/>
-        <p:cNvGrpSpPr/>
-        <p:nvPr/>
-      </p:nvGrpSpPr>
-      <p:grpSpPr>
-        <a:xfrm>
-          <a:off x="0" y="0"/>
-          <a:ext cx="0" cy="0"/>
-          <a:chOff x="0" y="0"/>
-          <a:chExt cx="0" cy="0"/>
-        </a:xfrm>
-      </p:grpSpPr>
-      <p:sp>
-        <p:nvSpPr>
-          <p:cNvPr id="2" name="Title 1">
-            <a:extLst>
-              <a:ext uri="{FF2B5EF4-FFF2-40B4-BE49-F238E27FC236}">
-                <a16:creationId xmlns:a16="http://schemas.microsoft.com/office/drawing/2014/main" id="{E32021F1-307B-408C-9FCF-6F677B44ECFE}"/>
-              </a:ext>
-            </a:extLst>
-          </p:cNvPr>
-          <p:cNvSpPr>
-            <a:spLocks noGrp="1"/>
-          </p:cNvSpPr>
-          <p:nvPr>
-            <p:ph type="title"/>
-          </p:nvPr>
-        </p:nvSpPr>
-        <p:spPr/>
-        <p:txBody>
-          <a:bodyPr>
-            <a:normAutofit/>
-          </a:bodyPr>
-          <a:lstStyle/>
-          <a:p>
-            <a:r>
-              <a:rPr lang="en-SG" sz="4800" dirty="0"/>
-              <a:t>Quintile-Based Portfolios</a:t>
-            </a:r>
-          </a:p>
-        </p:txBody>
-      </p:sp>
-      <p:sp>
-        <p:nvSpPr>
-          <p:cNvPr id="3" name="Content Placeholder 2">
-            <a:extLst>
-              <a:ext uri="{FF2B5EF4-FFF2-40B4-BE49-F238E27FC236}">
-                <a16:creationId xmlns:a16="http://schemas.microsoft.com/office/drawing/2014/main" id="{C5A6A21D-90D4-4D3D-A603-476DBD3CBF11}"/>
-              </a:ext>
-            </a:extLst>
-          </p:cNvPr>
-          <p:cNvSpPr>
-            <a:spLocks noGrp="1"/>
-          </p:cNvSpPr>
-          <p:nvPr>
-            <p:ph idx="1"/>
-          </p:nvPr>
-        </p:nvSpPr>
-        <p:spPr/>
-        <p:txBody>
-          <a:bodyPr anchor="ctr">
-            <a:normAutofit/>
-          </a:bodyPr>
-          <a:lstStyle/>
-          <a:p>
-            <a:pPr algn="just"/>
-            <a:r>
-              <a:rPr lang="en-SG" dirty="0"/>
-              <a:t>The same firms eligible for the 6 factor portfolios are then bundled into 25 portfolios based on their Size and Book-to-Market Equity quintiles. </a:t>
-            </a:r>
-          </a:p>
-          <a:p>
-            <a:pPr algn="just"/>
-            <a:r>
-              <a:rPr lang="en-SG" dirty="0"/>
-              <a:t>Again, NYSE-based breakpoints are used to distinguish the firms into their respective quintiles.</a:t>
-            </a:r>
-          </a:p>
-          <a:p>
-            <a:pPr algn="just"/>
-            <a:r>
-              <a:rPr lang="en-SG" b="1" dirty="0"/>
-              <a:t>Monthly returns </a:t>
-            </a:r>
-            <a:r>
-              <a:rPr lang="en-SG" dirty="0"/>
-              <a:t>for these portfolios are then computed, and regressed against the three </a:t>
-            </a:r>
-            <a:r>
-              <a:rPr lang="en-SG" dirty="0" err="1"/>
-              <a:t>Fama</a:t>
-            </a:r>
-            <a:r>
-              <a:rPr lang="en-SG" dirty="0"/>
-              <a:t>-French factors introduced earlier.</a:t>
-            </a:r>
-          </a:p>
-        </p:txBody>
-      </p:sp>
-    </p:spTree>
-    <p:extLst>
-      <p:ext uri="{BB962C8B-B14F-4D97-AF65-F5344CB8AC3E}">
-        <p14:creationId xmlns:p14="http://schemas.microsoft.com/office/powerpoint/2010/main" val="896960947"/>
-      </p:ext>
-    </p:extLst>
-  </p:cSld>
-  <p:clrMapOvr>
-    <a:masterClrMapping/>
-  </p:clrMapOvr>
-</p:sld>
-</file>
-
-<file path=ppt/slides/slide29.xml><?xml version="1.0" encoding="utf-8"?>
-<p:sld xmlns:a="http://schemas.openxmlformats.org/drawingml/2006/main" xmlns:r="http://schemas.openxmlformats.org/officeDocument/2006/relationships" xmlns:p="http://schemas.openxmlformats.org/presentationml/2006/main">
-  <p:cSld>
-    <p:spTree>
-      <p:nvGrpSpPr>
-        <p:cNvPr id="1" name=""/>
-        <p:cNvGrpSpPr/>
-        <p:nvPr/>
-      </p:nvGrpSpPr>
-      <p:grpSpPr>
-        <a:xfrm>
-          <a:off x="0" y="0"/>
-          <a:ext cx="0" cy="0"/>
-          <a:chOff x="0" y="0"/>
-          <a:chExt cx="0" cy="0"/>
-        </a:xfrm>
-      </p:grpSpPr>
-      <p:sp>
-        <p:nvSpPr>
-          <p:cNvPr id="6" name="TextBox 5">
-            <a:extLst>
-              <a:ext uri="{FF2B5EF4-FFF2-40B4-BE49-F238E27FC236}">
-                <a16:creationId xmlns:a16="http://schemas.microsoft.com/office/drawing/2014/main" id="{D0E58ACE-BDD6-4F97-8AAE-520552BF048D}"/>
+                <a16:creationId xmlns:a16="http://schemas.microsoft.com/office/drawing/2014/main" id="{E6B0855F-9863-49F5-8332-656E09DB5116}"/>
               </a:ext>
             </a:extLst>
           </p:cNvPr>
@@ -11279,8 +9917,8 @@
         </p:nvSpPr>
         <p:spPr>
           <a:xfrm>
-            <a:off x="5115140" y="990027"/>
-            <a:ext cx="45719" cy="4508927"/>
+            <a:off x="5015020" y="1174537"/>
+            <a:ext cx="2161960" cy="4508927"/>
           </a:xfrm>
           <a:prstGeom prst="rect">
             <a:avLst/>
@@ -11302,7 +9940,7 @@
                   </a:schemeClr>
                 </a:solidFill>
               </a:rPr>
-              <a:t>4</a:t>
+              <a:t>7</a:t>
             </a:r>
             <a:endParaRPr lang="en-GB" sz="28700" b="1" dirty="0">
               <a:solidFill>
@@ -11317,10 +9955,10 @@
       </p:sp>
       <p:sp>
         <p:nvSpPr>
-          <p:cNvPr id="2" name="Title 1">
+          <p:cNvPr id="8" name="Title 1">
             <a:extLst>
               <a:ext uri="{FF2B5EF4-FFF2-40B4-BE49-F238E27FC236}">
-                <a16:creationId xmlns:a16="http://schemas.microsoft.com/office/drawing/2014/main" id="{E32021F1-307B-408C-9FCF-6F677B44ECFE}"/>
+                <a16:creationId xmlns:a16="http://schemas.microsoft.com/office/drawing/2014/main" id="{F4196A68-9855-413F-8780-380DF2955D53}"/>
               </a:ext>
             </a:extLst>
           </p:cNvPr>
@@ -11333,27 +9971,20 @@
         </p:nvSpPr>
         <p:spPr>
           <a:xfrm>
-            <a:off x="1748344" y="2294688"/>
-            <a:ext cx="8695313" cy="1913021"/>
+            <a:off x="1748344" y="3048113"/>
+            <a:ext cx="8695313" cy="1091974"/>
           </a:xfrm>
         </p:spPr>
         <p:txBody>
-          <a:bodyPr>
-            <a:normAutofit/>
+          <a:bodyPr anchor="ctr">
+            <a:noAutofit/>
           </a:bodyPr>
           <a:lstStyle/>
           <a:p>
             <a:pPr algn="ctr"/>
             <a:r>
-              <a:rPr lang="en-SG" sz="6600" u="sng" dirty="0"/>
-              <a:t>Summary of</a:t>
-            </a:r>
-            <a:br>
-              <a:rPr lang="en-SG" sz="6600" u="sng" dirty="0"/>
-            </a:br>
-            <a:r>
-              <a:rPr lang="en-SG" sz="6600" u="sng" dirty="0"/>
-              <a:t>Statistics</a:t>
+              <a:rPr lang="en-GB" sz="4000" dirty="0"/>
+              <a:t>Conclusion</a:t>
             </a:r>
           </a:p>
         </p:txBody>
@@ -11361,7 +9992,7 @@
     </p:spTree>
     <p:extLst>
       <p:ext uri="{BB962C8B-B14F-4D97-AF65-F5344CB8AC3E}">
-        <p14:creationId xmlns:p14="http://schemas.microsoft.com/office/powerpoint/2010/main" val="3981570521"/>
+        <p14:creationId xmlns:p14="http://schemas.microsoft.com/office/powerpoint/2010/main" val="3063404030"/>
       </p:ext>
     </p:extLst>
   </p:cSld>
@@ -11487,3145 +10118,6 @@
 </p:sld>
 </file>
 
-<file path=ppt/slides/slide30.xml><?xml version="1.0" encoding="utf-8"?>
-<p:sld xmlns:a="http://schemas.openxmlformats.org/drawingml/2006/main" xmlns:r="http://schemas.openxmlformats.org/officeDocument/2006/relationships" xmlns:p="http://schemas.openxmlformats.org/presentationml/2006/main">
-  <p:cSld>
-    <p:spTree>
-      <p:nvGrpSpPr>
-        <p:cNvPr id="1" name=""/>
-        <p:cNvGrpSpPr/>
-        <p:nvPr/>
-      </p:nvGrpSpPr>
-      <p:grpSpPr>
-        <a:xfrm>
-          <a:off x="0" y="0"/>
-          <a:ext cx="0" cy="0"/>
-          <a:chOff x="0" y="0"/>
-          <a:chExt cx="0" cy="0"/>
-        </a:xfrm>
-      </p:grpSpPr>
-      <p:sp>
-        <p:nvSpPr>
-          <p:cNvPr id="2" name="Title 1">
-            <a:extLst>
-              <a:ext uri="{FF2B5EF4-FFF2-40B4-BE49-F238E27FC236}">
-                <a16:creationId xmlns:a16="http://schemas.microsoft.com/office/drawing/2014/main" id="{E32021F1-307B-408C-9FCF-6F677B44ECFE}"/>
-              </a:ext>
-            </a:extLst>
-          </p:cNvPr>
-          <p:cNvSpPr>
-            <a:spLocks noGrp="1"/>
-          </p:cNvSpPr>
-          <p:nvPr>
-            <p:ph type="title"/>
-          </p:nvPr>
-        </p:nvSpPr>
-        <p:spPr/>
-        <p:txBody>
-          <a:bodyPr>
-            <a:normAutofit/>
-          </a:bodyPr>
-          <a:lstStyle/>
-          <a:p>
-            <a:r>
-              <a:rPr lang="en-SG" sz="4800" dirty="0"/>
-              <a:t>Summary of Statistics</a:t>
-            </a:r>
-          </a:p>
-        </p:txBody>
-      </p:sp>
-      <p:sp>
-        <p:nvSpPr>
-          <p:cNvPr id="3" name="Content Placeholder 2">
-            <a:extLst>
-              <a:ext uri="{FF2B5EF4-FFF2-40B4-BE49-F238E27FC236}">
-                <a16:creationId xmlns:a16="http://schemas.microsoft.com/office/drawing/2014/main" id="{C5A6A21D-90D4-4D3D-A603-476DBD3CBF11}"/>
-              </a:ext>
-            </a:extLst>
-          </p:cNvPr>
-          <p:cNvSpPr>
-            <a:spLocks noGrp="1"/>
-          </p:cNvSpPr>
-          <p:nvPr>
-            <p:ph idx="1"/>
-          </p:nvPr>
-        </p:nvSpPr>
-        <p:spPr>
-          <a:xfrm>
-            <a:off x="1261872" y="1828800"/>
-            <a:ext cx="8595360" cy="2504661"/>
-          </a:xfrm>
-        </p:spPr>
-        <p:txBody>
-          <a:bodyPr anchor="ctr">
-            <a:normAutofit/>
-          </a:bodyPr>
-          <a:lstStyle/>
-          <a:p>
-            <a:pPr marL="0" indent="0">
-              <a:buNone/>
-            </a:pPr>
-            <a:r>
-              <a:rPr lang="en-SG" sz="2400" b="1" u="sng" dirty="0"/>
-              <a:t>The Explanatory Variables:</a:t>
-            </a:r>
-          </a:p>
-          <a:p>
-            <a:pPr marL="0" indent="0">
-              <a:buNone/>
-            </a:pPr>
-            <a:endParaRPr lang="en-SG" sz="2400" b="1" u="sng" dirty="0"/>
-          </a:p>
-          <a:p>
-            <a:pPr marL="617220" lvl="1" indent="-342900">
-              <a:buFont typeface="+mj-lt"/>
-              <a:buAutoNum type="arabicPeriod"/>
-            </a:pPr>
-            <a:endParaRPr lang="en-SG" sz="2000" b="1" u="sng" dirty="0"/>
-          </a:p>
-        </p:txBody>
-      </p:sp>
-      <p:pic>
-        <p:nvPicPr>
-          <p:cNvPr id="7" name="Picture 6">
-            <a:extLst>
-              <a:ext uri="{FF2B5EF4-FFF2-40B4-BE49-F238E27FC236}">
-                <a16:creationId xmlns:a16="http://schemas.microsoft.com/office/drawing/2014/main" id="{943C3174-2509-4A87-AB03-DF0F07EA4120}"/>
-              </a:ext>
-            </a:extLst>
-          </p:cNvPr>
-          <p:cNvPicPr>
-            <a:picLocks noChangeAspect="1"/>
-          </p:cNvPicPr>
-          <p:nvPr/>
-        </p:nvPicPr>
-        <p:blipFill>
-          <a:blip r:embed="rId2"/>
-          <a:stretch>
-            <a:fillRect/>
-          </a:stretch>
-        </p:blipFill>
-        <p:spPr>
-          <a:xfrm>
-            <a:off x="1571971" y="3351956"/>
-            <a:ext cx="8128618" cy="2232696"/>
-          </a:xfrm>
-          <a:prstGeom prst="rect">
-            <a:avLst/>
-          </a:prstGeom>
-        </p:spPr>
-      </p:pic>
-    </p:spTree>
-    <p:extLst>
-      <p:ext uri="{BB962C8B-B14F-4D97-AF65-F5344CB8AC3E}">
-        <p14:creationId xmlns:p14="http://schemas.microsoft.com/office/powerpoint/2010/main" val="586215430"/>
-      </p:ext>
-    </p:extLst>
-  </p:cSld>
-  <p:clrMapOvr>
-    <a:masterClrMapping/>
-  </p:clrMapOvr>
-</p:sld>
-</file>
-
-<file path=ppt/slides/slide31.xml><?xml version="1.0" encoding="utf-8"?>
-<p:sld xmlns:a="http://schemas.openxmlformats.org/drawingml/2006/main" xmlns:r="http://schemas.openxmlformats.org/officeDocument/2006/relationships" xmlns:p="http://schemas.openxmlformats.org/presentationml/2006/main">
-  <p:cSld>
-    <p:spTree>
-      <p:nvGrpSpPr>
-        <p:cNvPr id="1" name=""/>
-        <p:cNvGrpSpPr/>
-        <p:nvPr/>
-      </p:nvGrpSpPr>
-      <p:grpSpPr>
-        <a:xfrm>
-          <a:off x="0" y="0"/>
-          <a:ext cx="0" cy="0"/>
-          <a:chOff x="0" y="0"/>
-          <a:chExt cx="0" cy="0"/>
-        </a:xfrm>
-      </p:grpSpPr>
-      <p:sp>
-        <p:nvSpPr>
-          <p:cNvPr id="4" name="Title 1">
-            <a:extLst>
-              <a:ext uri="{FF2B5EF4-FFF2-40B4-BE49-F238E27FC236}">
-                <a16:creationId xmlns:a16="http://schemas.microsoft.com/office/drawing/2014/main" id="{6389C1A5-2E45-44BD-92D2-5EA724907C19}"/>
-              </a:ext>
-            </a:extLst>
-          </p:cNvPr>
-          <p:cNvSpPr>
-            <a:spLocks noGrp="1"/>
-          </p:cNvSpPr>
-          <p:nvPr>
-            <p:ph type="title"/>
-          </p:nvPr>
-        </p:nvSpPr>
-        <p:spPr>
-          <a:xfrm>
-            <a:off x="1261872" y="365760"/>
-            <a:ext cx="9692640" cy="1325562"/>
-          </a:xfrm>
-        </p:spPr>
-        <p:txBody>
-          <a:bodyPr>
-            <a:normAutofit/>
-          </a:bodyPr>
-          <a:lstStyle/>
-          <a:p>
-            <a:r>
-              <a:rPr lang="en-SG" sz="4800" dirty="0"/>
-              <a:t>Summary of Statistics</a:t>
-            </a:r>
-          </a:p>
-        </p:txBody>
-      </p:sp>
-      <p:sp>
-        <p:nvSpPr>
-          <p:cNvPr id="5" name="Content Placeholder 2">
-            <a:extLst>
-              <a:ext uri="{FF2B5EF4-FFF2-40B4-BE49-F238E27FC236}">
-                <a16:creationId xmlns:a16="http://schemas.microsoft.com/office/drawing/2014/main" id="{C216EC45-8E3B-4225-BECC-7FE8C50D2599}"/>
-              </a:ext>
-            </a:extLst>
-          </p:cNvPr>
-          <p:cNvSpPr>
-            <a:spLocks noGrp="1"/>
-          </p:cNvSpPr>
-          <p:nvPr>
-            <p:ph idx="1"/>
-          </p:nvPr>
-        </p:nvSpPr>
-        <p:spPr>
-          <a:xfrm>
-            <a:off x="1261872" y="1828800"/>
-            <a:ext cx="8595360" cy="2504661"/>
-          </a:xfrm>
-        </p:spPr>
-        <p:txBody>
-          <a:bodyPr anchor="ctr">
-            <a:normAutofit/>
-          </a:bodyPr>
-          <a:lstStyle/>
-          <a:p>
-            <a:pPr marL="0" indent="0">
-              <a:buNone/>
-            </a:pPr>
-            <a:r>
-              <a:rPr lang="en-SG" sz="2400" b="1" u="sng" dirty="0"/>
-              <a:t>The Dependent Variables:</a:t>
-            </a:r>
-          </a:p>
-          <a:p>
-            <a:pPr marL="0" indent="0">
-              <a:buNone/>
-            </a:pPr>
-            <a:endParaRPr lang="en-SG" sz="2400" b="1" u="sng" dirty="0"/>
-          </a:p>
-          <a:p>
-            <a:pPr marL="617220" lvl="1" indent="-342900">
-              <a:buFont typeface="+mj-lt"/>
-              <a:buAutoNum type="arabicPeriod"/>
-            </a:pPr>
-            <a:endParaRPr lang="en-SG" sz="2000" b="1" u="sng" dirty="0"/>
-          </a:p>
-        </p:txBody>
-      </p:sp>
-      <p:pic>
-        <p:nvPicPr>
-          <p:cNvPr id="6" name="Picture 5">
-            <a:extLst>
-              <a:ext uri="{FF2B5EF4-FFF2-40B4-BE49-F238E27FC236}">
-                <a16:creationId xmlns:a16="http://schemas.microsoft.com/office/drawing/2014/main" id="{93F57875-4B20-4A97-8AB1-9CAF7DE15A5F}"/>
-              </a:ext>
-            </a:extLst>
-          </p:cNvPr>
-          <p:cNvPicPr>
-            <a:picLocks noChangeAspect="1"/>
-          </p:cNvPicPr>
-          <p:nvPr/>
-        </p:nvPicPr>
-        <p:blipFill>
-          <a:blip r:embed="rId2"/>
-          <a:stretch>
-            <a:fillRect/>
-          </a:stretch>
-        </p:blipFill>
-        <p:spPr>
-          <a:xfrm>
-            <a:off x="2464904" y="3307726"/>
-            <a:ext cx="6652757" cy="2568246"/>
-          </a:xfrm>
-          <a:prstGeom prst="rect">
-            <a:avLst/>
-          </a:prstGeom>
-        </p:spPr>
-      </p:pic>
-    </p:spTree>
-    <p:extLst>
-      <p:ext uri="{BB962C8B-B14F-4D97-AF65-F5344CB8AC3E}">
-        <p14:creationId xmlns:p14="http://schemas.microsoft.com/office/powerpoint/2010/main" val="4216296219"/>
-      </p:ext>
-    </p:extLst>
-  </p:cSld>
-  <p:clrMapOvr>
-    <a:masterClrMapping/>
-  </p:clrMapOvr>
-</p:sld>
-</file>
-
-<file path=ppt/slides/slide32.xml><?xml version="1.0" encoding="utf-8"?>
-<p:sld xmlns:a="http://schemas.openxmlformats.org/drawingml/2006/main" xmlns:r="http://schemas.openxmlformats.org/officeDocument/2006/relationships" xmlns:p="http://schemas.openxmlformats.org/presentationml/2006/main">
-  <p:cSld>
-    <p:spTree>
-      <p:nvGrpSpPr>
-        <p:cNvPr id="1" name=""/>
-        <p:cNvGrpSpPr/>
-        <p:nvPr/>
-      </p:nvGrpSpPr>
-      <p:grpSpPr>
-        <a:xfrm>
-          <a:off x="0" y="0"/>
-          <a:ext cx="0" cy="0"/>
-          <a:chOff x="0" y="0"/>
-          <a:chExt cx="0" cy="0"/>
-        </a:xfrm>
-      </p:grpSpPr>
-      <p:pic>
-        <p:nvPicPr>
-          <p:cNvPr id="4" name="Picture 3">
-            <a:extLst>
-              <a:ext uri="{FF2B5EF4-FFF2-40B4-BE49-F238E27FC236}">
-                <a16:creationId xmlns:a16="http://schemas.microsoft.com/office/drawing/2014/main" id="{A30AC5DF-2BF6-4C08-9BA2-C3482C83D068}"/>
-              </a:ext>
-            </a:extLst>
-          </p:cNvPr>
-          <p:cNvPicPr>
-            <a:picLocks noChangeAspect="1"/>
-          </p:cNvPicPr>
-          <p:nvPr/>
-        </p:nvPicPr>
-        <p:blipFill>
-          <a:blip r:embed="rId2"/>
-          <a:stretch>
-            <a:fillRect/>
-          </a:stretch>
-        </p:blipFill>
-        <p:spPr>
-          <a:xfrm>
-            <a:off x="2011680" y="3269183"/>
-            <a:ext cx="6820480" cy="2834230"/>
-          </a:xfrm>
-          <a:prstGeom prst="rect">
-            <a:avLst/>
-          </a:prstGeom>
-        </p:spPr>
-      </p:pic>
-      <p:sp>
-        <p:nvSpPr>
-          <p:cNvPr id="5" name="Title 1">
-            <a:extLst>
-              <a:ext uri="{FF2B5EF4-FFF2-40B4-BE49-F238E27FC236}">
-                <a16:creationId xmlns:a16="http://schemas.microsoft.com/office/drawing/2014/main" id="{E3439A28-E6D6-4C3C-816B-B2587B122750}"/>
-              </a:ext>
-            </a:extLst>
-          </p:cNvPr>
-          <p:cNvSpPr>
-            <a:spLocks noGrp="1"/>
-          </p:cNvSpPr>
-          <p:nvPr>
-            <p:ph type="title"/>
-          </p:nvPr>
-        </p:nvSpPr>
-        <p:spPr>
-          <a:xfrm>
-            <a:off x="1261872" y="365760"/>
-            <a:ext cx="9692640" cy="1325562"/>
-          </a:xfrm>
-        </p:spPr>
-        <p:txBody>
-          <a:bodyPr>
-            <a:normAutofit/>
-          </a:bodyPr>
-          <a:lstStyle/>
-          <a:p>
-            <a:r>
-              <a:rPr lang="en-SG" sz="4800" dirty="0"/>
-              <a:t>Summary of Statistics</a:t>
-            </a:r>
-          </a:p>
-        </p:txBody>
-      </p:sp>
-      <p:sp>
-        <p:nvSpPr>
-          <p:cNvPr id="6" name="Content Placeholder 2">
-            <a:extLst>
-              <a:ext uri="{FF2B5EF4-FFF2-40B4-BE49-F238E27FC236}">
-                <a16:creationId xmlns:a16="http://schemas.microsoft.com/office/drawing/2014/main" id="{15575411-7A74-4ECF-88D3-F2A424676FEC}"/>
-              </a:ext>
-            </a:extLst>
-          </p:cNvPr>
-          <p:cNvSpPr>
-            <a:spLocks noGrp="1"/>
-          </p:cNvSpPr>
-          <p:nvPr>
-            <p:ph idx="1"/>
-          </p:nvPr>
-        </p:nvSpPr>
-        <p:spPr>
-          <a:xfrm>
-            <a:off x="1261872" y="1828800"/>
-            <a:ext cx="8595360" cy="2504661"/>
-          </a:xfrm>
-        </p:spPr>
-        <p:txBody>
-          <a:bodyPr anchor="ctr">
-            <a:normAutofit/>
-          </a:bodyPr>
-          <a:lstStyle/>
-          <a:p>
-            <a:pPr marL="0" indent="0">
-              <a:buNone/>
-            </a:pPr>
-            <a:r>
-              <a:rPr lang="en-SG" sz="2400" b="1" u="sng" dirty="0"/>
-              <a:t>The Dependent Variables:</a:t>
-            </a:r>
-          </a:p>
-          <a:p>
-            <a:pPr marL="0" indent="0">
-              <a:buNone/>
-            </a:pPr>
-            <a:endParaRPr lang="en-SG" sz="2400" b="1" u="sng" dirty="0"/>
-          </a:p>
-          <a:p>
-            <a:pPr marL="617220" lvl="1" indent="-342900">
-              <a:buFont typeface="+mj-lt"/>
-              <a:buAutoNum type="arabicPeriod"/>
-            </a:pPr>
-            <a:endParaRPr lang="en-SG" sz="2000" b="1" u="sng" dirty="0"/>
-          </a:p>
-        </p:txBody>
-      </p:sp>
-    </p:spTree>
-    <p:extLst>
-      <p:ext uri="{BB962C8B-B14F-4D97-AF65-F5344CB8AC3E}">
-        <p14:creationId xmlns:p14="http://schemas.microsoft.com/office/powerpoint/2010/main" val="203197769"/>
-      </p:ext>
-    </p:extLst>
-  </p:cSld>
-  <p:clrMapOvr>
-    <a:masterClrMapping/>
-  </p:clrMapOvr>
-</p:sld>
-</file>
-
-<file path=ppt/slides/slide33.xml><?xml version="1.0" encoding="utf-8"?>
-<p:sld xmlns:a="http://schemas.openxmlformats.org/drawingml/2006/main" xmlns:r="http://schemas.openxmlformats.org/officeDocument/2006/relationships" xmlns:p="http://schemas.openxmlformats.org/presentationml/2006/main">
-  <p:cSld>
-    <p:spTree>
-      <p:nvGrpSpPr>
-        <p:cNvPr id="1" name=""/>
-        <p:cNvGrpSpPr/>
-        <p:nvPr/>
-      </p:nvGrpSpPr>
-      <p:grpSpPr>
-        <a:xfrm>
-          <a:off x="0" y="0"/>
-          <a:ext cx="0" cy="0"/>
-          <a:chOff x="0" y="0"/>
-          <a:chExt cx="0" cy="0"/>
-        </a:xfrm>
-      </p:grpSpPr>
-      <p:sp>
-        <p:nvSpPr>
-          <p:cNvPr id="6" name="TextBox 5">
-            <a:extLst>
-              <a:ext uri="{FF2B5EF4-FFF2-40B4-BE49-F238E27FC236}">
-                <a16:creationId xmlns:a16="http://schemas.microsoft.com/office/drawing/2014/main" id="{D0E58ACE-BDD6-4F97-8AAE-520552BF048D}"/>
-              </a:ext>
-            </a:extLst>
-          </p:cNvPr>
-          <p:cNvSpPr txBox="1"/>
-          <p:nvPr/>
-        </p:nvSpPr>
-        <p:spPr>
-          <a:xfrm>
-            <a:off x="5115140" y="990027"/>
-            <a:ext cx="45719" cy="4508927"/>
-          </a:xfrm>
-          <a:prstGeom prst="rect">
-            <a:avLst/>
-          </a:prstGeom>
-          <a:noFill/>
-        </p:spPr>
-        <p:txBody>
-          <a:bodyPr wrap="square" rtlCol="0">
-            <a:spAutoFit/>
-          </a:bodyPr>
-          <a:lstStyle/>
-          <a:p>
-            <a:r>
-              <a:rPr lang="en-US" sz="28700" b="1" dirty="0">
-                <a:solidFill>
-                  <a:schemeClr val="bg1">
-                    <a:lumMod val="50000"/>
-                    <a:lumOff val="50000"/>
-                  </a:schemeClr>
-                </a:solidFill>
-              </a:rPr>
-              <a:t>5</a:t>
-            </a:r>
-            <a:endParaRPr lang="en-GB" sz="28700" b="1" dirty="0">
-              <a:solidFill>
-                <a:schemeClr val="bg1">
-                  <a:lumMod val="50000"/>
-                  <a:lumOff val="50000"/>
-                </a:schemeClr>
-              </a:solidFill>
-            </a:endParaRPr>
-          </a:p>
-        </p:txBody>
-      </p:sp>
-      <p:sp>
-        <p:nvSpPr>
-          <p:cNvPr id="2" name="Title 1">
-            <a:extLst>
-              <a:ext uri="{FF2B5EF4-FFF2-40B4-BE49-F238E27FC236}">
-                <a16:creationId xmlns:a16="http://schemas.microsoft.com/office/drawing/2014/main" id="{E32021F1-307B-408C-9FCF-6F677B44ECFE}"/>
-              </a:ext>
-            </a:extLst>
-          </p:cNvPr>
-          <p:cNvSpPr>
-            <a:spLocks noGrp="1"/>
-          </p:cNvSpPr>
-          <p:nvPr>
-            <p:ph type="ctrTitle"/>
-          </p:nvPr>
-        </p:nvSpPr>
-        <p:spPr>
-          <a:xfrm>
-            <a:off x="2197976" y="2353956"/>
-            <a:ext cx="8695313" cy="1913021"/>
-          </a:xfrm>
-        </p:spPr>
-        <p:txBody>
-          <a:bodyPr anchor="ctr">
-            <a:normAutofit/>
-          </a:bodyPr>
-          <a:lstStyle/>
-          <a:p>
-            <a:r>
-              <a:rPr lang="en-SG" sz="6600" u="sng" dirty="0"/>
-              <a:t>Regression Analysis</a:t>
-            </a:r>
-          </a:p>
-        </p:txBody>
-      </p:sp>
-    </p:spTree>
-    <p:extLst>
-      <p:ext uri="{BB962C8B-B14F-4D97-AF65-F5344CB8AC3E}">
-        <p14:creationId xmlns:p14="http://schemas.microsoft.com/office/powerpoint/2010/main" val="2406013216"/>
-      </p:ext>
-    </p:extLst>
-  </p:cSld>
-  <p:clrMapOvr>
-    <a:masterClrMapping/>
-  </p:clrMapOvr>
-</p:sld>
-</file>
-
-<file path=ppt/slides/slide34.xml><?xml version="1.0" encoding="utf-8"?>
-<p:sld xmlns:a="http://schemas.openxmlformats.org/drawingml/2006/main" xmlns:r="http://schemas.openxmlformats.org/officeDocument/2006/relationships" xmlns:p="http://schemas.openxmlformats.org/presentationml/2006/main">
-  <p:cSld>
-    <p:spTree>
-      <p:nvGrpSpPr>
-        <p:cNvPr id="1" name=""/>
-        <p:cNvGrpSpPr/>
-        <p:nvPr/>
-      </p:nvGrpSpPr>
-      <p:grpSpPr>
-        <a:xfrm>
-          <a:off x="0" y="0"/>
-          <a:ext cx="0" cy="0"/>
-          <a:chOff x="0" y="0"/>
-          <a:chExt cx="0" cy="0"/>
-        </a:xfrm>
-      </p:grpSpPr>
-      <p:pic>
-        <p:nvPicPr>
-          <p:cNvPr id="4" name="Picture 3">
-            <a:extLst>
-              <a:ext uri="{FF2B5EF4-FFF2-40B4-BE49-F238E27FC236}">
-                <a16:creationId xmlns:a16="http://schemas.microsoft.com/office/drawing/2014/main" id="{400E40A1-F7F5-47FC-BE70-025C8B4C1B9E}"/>
-              </a:ext>
-            </a:extLst>
-          </p:cNvPr>
-          <p:cNvPicPr>
-            <a:picLocks noChangeAspect="1"/>
-          </p:cNvPicPr>
-          <p:nvPr/>
-        </p:nvPicPr>
-        <p:blipFill>
-          <a:blip r:embed="rId2"/>
-          <a:stretch>
-            <a:fillRect/>
-          </a:stretch>
-        </p:blipFill>
-        <p:spPr>
-          <a:xfrm>
-            <a:off x="530078" y="980768"/>
-            <a:ext cx="5282265" cy="5877232"/>
-          </a:xfrm>
-          <a:prstGeom prst="rect">
-            <a:avLst/>
-          </a:prstGeom>
-        </p:spPr>
-      </p:pic>
-      <p:sp>
-        <p:nvSpPr>
-          <p:cNvPr id="7" name="Content Placeholder 2">
-            <a:extLst>
-              <a:ext uri="{FF2B5EF4-FFF2-40B4-BE49-F238E27FC236}">
-                <a16:creationId xmlns:a16="http://schemas.microsoft.com/office/drawing/2014/main" id="{4D6F924B-43FC-4808-8FD4-7B9EED101DCE}"/>
-              </a:ext>
-            </a:extLst>
-          </p:cNvPr>
-          <p:cNvSpPr>
-            <a:spLocks noGrp="1"/>
-          </p:cNvSpPr>
-          <p:nvPr>
-            <p:ph idx="1"/>
-          </p:nvPr>
-        </p:nvSpPr>
-        <p:spPr>
-          <a:xfrm>
-            <a:off x="1400371" y="174932"/>
-            <a:ext cx="8595360" cy="755373"/>
-          </a:xfrm>
-        </p:spPr>
-        <p:txBody>
-          <a:bodyPr anchor="ctr">
-            <a:normAutofit/>
-          </a:bodyPr>
-          <a:lstStyle/>
-          <a:p>
-            <a:pPr marL="0" indent="0" algn="ctr">
-              <a:buNone/>
-            </a:pPr>
-            <a:r>
-              <a:rPr lang="en-SG" sz="2400" b="1" u="sng" dirty="0"/>
-              <a:t>FF3 (2011-2018) vs FF3(1963-1991)</a:t>
-            </a:r>
-            <a:endParaRPr lang="en-SG" sz="2000" b="1" u="sng" dirty="0"/>
-          </a:p>
-        </p:txBody>
-      </p:sp>
-      <p:pic>
-        <p:nvPicPr>
-          <p:cNvPr id="10" name="Picture 9">
-            <a:extLst>
-              <a:ext uri="{FF2B5EF4-FFF2-40B4-BE49-F238E27FC236}">
-                <a16:creationId xmlns:a16="http://schemas.microsoft.com/office/drawing/2014/main" id="{EFA1DA78-0817-4C27-BCAF-B2E609707872}"/>
-              </a:ext>
-            </a:extLst>
-          </p:cNvPr>
-          <p:cNvPicPr>
-            <a:picLocks noChangeAspect="1"/>
-          </p:cNvPicPr>
-          <p:nvPr/>
-        </p:nvPicPr>
-        <p:blipFill>
-          <a:blip r:embed="rId3"/>
-          <a:stretch>
-            <a:fillRect/>
-          </a:stretch>
-        </p:blipFill>
-        <p:spPr>
-          <a:xfrm>
-            <a:off x="5961422" y="2511746"/>
-            <a:ext cx="4836896" cy="2815277"/>
-          </a:xfrm>
-          <a:prstGeom prst="rect">
-            <a:avLst/>
-          </a:prstGeom>
-          <a:ln>
-            <a:solidFill>
-              <a:schemeClr val="accent1"/>
-            </a:solidFill>
-          </a:ln>
-        </p:spPr>
-      </p:pic>
-    </p:spTree>
-    <p:extLst>
-      <p:ext uri="{BB962C8B-B14F-4D97-AF65-F5344CB8AC3E}">
-        <p14:creationId xmlns:p14="http://schemas.microsoft.com/office/powerpoint/2010/main" val="633664036"/>
-      </p:ext>
-    </p:extLst>
-  </p:cSld>
-  <p:clrMapOvr>
-    <a:masterClrMapping/>
-  </p:clrMapOvr>
-  <p:timing>
-    <p:tnLst>
-      <p:par>
-        <p:cTn id="1" dur="indefinite" restart="never" nodeType="tmRoot">
-          <p:childTnLst>
-            <p:seq concurrent="1" nextAc="seek">
-              <p:cTn id="2" dur="indefinite" nodeType="mainSeq">
-                <p:childTnLst>
-                  <p:par>
-                    <p:cTn id="3" fill="hold">
-                      <p:stCondLst>
-                        <p:cond delay="indefinite"/>
-                      </p:stCondLst>
-                      <p:childTnLst>
-                        <p:par>
-                          <p:cTn id="4" fill="hold">
-                            <p:stCondLst>
-                              <p:cond delay="0"/>
-                            </p:stCondLst>
-                            <p:childTnLst>
-                              <p:par>
-                                <p:cTn id="5" presetID="1" presetClass="entr" presetSubtype="0" fill="hold" nodeType="clickEffect">
-                                  <p:stCondLst>
-                                    <p:cond delay="0"/>
-                                  </p:stCondLst>
-                                  <p:childTnLst>
-                                    <p:set>
-                                      <p:cBhvr>
-                                        <p:cTn id="6" dur="1" fill="hold">
-                                          <p:stCondLst>
-                                            <p:cond delay="0"/>
-                                          </p:stCondLst>
-                                        </p:cTn>
-                                        <p:tgtEl>
-                                          <p:spTgt spid="10"/>
-                                        </p:tgtEl>
-                                        <p:attrNameLst>
-                                          <p:attrName>style.visibility</p:attrName>
-                                        </p:attrNameLst>
-                                      </p:cBhvr>
-                                      <p:to>
-                                        <p:strVal val="visible"/>
-                                      </p:to>
-                                    </p:set>
-                                  </p:childTnLst>
-                                </p:cTn>
-                              </p:par>
-                            </p:childTnLst>
-                          </p:cTn>
-                        </p:par>
-                      </p:childTnLst>
-                    </p:cTn>
-                  </p:par>
-                </p:childTnLst>
-              </p:cTn>
-              <p:prevCondLst>
-                <p:cond evt="onPrev" delay="0">
-                  <p:tgtEl>
-                    <p:sldTgt/>
-                  </p:tgtEl>
-                </p:cond>
-              </p:prevCondLst>
-              <p:nextCondLst>
-                <p:cond evt="onNext" delay="0">
-                  <p:tgtEl>
-                    <p:sldTgt/>
-                  </p:tgtEl>
-                </p:cond>
-              </p:nextCondLst>
-            </p:seq>
-          </p:childTnLst>
-        </p:cTn>
-      </p:par>
-    </p:tnLst>
-  </p:timing>
-</p:sld>
-</file>
-
-<file path=ppt/slides/slide35.xml><?xml version="1.0" encoding="utf-8"?>
-<p:sld xmlns:a="http://schemas.openxmlformats.org/drawingml/2006/main" xmlns:r="http://schemas.openxmlformats.org/officeDocument/2006/relationships" xmlns:p="http://schemas.openxmlformats.org/presentationml/2006/main">
-  <p:cSld>
-    <p:spTree>
-      <p:nvGrpSpPr>
-        <p:cNvPr id="1" name=""/>
-        <p:cNvGrpSpPr/>
-        <p:nvPr/>
-      </p:nvGrpSpPr>
-      <p:grpSpPr>
-        <a:xfrm>
-          <a:off x="0" y="0"/>
-          <a:ext cx="0" cy="0"/>
-          <a:chOff x="0" y="0"/>
-          <a:chExt cx="0" cy="0"/>
-        </a:xfrm>
-      </p:grpSpPr>
-      <p:pic>
-        <p:nvPicPr>
-          <p:cNvPr id="11" name="Picture 10">
-            <a:extLst>
-              <a:ext uri="{FF2B5EF4-FFF2-40B4-BE49-F238E27FC236}">
-                <a16:creationId xmlns:a16="http://schemas.microsoft.com/office/drawing/2014/main" id="{98EF6D03-A3B9-4BFC-8037-C05C87426E27}"/>
-              </a:ext>
-            </a:extLst>
-          </p:cNvPr>
-          <p:cNvPicPr>
-            <a:picLocks noChangeAspect="1"/>
-          </p:cNvPicPr>
-          <p:nvPr/>
-        </p:nvPicPr>
-        <p:blipFill rotWithShape="1">
-          <a:blip r:embed="rId2"/>
-          <a:srcRect r="1521"/>
-          <a:stretch/>
-        </p:blipFill>
-        <p:spPr>
-          <a:xfrm>
-            <a:off x="530079" y="980768"/>
-            <a:ext cx="5201910" cy="5877232"/>
-          </a:xfrm>
-          <a:prstGeom prst="rect">
-            <a:avLst/>
-          </a:prstGeom>
-        </p:spPr>
-      </p:pic>
-      <p:pic>
-        <p:nvPicPr>
-          <p:cNvPr id="2" name="Picture 1">
-            <a:extLst>
-              <a:ext uri="{FF2B5EF4-FFF2-40B4-BE49-F238E27FC236}">
-                <a16:creationId xmlns:a16="http://schemas.microsoft.com/office/drawing/2014/main" id="{4918D0EC-A62D-4167-9B09-569D7CE1D994}"/>
-              </a:ext>
-            </a:extLst>
-          </p:cNvPr>
-          <p:cNvPicPr>
-            <a:picLocks noChangeAspect="1"/>
-          </p:cNvPicPr>
-          <p:nvPr/>
-        </p:nvPicPr>
-        <p:blipFill>
-          <a:blip r:embed="rId3"/>
-          <a:stretch>
-            <a:fillRect/>
-          </a:stretch>
-        </p:blipFill>
-        <p:spPr>
-          <a:xfrm>
-            <a:off x="5706587" y="1003705"/>
-            <a:ext cx="5461613" cy="4265875"/>
-          </a:xfrm>
-          <a:prstGeom prst="rect">
-            <a:avLst/>
-          </a:prstGeom>
-        </p:spPr>
-      </p:pic>
-      <p:sp>
-        <p:nvSpPr>
-          <p:cNvPr id="12" name="Content Placeholder 2">
-            <a:extLst>
-              <a:ext uri="{FF2B5EF4-FFF2-40B4-BE49-F238E27FC236}">
-                <a16:creationId xmlns:a16="http://schemas.microsoft.com/office/drawing/2014/main" id="{875B58EB-41CD-4DE5-8D75-CA4FE8B92152}"/>
-              </a:ext>
-            </a:extLst>
-          </p:cNvPr>
-          <p:cNvSpPr txBox="1">
-            <a:spLocks/>
-          </p:cNvSpPr>
-          <p:nvPr/>
-        </p:nvSpPr>
-        <p:spPr>
-          <a:xfrm>
-            <a:off x="1400371" y="174932"/>
-            <a:ext cx="8595360" cy="755373"/>
-          </a:xfrm>
-          <a:prstGeom prst="rect">
-            <a:avLst/>
-          </a:prstGeom>
-        </p:spPr>
-        <p:txBody>
-          <a:bodyPr vert="horz" lIns="91440" tIns="45720" rIns="91440" bIns="45720" rtlCol="0" anchor="ctr">
-            <a:normAutofit/>
-          </a:bodyPr>
-          <a:lstStyle>
-            <a:lvl1pPr marL="182880" indent="-182880" algn="l" defTabSz="914400" rtl="0" eaLnBrk="1" latinLnBrk="0" hangingPunct="1">
-              <a:lnSpc>
-                <a:spcPct val="95000"/>
-              </a:lnSpc>
-              <a:spcBef>
-                <a:spcPts val="1400"/>
-              </a:spcBef>
-              <a:spcAft>
-                <a:spcPts val="200"/>
-              </a:spcAft>
-              <a:buClr>
-                <a:schemeClr val="accent1"/>
-              </a:buClr>
-              <a:buSzPct val="80000"/>
-              <a:buFont typeface="Arial" pitchFamily="34" charset="0"/>
-              <a:buChar char="•"/>
-              <a:defRPr sz="1800" kern="1200" spc="10" baseline="0">
-                <a:solidFill>
-                  <a:schemeClr val="tx1"/>
-                </a:solidFill>
-                <a:latin typeface="+mn-lt"/>
-                <a:ea typeface="+mn-ea"/>
-                <a:cs typeface="+mn-cs"/>
-              </a:defRPr>
-            </a:lvl1pPr>
-            <a:lvl2pPr marL="457200" indent="-182880" algn="l" defTabSz="914400" rtl="0" eaLnBrk="1" latinLnBrk="0" hangingPunct="1">
-              <a:lnSpc>
-                <a:spcPct val="90000"/>
-              </a:lnSpc>
-              <a:spcBef>
-                <a:spcPts val="300"/>
-              </a:spcBef>
-              <a:spcAft>
-                <a:spcPts val="300"/>
-              </a:spcAft>
-              <a:buClr>
-                <a:schemeClr val="accent1"/>
-              </a:buClr>
-              <a:buFont typeface="Wingdings 2" pitchFamily="18" charset="2"/>
-              <a:buChar char=""/>
-              <a:defRPr sz="1600" kern="1200">
-                <a:solidFill>
-                  <a:schemeClr val="tx1">
-                    <a:lumMod val="85000"/>
-                    <a:lumOff val="15000"/>
-                  </a:schemeClr>
-                </a:solidFill>
-                <a:latin typeface="+mn-lt"/>
-                <a:ea typeface="+mn-ea"/>
-                <a:cs typeface="+mn-cs"/>
-              </a:defRPr>
-            </a:lvl2pPr>
-            <a:lvl3pPr marL="731520" indent="-182880" algn="l" defTabSz="914400" rtl="0" eaLnBrk="1" latinLnBrk="0" hangingPunct="1">
-              <a:lnSpc>
-                <a:spcPct val="90000"/>
-              </a:lnSpc>
-              <a:spcBef>
-                <a:spcPts val="300"/>
-              </a:spcBef>
-              <a:spcAft>
-                <a:spcPts val="300"/>
-              </a:spcAft>
-              <a:buClr>
-                <a:schemeClr val="accent1"/>
-              </a:buClr>
-              <a:buFont typeface="Wingdings 2" pitchFamily="18" charset="2"/>
-              <a:buChar char=""/>
-              <a:defRPr sz="1400" kern="1200">
-                <a:solidFill>
-                  <a:schemeClr val="tx1">
-                    <a:lumMod val="85000"/>
-                    <a:lumOff val="15000"/>
-                  </a:schemeClr>
-                </a:solidFill>
-                <a:latin typeface="+mn-lt"/>
-                <a:ea typeface="+mn-ea"/>
-                <a:cs typeface="+mn-cs"/>
-              </a:defRPr>
-            </a:lvl3pPr>
-            <a:lvl4pPr marL="1005840" indent="-182880" algn="l" defTabSz="914400" rtl="0" eaLnBrk="1" latinLnBrk="0" hangingPunct="1">
-              <a:lnSpc>
-                <a:spcPct val="90000"/>
-              </a:lnSpc>
-              <a:spcBef>
-                <a:spcPts val="300"/>
-              </a:spcBef>
-              <a:spcAft>
-                <a:spcPts val="300"/>
-              </a:spcAft>
-              <a:buClr>
-                <a:schemeClr val="accent1"/>
-              </a:buClr>
-              <a:buFont typeface="Wingdings 2" pitchFamily="18" charset="2"/>
-              <a:buChar char=""/>
-              <a:defRPr sz="1400" kern="1200">
-                <a:solidFill>
-                  <a:schemeClr val="tx1">
-                    <a:lumMod val="85000"/>
-                    <a:lumOff val="15000"/>
-                  </a:schemeClr>
-                </a:solidFill>
-                <a:latin typeface="+mn-lt"/>
-                <a:ea typeface="+mn-ea"/>
-                <a:cs typeface="+mn-cs"/>
-              </a:defRPr>
-            </a:lvl4pPr>
-            <a:lvl5pPr marL="1280160" indent="-182880" algn="l" defTabSz="914400" rtl="0" eaLnBrk="1" latinLnBrk="0" hangingPunct="1">
-              <a:lnSpc>
-                <a:spcPct val="90000"/>
-              </a:lnSpc>
-              <a:spcBef>
-                <a:spcPts val="300"/>
-              </a:spcBef>
-              <a:spcAft>
-                <a:spcPts val="300"/>
-              </a:spcAft>
-              <a:buClr>
-                <a:schemeClr val="accent1"/>
-              </a:buClr>
-              <a:buFont typeface="Wingdings 2" pitchFamily="18" charset="2"/>
-              <a:buChar char=""/>
-              <a:defRPr sz="1400" kern="1200">
-                <a:solidFill>
-                  <a:schemeClr val="tx1">
-                    <a:lumMod val="85000"/>
-                    <a:lumOff val="15000"/>
-                  </a:schemeClr>
-                </a:solidFill>
-                <a:latin typeface="+mn-lt"/>
-                <a:ea typeface="+mn-ea"/>
-                <a:cs typeface="+mn-cs"/>
-              </a:defRPr>
-            </a:lvl5pPr>
-            <a:lvl6pPr marL="1600000" indent="-228600" algn="l" defTabSz="914400" rtl="0" eaLnBrk="1" latinLnBrk="0" hangingPunct="1">
-              <a:lnSpc>
-                <a:spcPct val="90000"/>
-              </a:lnSpc>
-              <a:spcBef>
-                <a:spcPts val="300"/>
-              </a:spcBef>
-              <a:spcAft>
-                <a:spcPts val="300"/>
-              </a:spcAft>
-              <a:buClr>
-                <a:schemeClr val="accent1"/>
-              </a:buClr>
-              <a:buFont typeface="Wingdings 2" pitchFamily="18" charset="2"/>
-              <a:buChar char=""/>
-              <a:defRPr sz="1400" kern="1200">
-                <a:solidFill>
-                  <a:schemeClr val="tx1">
-                    <a:lumMod val="85000"/>
-                    <a:lumOff val="15000"/>
-                  </a:schemeClr>
-                </a:solidFill>
-                <a:latin typeface="+mn-lt"/>
-                <a:ea typeface="+mn-ea"/>
-                <a:cs typeface="+mn-cs"/>
-              </a:defRPr>
-            </a:lvl6pPr>
-            <a:lvl7pPr marL="1900000" indent="-228600" algn="l" defTabSz="914400" rtl="0" eaLnBrk="1" latinLnBrk="0" hangingPunct="1">
-              <a:lnSpc>
-                <a:spcPct val="90000"/>
-              </a:lnSpc>
-              <a:spcBef>
-                <a:spcPts val="300"/>
-              </a:spcBef>
-              <a:spcAft>
-                <a:spcPts val="300"/>
-              </a:spcAft>
-              <a:buClr>
-                <a:schemeClr val="accent1"/>
-              </a:buClr>
-              <a:buFont typeface="Wingdings 2" pitchFamily="18" charset="2"/>
-              <a:buChar char=""/>
-              <a:defRPr sz="1400" kern="1200">
-                <a:solidFill>
-                  <a:schemeClr val="tx1">
-                    <a:lumMod val="85000"/>
-                    <a:lumOff val="15000"/>
-                  </a:schemeClr>
-                </a:solidFill>
-                <a:latin typeface="+mn-lt"/>
-                <a:ea typeface="+mn-ea"/>
-                <a:cs typeface="+mn-cs"/>
-              </a:defRPr>
-            </a:lvl7pPr>
-            <a:lvl8pPr marL="2200000" indent="-228600" algn="l" defTabSz="914400" rtl="0" eaLnBrk="1" latinLnBrk="0" hangingPunct="1">
-              <a:lnSpc>
-                <a:spcPct val="90000"/>
-              </a:lnSpc>
-              <a:spcBef>
-                <a:spcPts val="300"/>
-              </a:spcBef>
-              <a:spcAft>
-                <a:spcPts val="300"/>
-              </a:spcAft>
-              <a:buClr>
-                <a:schemeClr val="accent1"/>
-              </a:buClr>
-              <a:buFont typeface="Wingdings 2" pitchFamily="18" charset="2"/>
-              <a:buChar char=""/>
-              <a:defRPr sz="1400" kern="1200">
-                <a:solidFill>
-                  <a:schemeClr val="tx1">
-                    <a:lumMod val="85000"/>
-                    <a:lumOff val="15000"/>
-                  </a:schemeClr>
-                </a:solidFill>
-                <a:latin typeface="+mn-lt"/>
-                <a:ea typeface="+mn-ea"/>
-                <a:cs typeface="+mn-cs"/>
-              </a:defRPr>
-            </a:lvl8pPr>
-            <a:lvl9pPr marL="2500000" indent="-228600" algn="l" defTabSz="914400" rtl="0" eaLnBrk="1" latinLnBrk="0" hangingPunct="1">
-              <a:lnSpc>
-                <a:spcPct val="90000"/>
-              </a:lnSpc>
-              <a:spcBef>
-                <a:spcPts val="300"/>
-              </a:spcBef>
-              <a:spcAft>
-                <a:spcPts val="300"/>
-              </a:spcAft>
-              <a:buClr>
-                <a:schemeClr val="accent1"/>
-              </a:buClr>
-              <a:buFont typeface="Wingdings 2" pitchFamily="18" charset="2"/>
-              <a:buChar char=""/>
-              <a:defRPr sz="1400" kern="1200">
-                <a:solidFill>
-                  <a:schemeClr val="tx1">
-                    <a:lumMod val="85000"/>
-                    <a:lumOff val="15000"/>
-                  </a:schemeClr>
-                </a:solidFill>
-                <a:latin typeface="+mn-lt"/>
-                <a:ea typeface="+mn-ea"/>
-                <a:cs typeface="+mn-cs"/>
-              </a:defRPr>
-            </a:lvl9pPr>
-          </a:lstStyle>
-          <a:p>
-            <a:pPr marL="0" indent="0" algn="ctr">
-              <a:buNone/>
-            </a:pPr>
-            <a:r>
-              <a:rPr lang="en-SG" sz="2400" b="1" u="sng" dirty="0"/>
-              <a:t>FF3 (2011-2018) vs CAPM(2011-2018)</a:t>
-            </a:r>
-            <a:endParaRPr lang="en-SG" sz="2000" b="1" u="sng" dirty="0"/>
-          </a:p>
-        </p:txBody>
-      </p:sp>
-      <p:sp>
-        <p:nvSpPr>
-          <p:cNvPr id="19" name="Rectangle 18">
-            <a:extLst>
-              <a:ext uri="{FF2B5EF4-FFF2-40B4-BE49-F238E27FC236}">
-                <a16:creationId xmlns:a16="http://schemas.microsoft.com/office/drawing/2014/main" id="{C7F6F25A-27C4-4F43-B7F0-C0CAB85BA1AA}"/>
-              </a:ext>
-            </a:extLst>
-          </p:cNvPr>
-          <p:cNvSpPr/>
-          <p:nvPr/>
-        </p:nvSpPr>
-        <p:spPr>
-          <a:xfrm>
-            <a:off x="6417733" y="4309535"/>
-            <a:ext cx="2311400" cy="897465"/>
-          </a:xfrm>
-          <a:prstGeom prst="rect">
-            <a:avLst/>
-          </a:prstGeom>
-          <a:noFill/>
-          <a:ln w="38100">
-            <a:solidFill>
-              <a:srgbClr val="FF0000"/>
-            </a:solidFill>
-          </a:ln>
-        </p:spPr>
-        <p:style>
-          <a:lnRef idx="2">
-            <a:schemeClr val="accent1">
-              <a:shade val="50000"/>
-            </a:schemeClr>
-          </a:lnRef>
-          <a:fillRef idx="1">
-            <a:schemeClr val="accent1"/>
-          </a:fillRef>
-          <a:effectRef idx="0">
-            <a:schemeClr val="accent1"/>
-          </a:effectRef>
-          <a:fontRef idx="minor">
-            <a:schemeClr val="lt1"/>
-          </a:fontRef>
-        </p:style>
-        <p:txBody>
-          <a:bodyPr rtlCol="0" anchor="ctr"/>
-          <a:lstStyle/>
-          <a:p>
-            <a:pPr algn="ctr"/>
-            <a:endParaRPr lang="en-SG"/>
-          </a:p>
-        </p:txBody>
-      </p:sp>
-      <p:sp>
-        <p:nvSpPr>
-          <p:cNvPr id="20" name="Rectangle 19">
-            <a:extLst>
-              <a:ext uri="{FF2B5EF4-FFF2-40B4-BE49-F238E27FC236}">
-                <a16:creationId xmlns:a16="http://schemas.microsoft.com/office/drawing/2014/main" id="{3629816B-7400-4189-874D-4BCFF921B80E}"/>
-              </a:ext>
-            </a:extLst>
-          </p:cNvPr>
-          <p:cNvSpPr/>
-          <p:nvPr/>
-        </p:nvSpPr>
-        <p:spPr>
-          <a:xfrm>
-            <a:off x="8729132" y="3412071"/>
-            <a:ext cx="2370667" cy="900000"/>
-          </a:xfrm>
-          <a:prstGeom prst="rect">
-            <a:avLst/>
-          </a:prstGeom>
-          <a:noFill/>
-          <a:ln w="38100">
-            <a:solidFill>
-              <a:srgbClr val="FF0000"/>
-            </a:solidFill>
-          </a:ln>
-        </p:spPr>
-        <p:style>
-          <a:lnRef idx="2">
-            <a:schemeClr val="accent1">
-              <a:shade val="50000"/>
-            </a:schemeClr>
-          </a:lnRef>
-          <a:fillRef idx="1">
-            <a:schemeClr val="accent1"/>
-          </a:fillRef>
-          <a:effectRef idx="0">
-            <a:schemeClr val="accent1"/>
-          </a:effectRef>
-          <a:fontRef idx="minor">
-            <a:schemeClr val="lt1"/>
-          </a:fontRef>
-        </p:style>
-        <p:txBody>
-          <a:bodyPr rtlCol="0" anchor="ctr"/>
-          <a:lstStyle/>
-          <a:p>
-            <a:pPr algn="ctr"/>
-            <a:endParaRPr lang="en-SG"/>
-          </a:p>
-        </p:txBody>
-      </p:sp>
-      <p:sp>
-        <p:nvSpPr>
-          <p:cNvPr id="21" name="Rectangle 20">
-            <a:extLst>
-              <a:ext uri="{FF2B5EF4-FFF2-40B4-BE49-F238E27FC236}">
-                <a16:creationId xmlns:a16="http://schemas.microsoft.com/office/drawing/2014/main" id="{1A5669D5-4E3F-4864-BC88-C0DA028CDE4B}"/>
-              </a:ext>
-            </a:extLst>
-          </p:cNvPr>
-          <p:cNvSpPr/>
-          <p:nvPr/>
-        </p:nvSpPr>
-        <p:spPr>
-          <a:xfrm>
-            <a:off x="1109136" y="5941313"/>
-            <a:ext cx="2311400" cy="897465"/>
-          </a:xfrm>
-          <a:prstGeom prst="rect">
-            <a:avLst/>
-          </a:prstGeom>
-          <a:noFill/>
-          <a:ln w="38100">
-            <a:solidFill>
-              <a:srgbClr val="FF0000"/>
-            </a:solidFill>
-          </a:ln>
-        </p:spPr>
-        <p:style>
-          <a:lnRef idx="2">
-            <a:schemeClr val="accent1">
-              <a:shade val="50000"/>
-            </a:schemeClr>
-          </a:lnRef>
-          <a:fillRef idx="1">
-            <a:schemeClr val="accent1"/>
-          </a:fillRef>
-          <a:effectRef idx="0">
-            <a:schemeClr val="accent1"/>
-          </a:effectRef>
-          <a:fontRef idx="minor">
-            <a:schemeClr val="lt1"/>
-          </a:fontRef>
-        </p:style>
-        <p:txBody>
-          <a:bodyPr rtlCol="0" anchor="ctr"/>
-          <a:lstStyle/>
-          <a:p>
-            <a:pPr algn="ctr"/>
-            <a:endParaRPr lang="en-SG"/>
-          </a:p>
-        </p:txBody>
-      </p:sp>
-      <p:sp>
-        <p:nvSpPr>
-          <p:cNvPr id="22" name="Rectangle 21">
-            <a:extLst>
-              <a:ext uri="{FF2B5EF4-FFF2-40B4-BE49-F238E27FC236}">
-                <a16:creationId xmlns:a16="http://schemas.microsoft.com/office/drawing/2014/main" id="{C233EA75-2CB3-4FD4-A662-48C1A397D02B}"/>
-              </a:ext>
-            </a:extLst>
-          </p:cNvPr>
-          <p:cNvSpPr/>
-          <p:nvPr/>
-        </p:nvSpPr>
-        <p:spPr>
-          <a:xfrm>
-            <a:off x="3420536" y="5063318"/>
-            <a:ext cx="2286052" cy="877996"/>
-          </a:xfrm>
-          <a:prstGeom prst="rect">
-            <a:avLst/>
-          </a:prstGeom>
-          <a:noFill/>
-          <a:ln w="38100">
-            <a:solidFill>
-              <a:srgbClr val="FF0000"/>
-            </a:solidFill>
-          </a:ln>
-        </p:spPr>
-        <p:style>
-          <a:lnRef idx="2">
-            <a:schemeClr val="accent1">
-              <a:shade val="50000"/>
-            </a:schemeClr>
-          </a:lnRef>
-          <a:fillRef idx="1">
-            <a:schemeClr val="accent1"/>
-          </a:fillRef>
-          <a:effectRef idx="0">
-            <a:schemeClr val="accent1"/>
-          </a:effectRef>
-          <a:fontRef idx="minor">
-            <a:schemeClr val="lt1"/>
-          </a:fontRef>
-        </p:style>
-        <p:txBody>
-          <a:bodyPr rtlCol="0" anchor="ctr"/>
-          <a:lstStyle/>
-          <a:p>
-            <a:pPr algn="ctr"/>
-            <a:endParaRPr lang="en-SG"/>
-          </a:p>
-        </p:txBody>
-      </p:sp>
-    </p:spTree>
-    <p:extLst>
-      <p:ext uri="{BB962C8B-B14F-4D97-AF65-F5344CB8AC3E}">
-        <p14:creationId xmlns:p14="http://schemas.microsoft.com/office/powerpoint/2010/main" val="310749915"/>
-      </p:ext>
-    </p:extLst>
-  </p:cSld>
-  <p:clrMapOvr>
-    <a:masterClrMapping/>
-  </p:clrMapOvr>
-  <p:timing>
-    <p:tnLst>
-      <p:par>
-        <p:cTn id="1" dur="indefinite" restart="never" nodeType="tmRoot">
-          <p:childTnLst>
-            <p:seq concurrent="1" nextAc="seek">
-              <p:cTn id="2" dur="indefinite" nodeType="mainSeq">
-                <p:childTnLst>
-                  <p:par>
-                    <p:cTn id="3" fill="hold">
-                      <p:stCondLst>
-                        <p:cond delay="indefinite"/>
-                      </p:stCondLst>
-                      <p:childTnLst>
-                        <p:par>
-                          <p:cTn id="4" fill="hold">
-                            <p:stCondLst>
-                              <p:cond delay="0"/>
-                            </p:stCondLst>
-                            <p:childTnLst>
-                              <p:par>
-                                <p:cTn id="5" presetID="1" presetClass="entr" presetSubtype="0" fill="hold" nodeType="clickEffect">
-                                  <p:stCondLst>
-                                    <p:cond delay="0"/>
-                                  </p:stCondLst>
-                                  <p:childTnLst>
-                                    <p:set>
-                                      <p:cBhvr>
-                                        <p:cTn id="6" dur="1" fill="hold">
-                                          <p:stCondLst>
-                                            <p:cond delay="0"/>
-                                          </p:stCondLst>
-                                        </p:cTn>
-                                        <p:tgtEl>
-                                          <p:sldTgt/>
-                                        </p:tgtEl>
-                                        <p:attrNameLst>
-                                          <p:attrName>style.visibility</p:attrName>
-                                        </p:attrNameLst>
-                                      </p:cBhvr>
-                                      <p:to>
-                                        <p:strVal val="visible"/>
-                                      </p:to>
-                                    </p:set>
-                                  </p:childTnLst>
-                                </p:cTn>
-                              </p:par>
-                            </p:childTnLst>
-                          </p:cTn>
-                        </p:par>
-                      </p:childTnLst>
-                    </p:cTn>
-                  </p:par>
-                </p:childTnLst>
-              </p:cTn>
-              <p:prevCondLst>
-                <p:cond evt="onPrev" delay="0">
-                  <p:tgtEl>
-                    <p:sldTgt/>
-                  </p:tgtEl>
-                </p:cond>
-              </p:prevCondLst>
-              <p:nextCondLst>
-                <p:cond evt="onNext" delay="0">
-                  <p:tgtEl>
-                    <p:sldTgt/>
-                  </p:tgtEl>
-                </p:cond>
-              </p:nextCondLst>
-            </p:seq>
-          </p:childTnLst>
-        </p:cTn>
-      </p:par>
-    </p:tnLst>
-  </p:timing>
-</p:sld>
-</file>
-
-<file path=ppt/slides/slide36.xml><?xml version="1.0" encoding="utf-8"?>
-<p:sld xmlns:a="http://schemas.openxmlformats.org/drawingml/2006/main" xmlns:r="http://schemas.openxmlformats.org/officeDocument/2006/relationships" xmlns:p="http://schemas.openxmlformats.org/presentationml/2006/main">
-  <p:cSld>
-    <p:spTree>
-      <p:nvGrpSpPr>
-        <p:cNvPr id="1" name=""/>
-        <p:cNvGrpSpPr/>
-        <p:nvPr/>
-      </p:nvGrpSpPr>
-      <p:grpSpPr>
-        <a:xfrm>
-          <a:off x="0" y="0"/>
-          <a:ext cx="0" cy="0"/>
-          <a:chOff x="0" y="0"/>
-          <a:chExt cx="0" cy="0"/>
-        </a:xfrm>
-      </p:grpSpPr>
-      <p:sp>
-        <p:nvSpPr>
-          <p:cNvPr id="6" name="TextBox 5">
-            <a:extLst>
-              <a:ext uri="{FF2B5EF4-FFF2-40B4-BE49-F238E27FC236}">
-                <a16:creationId xmlns:a16="http://schemas.microsoft.com/office/drawing/2014/main" id="{D0E58ACE-BDD6-4F97-8AAE-520552BF048D}"/>
-              </a:ext>
-            </a:extLst>
-          </p:cNvPr>
-          <p:cNvSpPr txBox="1"/>
-          <p:nvPr/>
-        </p:nvSpPr>
-        <p:spPr>
-          <a:xfrm>
-            <a:off x="5115140" y="990027"/>
-            <a:ext cx="45719" cy="4508927"/>
-          </a:xfrm>
-          <a:prstGeom prst="rect">
-            <a:avLst/>
-          </a:prstGeom>
-          <a:noFill/>
-        </p:spPr>
-        <p:txBody>
-          <a:bodyPr wrap="square" rtlCol="0">
-            <a:spAutoFit/>
-          </a:bodyPr>
-          <a:lstStyle/>
-          <a:p>
-            <a:r>
-              <a:rPr lang="en-US" sz="28700" b="1" dirty="0">
-                <a:solidFill>
-                  <a:schemeClr val="bg1">
-                    <a:lumMod val="50000"/>
-                    <a:lumOff val="50000"/>
-                  </a:schemeClr>
-                </a:solidFill>
-              </a:rPr>
-              <a:t>6</a:t>
-            </a:r>
-            <a:endParaRPr lang="en-GB" sz="28700" b="1" dirty="0">
-              <a:solidFill>
-                <a:schemeClr val="bg1">
-                  <a:lumMod val="50000"/>
-                  <a:lumOff val="50000"/>
-                </a:schemeClr>
-              </a:solidFill>
-            </a:endParaRPr>
-          </a:p>
-        </p:txBody>
-      </p:sp>
-      <p:sp>
-        <p:nvSpPr>
-          <p:cNvPr id="2" name="Title 1">
-            <a:extLst>
-              <a:ext uri="{FF2B5EF4-FFF2-40B4-BE49-F238E27FC236}">
-                <a16:creationId xmlns:a16="http://schemas.microsoft.com/office/drawing/2014/main" id="{E32021F1-307B-408C-9FCF-6F677B44ECFE}"/>
-              </a:ext>
-            </a:extLst>
-          </p:cNvPr>
-          <p:cNvSpPr>
-            <a:spLocks noGrp="1"/>
-          </p:cNvSpPr>
-          <p:nvPr>
-            <p:ph type="ctrTitle"/>
-          </p:nvPr>
-        </p:nvSpPr>
-        <p:spPr>
-          <a:xfrm>
-            <a:off x="2094609" y="2477528"/>
-            <a:ext cx="8695313" cy="1913021"/>
-          </a:xfrm>
-        </p:spPr>
-        <p:txBody>
-          <a:bodyPr anchor="ctr">
-            <a:normAutofit fontScale="90000"/>
-          </a:bodyPr>
-          <a:lstStyle/>
-          <a:p>
-            <a:pPr algn="ctr"/>
-            <a:r>
-              <a:rPr lang="en-GB" sz="6600" u="sng" dirty="0"/>
-              <a:t>SMB, HML and UMD: </a:t>
-            </a:r>
-            <a:br>
-              <a:rPr lang="en-GB" sz="6600" u="sng" dirty="0"/>
-            </a:br>
-            <a:r>
-              <a:rPr lang="en-GB" sz="6600" u="sng" dirty="0"/>
-              <a:t>A Deeper Dive</a:t>
-            </a:r>
-            <a:endParaRPr lang="en-SG" sz="6600" u="sng" dirty="0"/>
-          </a:p>
-        </p:txBody>
-      </p:sp>
-    </p:spTree>
-    <p:extLst>
-      <p:ext uri="{BB962C8B-B14F-4D97-AF65-F5344CB8AC3E}">
-        <p14:creationId xmlns:p14="http://schemas.microsoft.com/office/powerpoint/2010/main" val="4243771294"/>
-      </p:ext>
-    </p:extLst>
-  </p:cSld>
-  <p:clrMapOvr>
-    <a:masterClrMapping/>
-  </p:clrMapOvr>
-</p:sld>
-</file>
-
-<file path=ppt/slides/slide37.xml><?xml version="1.0" encoding="utf-8"?>
-<p:sld xmlns:a="http://schemas.openxmlformats.org/drawingml/2006/main" xmlns:r="http://schemas.openxmlformats.org/officeDocument/2006/relationships" xmlns:p="http://schemas.openxmlformats.org/presentationml/2006/main">
-  <p:cSld>
-    <p:spTree>
-      <p:nvGrpSpPr>
-        <p:cNvPr id="1" name=""/>
-        <p:cNvGrpSpPr/>
-        <p:nvPr/>
-      </p:nvGrpSpPr>
-      <p:grpSpPr>
-        <a:xfrm>
-          <a:off x="0" y="0"/>
-          <a:ext cx="0" cy="0"/>
-          <a:chOff x="0" y="0"/>
-          <a:chExt cx="0" cy="0"/>
-        </a:xfrm>
-      </p:grpSpPr>
-      <p:sp>
-        <p:nvSpPr>
-          <p:cNvPr id="6" name="Content Placeholder 2">
-            <a:extLst>
-              <a:ext uri="{FF2B5EF4-FFF2-40B4-BE49-F238E27FC236}">
-                <a16:creationId xmlns:a16="http://schemas.microsoft.com/office/drawing/2014/main" id="{0C5E1F70-EB6D-4153-BFFA-6AA630462D4A}"/>
-              </a:ext>
-            </a:extLst>
-          </p:cNvPr>
-          <p:cNvSpPr txBox="1">
-            <a:spLocks/>
-          </p:cNvSpPr>
-          <p:nvPr/>
-        </p:nvSpPr>
-        <p:spPr>
-          <a:xfrm>
-            <a:off x="1400371" y="174932"/>
-            <a:ext cx="8595360" cy="755373"/>
-          </a:xfrm>
-          <a:prstGeom prst="rect">
-            <a:avLst/>
-          </a:prstGeom>
-        </p:spPr>
-        <p:txBody>
-          <a:bodyPr vert="horz" lIns="91440" tIns="45720" rIns="91440" bIns="45720" rtlCol="0" anchor="ctr">
-            <a:normAutofit/>
-          </a:bodyPr>
-          <a:lstStyle>
-            <a:lvl1pPr marL="182880" indent="-182880" algn="l" defTabSz="914400" rtl="0" eaLnBrk="1" latinLnBrk="0" hangingPunct="1">
-              <a:lnSpc>
-                <a:spcPct val="95000"/>
-              </a:lnSpc>
-              <a:spcBef>
-                <a:spcPts val="1400"/>
-              </a:spcBef>
-              <a:spcAft>
-                <a:spcPts val="200"/>
-              </a:spcAft>
-              <a:buClr>
-                <a:schemeClr val="accent1"/>
-              </a:buClr>
-              <a:buSzPct val="80000"/>
-              <a:buFont typeface="Arial" pitchFamily="34" charset="0"/>
-              <a:buChar char="•"/>
-              <a:defRPr sz="1800" kern="1200" spc="10" baseline="0">
-                <a:solidFill>
-                  <a:schemeClr val="tx1"/>
-                </a:solidFill>
-                <a:latin typeface="+mn-lt"/>
-                <a:ea typeface="+mn-ea"/>
-                <a:cs typeface="+mn-cs"/>
-              </a:defRPr>
-            </a:lvl1pPr>
-            <a:lvl2pPr marL="457200" indent="-182880" algn="l" defTabSz="914400" rtl="0" eaLnBrk="1" latinLnBrk="0" hangingPunct="1">
-              <a:lnSpc>
-                <a:spcPct val="90000"/>
-              </a:lnSpc>
-              <a:spcBef>
-                <a:spcPts val="300"/>
-              </a:spcBef>
-              <a:spcAft>
-                <a:spcPts val="300"/>
-              </a:spcAft>
-              <a:buClr>
-                <a:schemeClr val="accent1"/>
-              </a:buClr>
-              <a:buFont typeface="Wingdings 2" pitchFamily="18" charset="2"/>
-              <a:buChar char=""/>
-              <a:defRPr sz="1600" kern="1200">
-                <a:solidFill>
-                  <a:schemeClr val="tx1">
-                    <a:lumMod val="85000"/>
-                    <a:lumOff val="15000"/>
-                  </a:schemeClr>
-                </a:solidFill>
-                <a:latin typeface="+mn-lt"/>
-                <a:ea typeface="+mn-ea"/>
-                <a:cs typeface="+mn-cs"/>
-              </a:defRPr>
-            </a:lvl2pPr>
-            <a:lvl3pPr marL="731520" indent="-182880" algn="l" defTabSz="914400" rtl="0" eaLnBrk="1" latinLnBrk="0" hangingPunct="1">
-              <a:lnSpc>
-                <a:spcPct val="90000"/>
-              </a:lnSpc>
-              <a:spcBef>
-                <a:spcPts val="300"/>
-              </a:spcBef>
-              <a:spcAft>
-                <a:spcPts val="300"/>
-              </a:spcAft>
-              <a:buClr>
-                <a:schemeClr val="accent1"/>
-              </a:buClr>
-              <a:buFont typeface="Wingdings 2" pitchFamily="18" charset="2"/>
-              <a:buChar char=""/>
-              <a:defRPr sz="1400" kern="1200">
-                <a:solidFill>
-                  <a:schemeClr val="tx1">
-                    <a:lumMod val="85000"/>
-                    <a:lumOff val="15000"/>
-                  </a:schemeClr>
-                </a:solidFill>
-                <a:latin typeface="+mn-lt"/>
-                <a:ea typeface="+mn-ea"/>
-                <a:cs typeface="+mn-cs"/>
-              </a:defRPr>
-            </a:lvl3pPr>
-            <a:lvl4pPr marL="1005840" indent="-182880" algn="l" defTabSz="914400" rtl="0" eaLnBrk="1" latinLnBrk="0" hangingPunct="1">
-              <a:lnSpc>
-                <a:spcPct val="90000"/>
-              </a:lnSpc>
-              <a:spcBef>
-                <a:spcPts val="300"/>
-              </a:spcBef>
-              <a:spcAft>
-                <a:spcPts val="300"/>
-              </a:spcAft>
-              <a:buClr>
-                <a:schemeClr val="accent1"/>
-              </a:buClr>
-              <a:buFont typeface="Wingdings 2" pitchFamily="18" charset="2"/>
-              <a:buChar char=""/>
-              <a:defRPr sz="1400" kern="1200">
-                <a:solidFill>
-                  <a:schemeClr val="tx1">
-                    <a:lumMod val="85000"/>
-                    <a:lumOff val="15000"/>
-                  </a:schemeClr>
-                </a:solidFill>
-                <a:latin typeface="+mn-lt"/>
-                <a:ea typeface="+mn-ea"/>
-                <a:cs typeface="+mn-cs"/>
-              </a:defRPr>
-            </a:lvl4pPr>
-            <a:lvl5pPr marL="1280160" indent="-182880" algn="l" defTabSz="914400" rtl="0" eaLnBrk="1" latinLnBrk="0" hangingPunct="1">
-              <a:lnSpc>
-                <a:spcPct val="90000"/>
-              </a:lnSpc>
-              <a:spcBef>
-                <a:spcPts val="300"/>
-              </a:spcBef>
-              <a:spcAft>
-                <a:spcPts val="300"/>
-              </a:spcAft>
-              <a:buClr>
-                <a:schemeClr val="accent1"/>
-              </a:buClr>
-              <a:buFont typeface="Wingdings 2" pitchFamily="18" charset="2"/>
-              <a:buChar char=""/>
-              <a:defRPr sz="1400" kern="1200">
-                <a:solidFill>
-                  <a:schemeClr val="tx1">
-                    <a:lumMod val="85000"/>
-                    <a:lumOff val="15000"/>
-                  </a:schemeClr>
-                </a:solidFill>
-                <a:latin typeface="+mn-lt"/>
-                <a:ea typeface="+mn-ea"/>
-                <a:cs typeface="+mn-cs"/>
-              </a:defRPr>
-            </a:lvl5pPr>
-            <a:lvl6pPr marL="1600000" indent="-228600" algn="l" defTabSz="914400" rtl="0" eaLnBrk="1" latinLnBrk="0" hangingPunct="1">
-              <a:lnSpc>
-                <a:spcPct val="90000"/>
-              </a:lnSpc>
-              <a:spcBef>
-                <a:spcPts val="300"/>
-              </a:spcBef>
-              <a:spcAft>
-                <a:spcPts val="300"/>
-              </a:spcAft>
-              <a:buClr>
-                <a:schemeClr val="accent1"/>
-              </a:buClr>
-              <a:buFont typeface="Wingdings 2" pitchFamily="18" charset="2"/>
-              <a:buChar char=""/>
-              <a:defRPr sz="1400" kern="1200">
-                <a:solidFill>
-                  <a:schemeClr val="tx1">
-                    <a:lumMod val="85000"/>
-                    <a:lumOff val="15000"/>
-                  </a:schemeClr>
-                </a:solidFill>
-                <a:latin typeface="+mn-lt"/>
-                <a:ea typeface="+mn-ea"/>
-                <a:cs typeface="+mn-cs"/>
-              </a:defRPr>
-            </a:lvl6pPr>
-            <a:lvl7pPr marL="1900000" indent="-228600" algn="l" defTabSz="914400" rtl="0" eaLnBrk="1" latinLnBrk="0" hangingPunct="1">
-              <a:lnSpc>
-                <a:spcPct val="90000"/>
-              </a:lnSpc>
-              <a:spcBef>
-                <a:spcPts val="300"/>
-              </a:spcBef>
-              <a:spcAft>
-                <a:spcPts val="300"/>
-              </a:spcAft>
-              <a:buClr>
-                <a:schemeClr val="accent1"/>
-              </a:buClr>
-              <a:buFont typeface="Wingdings 2" pitchFamily="18" charset="2"/>
-              <a:buChar char=""/>
-              <a:defRPr sz="1400" kern="1200">
-                <a:solidFill>
-                  <a:schemeClr val="tx1">
-                    <a:lumMod val="85000"/>
-                    <a:lumOff val="15000"/>
-                  </a:schemeClr>
-                </a:solidFill>
-                <a:latin typeface="+mn-lt"/>
-                <a:ea typeface="+mn-ea"/>
-                <a:cs typeface="+mn-cs"/>
-              </a:defRPr>
-            </a:lvl7pPr>
-            <a:lvl8pPr marL="2200000" indent="-228600" algn="l" defTabSz="914400" rtl="0" eaLnBrk="1" latinLnBrk="0" hangingPunct="1">
-              <a:lnSpc>
-                <a:spcPct val="90000"/>
-              </a:lnSpc>
-              <a:spcBef>
-                <a:spcPts val="300"/>
-              </a:spcBef>
-              <a:spcAft>
-                <a:spcPts val="300"/>
-              </a:spcAft>
-              <a:buClr>
-                <a:schemeClr val="accent1"/>
-              </a:buClr>
-              <a:buFont typeface="Wingdings 2" pitchFamily="18" charset="2"/>
-              <a:buChar char=""/>
-              <a:defRPr sz="1400" kern="1200">
-                <a:solidFill>
-                  <a:schemeClr val="tx1">
-                    <a:lumMod val="85000"/>
-                    <a:lumOff val="15000"/>
-                  </a:schemeClr>
-                </a:solidFill>
-                <a:latin typeface="+mn-lt"/>
-                <a:ea typeface="+mn-ea"/>
-                <a:cs typeface="+mn-cs"/>
-              </a:defRPr>
-            </a:lvl8pPr>
-            <a:lvl9pPr marL="2500000" indent="-228600" algn="l" defTabSz="914400" rtl="0" eaLnBrk="1" latinLnBrk="0" hangingPunct="1">
-              <a:lnSpc>
-                <a:spcPct val="90000"/>
-              </a:lnSpc>
-              <a:spcBef>
-                <a:spcPts val="300"/>
-              </a:spcBef>
-              <a:spcAft>
-                <a:spcPts val="300"/>
-              </a:spcAft>
-              <a:buClr>
-                <a:schemeClr val="accent1"/>
-              </a:buClr>
-              <a:buFont typeface="Wingdings 2" pitchFamily="18" charset="2"/>
-              <a:buChar char=""/>
-              <a:defRPr sz="1400" kern="1200">
-                <a:solidFill>
-                  <a:schemeClr val="tx1">
-                    <a:lumMod val="85000"/>
-                    <a:lumOff val="15000"/>
-                  </a:schemeClr>
-                </a:solidFill>
-                <a:latin typeface="+mn-lt"/>
-                <a:ea typeface="+mn-ea"/>
-                <a:cs typeface="+mn-cs"/>
-              </a:defRPr>
-            </a:lvl9pPr>
-          </a:lstStyle>
-          <a:p>
-            <a:pPr marL="0" indent="0" algn="ctr">
-              <a:buNone/>
-            </a:pPr>
-            <a:r>
-              <a:rPr lang="en-SG" sz="2400" b="1" u="sng" dirty="0"/>
-              <a:t>Small Minus Big (SMB) Factor</a:t>
-            </a:r>
-            <a:endParaRPr lang="en-SG" sz="2000" b="1" u="sng" dirty="0"/>
-          </a:p>
-        </p:txBody>
-      </p:sp>
-      <p:pic>
-        <p:nvPicPr>
-          <p:cNvPr id="5" name="Picture 4">
-            <a:extLst>
-              <a:ext uri="{FF2B5EF4-FFF2-40B4-BE49-F238E27FC236}">
-                <a16:creationId xmlns:a16="http://schemas.microsoft.com/office/drawing/2014/main" id="{6D85CD89-1DC0-4BA3-A0AE-33F179E0A9AE}"/>
-              </a:ext>
-            </a:extLst>
-          </p:cNvPr>
-          <p:cNvPicPr>
-            <a:picLocks noChangeAspect="1"/>
-          </p:cNvPicPr>
-          <p:nvPr/>
-        </p:nvPicPr>
-        <p:blipFill>
-          <a:blip r:embed="rId2">
-            <a:extLst>
-              <a:ext uri="{28A0092B-C50C-407E-A947-70E740481C1C}">
-                <a14:useLocalDpi xmlns:a14="http://schemas.microsoft.com/office/drawing/2010/main" val="0"/>
-              </a:ext>
-            </a:extLst>
-          </a:blip>
-          <a:stretch>
-            <a:fillRect/>
-          </a:stretch>
-        </p:blipFill>
-        <p:spPr>
-          <a:xfrm>
-            <a:off x="452103" y="930305"/>
-            <a:ext cx="6120000" cy="2701940"/>
-          </a:xfrm>
-          <a:prstGeom prst="rect">
-            <a:avLst/>
-          </a:prstGeom>
-          <a:effectLst>
-            <a:outerShdw blurRad="50800" dist="38100" dir="2700000" algn="tl" rotWithShape="0">
-              <a:prstClr val="black">
-                <a:alpha val="40000"/>
-              </a:prstClr>
-            </a:outerShdw>
-          </a:effectLst>
-        </p:spPr>
-      </p:pic>
-      <p:pic>
-        <p:nvPicPr>
-          <p:cNvPr id="8" name="Picture 7">
-            <a:extLst>
-              <a:ext uri="{FF2B5EF4-FFF2-40B4-BE49-F238E27FC236}">
-                <a16:creationId xmlns:a16="http://schemas.microsoft.com/office/drawing/2014/main" id="{9DA9E1DD-2D98-46D2-8BAA-16460CA3A91A}"/>
-              </a:ext>
-            </a:extLst>
-          </p:cNvPr>
-          <p:cNvPicPr>
-            <a:picLocks noChangeAspect="1"/>
-          </p:cNvPicPr>
-          <p:nvPr/>
-        </p:nvPicPr>
-        <p:blipFill>
-          <a:blip r:embed="rId3">
-            <a:extLst>
-              <a:ext uri="{28A0092B-C50C-407E-A947-70E740481C1C}">
-                <a14:useLocalDpi xmlns:a14="http://schemas.microsoft.com/office/drawing/2010/main" val="0"/>
-              </a:ext>
-            </a:extLst>
-          </a:blip>
-          <a:stretch>
-            <a:fillRect/>
-          </a:stretch>
-        </p:blipFill>
-        <p:spPr>
-          <a:xfrm>
-            <a:off x="452103" y="3840297"/>
-            <a:ext cx="6120000" cy="2778502"/>
-          </a:xfrm>
-          <a:prstGeom prst="rect">
-            <a:avLst/>
-          </a:prstGeom>
-          <a:effectLst>
-            <a:outerShdw blurRad="50800" dist="38100" dir="2700000" algn="tl" rotWithShape="0">
-              <a:prstClr val="black">
-                <a:alpha val="40000"/>
-              </a:prstClr>
-            </a:outerShdw>
-          </a:effectLst>
-        </p:spPr>
-      </p:pic>
-      <p:sp>
-        <p:nvSpPr>
-          <p:cNvPr id="13" name="Content Placeholder 2">
-            <a:extLst>
-              <a:ext uri="{FF2B5EF4-FFF2-40B4-BE49-F238E27FC236}">
-                <a16:creationId xmlns:a16="http://schemas.microsoft.com/office/drawing/2014/main" id="{3BE2A201-52BA-422E-BACD-D2C4819CCDF7}"/>
-              </a:ext>
-            </a:extLst>
-          </p:cNvPr>
-          <p:cNvSpPr>
-            <a:spLocks noGrp="1"/>
-          </p:cNvSpPr>
-          <p:nvPr>
-            <p:ph idx="1"/>
-          </p:nvPr>
-        </p:nvSpPr>
-        <p:spPr>
-          <a:xfrm>
-            <a:off x="6705600" y="930305"/>
-            <a:ext cx="4377267" cy="5688493"/>
-          </a:xfrm>
-        </p:spPr>
-        <p:txBody>
-          <a:bodyPr anchor="ctr">
-            <a:normAutofit fontScale="85000" lnSpcReduction="10000"/>
-          </a:bodyPr>
-          <a:lstStyle/>
-          <a:p>
-            <a:pPr algn="just"/>
-            <a:r>
-              <a:rPr lang="en-US" dirty="0"/>
-              <a:t>SMB factor </a:t>
-            </a:r>
-            <a:r>
-              <a:rPr lang="en-US" dirty="0" err="1"/>
-              <a:t>realisations</a:t>
-            </a:r>
-            <a:r>
-              <a:rPr lang="en-US" dirty="0"/>
-              <a:t> do not exhibit consistently positive readings over our sample period, though said SMB readings are, on average, mildly positive (at 0.21%). </a:t>
-            </a:r>
-          </a:p>
-          <a:p>
-            <a:pPr algn="just"/>
-            <a:r>
-              <a:rPr lang="en-US" dirty="0"/>
-              <a:t>The rolling 7-year SMB average shows how the SMB factor </a:t>
-            </a:r>
-            <a:r>
-              <a:rPr lang="en-US" dirty="0" err="1"/>
-              <a:t>realisations</a:t>
-            </a:r>
-            <a:r>
-              <a:rPr lang="en-US" dirty="0"/>
-              <a:t> have trended in and out of positive territories over our extended sample period. </a:t>
-            </a:r>
-          </a:p>
-          <a:p>
-            <a:pPr algn="just"/>
-            <a:r>
-              <a:rPr lang="en-US" dirty="0"/>
-              <a:t>Net gain the portfolio has clocked over the extended sample period suggests that SMB factor </a:t>
-            </a:r>
-            <a:r>
-              <a:rPr lang="en-US" dirty="0" err="1"/>
-              <a:t>realisations</a:t>
-            </a:r>
-            <a:r>
-              <a:rPr lang="en-US" dirty="0"/>
-              <a:t> are still on average, positive.</a:t>
-            </a:r>
-          </a:p>
-          <a:p>
-            <a:pPr algn="just"/>
-            <a:r>
-              <a:rPr lang="en-US" dirty="0"/>
-              <a:t>The sample period used in our main study (July 2011 - December 2018) happens to denote a time period when rolling 7-year average SMB factor </a:t>
-            </a:r>
-            <a:r>
-              <a:rPr lang="en-US" dirty="0" err="1"/>
-              <a:t>realisations</a:t>
-            </a:r>
-            <a:r>
-              <a:rPr lang="en-US" dirty="0"/>
-              <a:t> are negative, explaining the divergence.</a:t>
-            </a:r>
-          </a:p>
-          <a:p>
-            <a:pPr algn="just"/>
-            <a:r>
-              <a:rPr lang="en-US" dirty="0"/>
-              <a:t>Delving deeper, we found the main driver behind the recent downtrend in rolling 7-year average SMB factor </a:t>
-            </a:r>
-            <a:r>
-              <a:rPr lang="en-US" dirty="0" err="1"/>
-              <a:t>realisations</a:t>
-            </a:r>
-            <a:r>
-              <a:rPr lang="en-US" dirty="0"/>
-              <a:t> stem mainly from movements in rolling 7-year Big portfolio returns.</a:t>
-            </a:r>
-          </a:p>
-        </p:txBody>
-      </p:sp>
-    </p:spTree>
-    <p:extLst>
-      <p:ext uri="{BB962C8B-B14F-4D97-AF65-F5344CB8AC3E}">
-        <p14:creationId xmlns:p14="http://schemas.microsoft.com/office/powerpoint/2010/main" val="1876461976"/>
-      </p:ext>
-    </p:extLst>
-  </p:cSld>
-  <p:clrMapOvr>
-    <a:masterClrMapping/>
-  </p:clrMapOvr>
-  <p:timing>
-    <p:tnLst>
-      <p:par>
-        <p:cTn id="1" dur="indefinite" restart="never" nodeType="tmRoot">
-          <p:childTnLst>
-            <p:seq concurrent="1" nextAc="seek">
-              <p:cTn id="2" dur="indefinite" nodeType="mainSeq">
-                <p:childTnLst>
-                  <p:par>
-                    <p:cTn id="3" fill="hold">
-                      <p:stCondLst>
-                        <p:cond delay="indefinite"/>
-                      </p:stCondLst>
-                      <p:childTnLst>
-                        <p:par>
-                          <p:cTn id="4" fill="hold">
-                            <p:stCondLst>
-                              <p:cond delay="0"/>
-                            </p:stCondLst>
-                            <p:childTnLst>
-                              <p:par>
-                                <p:cTn id="5" presetID="1" presetClass="entr" presetSubtype="0" fill="hold" nodeType="clickEffect">
-                                  <p:stCondLst>
-                                    <p:cond delay="0"/>
-                                  </p:stCondLst>
-                                  <p:childTnLst>
-                                    <p:set>
-                                      <p:cBhvr>
-                                        <p:cTn id="6" dur="1" fill="hold">
-                                          <p:stCondLst>
-                                            <p:cond delay="0"/>
-                                          </p:stCondLst>
-                                        </p:cTn>
-                                        <p:tgtEl>
-                                          <p:sldTgt/>
-                                        </p:tgtEl>
-                                        <p:attrNameLst>
-                                          <p:attrName>style.visibility</p:attrName>
-                                        </p:attrNameLst>
-                                      </p:cBhvr>
-                                      <p:to>
-                                        <p:strVal val="visible"/>
-                                      </p:to>
-                                    </p:set>
-                                  </p:childTnLst>
-                                </p:cTn>
-                              </p:par>
-                            </p:childTnLst>
-                          </p:cTn>
-                        </p:par>
-                      </p:childTnLst>
-                    </p:cTn>
-                  </p:par>
-                </p:childTnLst>
-              </p:cTn>
-              <p:prevCondLst>
-                <p:cond evt="onPrev" delay="0">
-                  <p:tgtEl>
-                    <p:sldTgt/>
-                  </p:tgtEl>
-                </p:cond>
-              </p:prevCondLst>
-              <p:nextCondLst>
-                <p:cond evt="onNext" delay="0">
-                  <p:tgtEl>
-                    <p:sldTgt/>
-                  </p:tgtEl>
-                </p:cond>
-              </p:nextCondLst>
-            </p:seq>
-          </p:childTnLst>
-        </p:cTn>
-      </p:par>
-    </p:tnLst>
-  </p:timing>
-</p:sld>
-</file>
-
-<file path=ppt/slides/slide38.xml><?xml version="1.0" encoding="utf-8"?>
-<p:sld xmlns:a="http://schemas.openxmlformats.org/drawingml/2006/main" xmlns:r="http://schemas.openxmlformats.org/officeDocument/2006/relationships" xmlns:p="http://schemas.openxmlformats.org/presentationml/2006/main">
-  <p:cSld>
-    <p:spTree>
-      <p:nvGrpSpPr>
-        <p:cNvPr id="1" name=""/>
-        <p:cNvGrpSpPr/>
-        <p:nvPr/>
-      </p:nvGrpSpPr>
-      <p:grpSpPr>
-        <a:xfrm>
-          <a:off x="0" y="0"/>
-          <a:ext cx="0" cy="0"/>
-          <a:chOff x="0" y="0"/>
-          <a:chExt cx="0" cy="0"/>
-        </a:xfrm>
-      </p:grpSpPr>
-      <p:sp>
-        <p:nvSpPr>
-          <p:cNvPr id="6" name="Content Placeholder 2">
-            <a:extLst>
-              <a:ext uri="{FF2B5EF4-FFF2-40B4-BE49-F238E27FC236}">
-                <a16:creationId xmlns:a16="http://schemas.microsoft.com/office/drawing/2014/main" id="{0C5E1F70-EB6D-4153-BFFA-6AA630462D4A}"/>
-              </a:ext>
-            </a:extLst>
-          </p:cNvPr>
-          <p:cNvSpPr txBox="1">
-            <a:spLocks/>
-          </p:cNvSpPr>
-          <p:nvPr/>
-        </p:nvSpPr>
-        <p:spPr>
-          <a:xfrm>
-            <a:off x="1400371" y="174932"/>
-            <a:ext cx="8595360" cy="755373"/>
-          </a:xfrm>
-          <a:prstGeom prst="rect">
-            <a:avLst/>
-          </a:prstGeom>
-        </p:spPr>
-        <p:txBody>
-          <a:bodyPr vert="horz" lIns="91440" tIns="45720" rIns="91440" bIns="45720" rtlCol="0" anchor="ctr">
-            <a:normAutofit/>
-          </a:bodyPr>
-          <a:lstStyle>
-            <a:lvl1pPr marL="182880" indent="-182880" algn="l" defTabSz="914400" rtl="0" eaLnBrk="1" latinLnBrk="0" hangingPunct="1">
-              <a:lnSpc>
-                <a:spcPct val="95000"/>
-              </a:lnSpc>
-              <a:spcBef>
-                <a:spcPts val="1400"/>
-              </a:spcBef>
-              <a:spcAft>
-                <a:spcPts val="200"/>
-              </a:spcAft>
-              <a:buClr>
-                <a:schemeClr val="accent1"/>
-              </a:buClr>
-              <a:buSzPct val="80000"/>
-              <a:buFont typeface="Arial" pitchFamily="34" charset="0"/>
-              <a:buChar char="•"/>
-              <a:defRPr sz="1800" kern="1200" spc="10" baseline="0">
-                <a:solidFill>
-                  <a:schemeClr val="tx1"/>
-                </a:solidFill>
-                <a:latin typeface="+mn-lt"/>
-                <a:ea typeface="+mn-ea"/>
-                <a:cs typeface="+mn-cs"/>
-              </a:defRPr>
-            </a:lvl1pPr>
-            <a:lvl2pPr marL="457200" indent="-182880" algn="l" defTabSz="914400" rtl="0" eaLnBrk="1" latinLnBrk="0" hangingPunct="1">
-              <a:lnSpc>
-                <a:spcPct val="90000"/>
-              </a:lnSpc>
-              <a:spcBef>
-                <a:spcPts val="300"/>
-              </a:spcBef>
-              <a:spcAft>
-                <a:spcPts val="300"/>
-              </a:spcAft>
-              <a:buClr>
-                <a:schemeClr val="accent1"/>
-              </a:buClr>
-              <a:buFont typeface="Wingdings 2" pitchFamily="18" charset="2"/>
-              <a:buChar char=""/>
-              <a:defRPr sz="1600" kern="1200">
-                <a:solidFill>
-                  <a:schemeClr val="tx1">
-                    <a:lumMod val="85000"/>
-                    <a:lumOff val="15000"/>
-                  </a:schemeClr>
-                </a:solidFill>
-                <a:latin typeface="+mn-lt"/>
-                <a:ea typeface="+mn-ea"/>
-                <a:cs typeface="+mn-cs"/>
-              </a:defRPr>
-            </a:lvl2pPr>
-            <a:lvl3pPr marL="731520" indent="-182880" algn="l" defTabSz="914400" rtl="0" eaLnBrk="1" latinLnBrk="0" hangingPunct="1">
-              <a:lnSpc>
-                <a:spcPct val="90000"/>
-              </a:lnSpc>
-              <a:spcBef>
-                <a:spcPts val="300"/>
-              </a:spcBef>
-              <a:spcAft>
-                <a:spcPts val="300"/>
-              </a:spcAft>
-              <a:buClr>
-                <a:schemeClr val="accent1"/>
-              </a:buClr>
-              <a:buFont typeface="Wingdings 2" pitchFamily="18" charset="2"/>
-              <a:buChar char=""/>
-              <a:defRPr sz="1400" kern="1200">
-                <a:solidFill>
-                  <a:schemeClr val="tx1">
-                    <a:lumMod val="85000"/>
-                    <a:lumOff val="15000"/>
-                  </a:schemeClr>
-                </a:solidFill>
-                <a:latin typeface="+mn-lt"/>
-                <a:ea typeface="+mn-ea"/>
-                <a:cs typeface="+mn-cs"/>
-              </a:defRPr>
-            </a:lvl3pPr>
-            <a:lvl4pPr marL="1005840" indent="-182880" algn="l" defTabSz="914400" rtl="0" eaLnBrk="1" latinLnBrk="0" hangingPunct="1">
-              <a:lnSpc>
-                <a:spcPct val="90000"/>
-              </a:lnSpc>
-              <a:spcBef>
-                <a:spcPts val="300"/>
-              </a:spcBef>
-              <a:spcAft>
-                <a:spcPts val="300"/>
-              </a:spcAft>
-              <a:buClr>
-                <a:schemeClr val="accent1"/>
-              </a:buClr>
-              <a:buFont typeface="Wingdings 2" pitchFamily="18" charset="2"/>
-              <a:buChar char=""/>
-              <a:defRPr sz="1400" kern="1200">
-                <a:solidFill>
-                  <a:schemeClr val="tx1">
-                    <a:lumMod val="85000"/>
-                    <a:lumOff val="15000"/>
-                  </a:schemeClr>
-                </a:solidFill>
-                <a:latin typeface="+mn-lt"/>
-                <a:ea typeface="+mn-ea"/>
-                <a:cs typeface="+mn-cs"/>
-              </a:defRPr>
-            </a:lvl4pPr>
-            <a:lvl5pPr marL="1280160" indent="-182880" algn="l" defTabSz="914400" rtl="0" eaLnBrk="1" latinLnBrk="0" hangingPunct="1">
-              <a:lnSpc>
-                <a:spcPct val="90000"/>
-              </a:lnSpc>
-              <a:spcBef>
-                <a:spcPts val="300"/>
-              </a:spcBef>
-              <a:spcAft>
-                <a:spcPts val="300"/>
-              </a:spcAft>
-              <a:buClr>
-                <a:schemeClr val="accent1"/>
-              </a:buClr>
-              <a:buFont typeface="Wingdings 2" pitchFamily="18" charset="2"/>
-              <a:buChar char=""/>
-              <a:defRPr sz="1400" kern="1200">
-                <a:solidFill>
-                  <a:schemeClr val="tx1">
-                    <a:lumMod val="85000"/>
-                    <a:lumOff val="15000"/>
-                  </a:schemeClr>
-                </a:solidFill>
-                <a:latin typeface="+mn-lt"/>
-                <a:ea typeface="+mn-ea"/>
-                <a:cs typeface="+mn-cs"/>
-              </a:defRPr>
-            </a:lvl5pPr>
-            <a:lvl6pPr marL="1600000" indent="-228600" algn="l" defTabSz="914400" rtl="0" eaLnBrk="1" latinLnBrk="0" hangingPunct="1">
-              <a:lnSpc>
-                <a:spcPct val="90000"/>
-              </a:lnSpc>
-              <a:spcBef>
-                <a:spcPts val="300"/>
-              </a:spcBef>
-              <a:spcAft>
-                <a:spcPts val="300"/>
-              </a:spcAft>
-              <a:buClr>
-                <a:schemeClr val="accent1"/>
-              </a:buClr>
-              <a:buFont typeface="Wingdings 2" pitchFamily="18" charset="2"/>
-              <a:buChar char=""/>
-              <a:defRPr sz="1400" kern="1200">
-                <a:solidFill>
-                  <a:schemeClr val="tx1">
-                    <a:lumMod val="85000"/>
-                    <a:lumOff val="15000"/>
-                  </a:schemeClr>
-                </a:solidFill>
-                <a:latin typeface="+mn-lt"/>
-                <a:ea typeface="+mn-ea"/>
-                <a:cs typeface="+mn-cs"/>
-              </a:defRPr>
-            </a:lvl6pPr>
-            <a:lvl7pPr marL="1900000" indent="-228600" algn="l" defTabSz="914400" rtl="0" eaLnBrk="1" latinLnBrk="0" hangingPunct="1">
-              <a:lnSpc>
-                <a:spcPct val="90000"/>
-              </a:lnSpc>
-              <a:spcBef>
-                <a:spcPts val="300"/>
-              </a:spcBef>
-              <a:spcAft>
-                <a:spcPts val="300"/>
-              </a:spcAft>
-              <a:buClr>
-                <a:schemeClr val="accent1"/>
-              </a:buClr>
-              <a:buFont typeface="Wingdings 2" pitchFamily="18" charset="2"/>
-              <a:buChar char=""/>
-              <a:defRPr sz="1400" kern="1200">
-                <a:solidFill>
-                  <a:schemeClr val="tx1">
-                    <a:lumMod val="85000"/>
-                    <a:lumOff val="15000"/>
-                  </a:schemeClr>
-                </a:solidFill>
-                <a:latin typeface="+mn-lt"/>
-                <a:ea typeface="+mn-ea"/>
-                <a:cs typeface="+mn-cs"/>
-              </a:defRPr>
-            </a:lvl7pPr>
-            <a:lvl8pPr marL="2200000" indent="-228600" algn="l" defTabSz="914400" rtl="0" eaLnBrk="1" latinLnBrk="0" hangingPunct="1">
-              <a:lnSpc>
-                <a:spcPct val="90000"/>
-              </a:lnSpc>
-              <a:spcBef>
-                <a:spcPts val="300"/>
-              </a:spcBef>
-              <a:spcAft>
-                <a:spcPts val="300"/>
-              </a:spcAft>
-              <a:buClr>
-                <a:schemeClr val="accent1"/>
-              </a:buClr>
-              <a:buFont typeface="Wingdings 2" pitchFamily="18" charset="2"/>
-              <a:buChar char=""/>
-              <a:defRPr sz="1400" kern="1200">
-                <a:solidFill>
-                  <a:schemeClr val="tx1">
-                    <a:lumMod val="85000"/>
-                    <a:lumOff val="15000"/>
-                  </a:schemeClr>
-                </a:solidFill>
-                <a:latin typeface="+mn-lt"/>
-                <a:ea typeface="+mn-ea"/>
-                <a:cs typeface="+mn-cs"/>
-              </a:defRPr>
-            </a:lvl8pPr>
-            <a:lvl9pPr marL="2500000" indent="-228600" algn="l" defTabSz="914400" rtl="0" eaLnBrk="1" latinLnBrk="0" hangingPunct="1">
-              <a:lnSpc>
-                <a:spcPct val="90000"/>
-              </a:lnSpc>
-              <a:spcBef>
-                <a:spcPts val="300"/>
-              </a:spcBef>
-              <a:spcAft>
-                <a:spcPts val="300"/>
-              </a:spcAft>
-              <a:buClr>
-                <a:schemeClr val="accent1"/>
-              </a:buClr>
-              <a:buFont typeface="Wingdings 2" pitchFamily="18" charset="2"/>
-              <a:buChar char=""/>
-              <a:defRPr sz="1400" kern="1200">
-                <a:solidFill>
-                  <a:schemeClr val="tx1">
-                    <a:lumMod val="85000"/>
-                    <a:lumOff val="15000"/>
-                  </a:schemeClr>
-                </a:solidFill>
-                <a:latin typeface="+mn-lt"/>
-                <a:ea typeface="+mn-ea"/>
-                <a:cs typeface="+mn-cs"/>
-              </a:defRPr>
-            </a:lvl9pPr>
-          </a:lstStyle>
-          <a:p>
-            <a:pPr marL="0" indent="0" algn="ctr">
-              <a:buNone/>
-            </a:pPr>
-            <a:r>
-              <a:rPr lang="en-SG" sz="2400" b="1" u="sng" dirty="0"/>
-              <a:t>Small Minus Big (SMB) Factor</a:t>
-            </a:r>
-            <a:endParaRPr lang="en-SG" sz="2000" b="1" u="sng" dirty="0"/>
-          </a:p>
-        </p:txBody>
-      </p:sp>
-      <p:pic>
-        <p:nvPicPr>
-          <p:cNvPr id="3" name="Picture 2">
-            <a:extLst>
-              <a:ext uri="{FF2B5EF4-FFF2-40B4-BE49-F238E27FC236}">
-                <a16:creationId xmlns:a16="http://schemas.microsoft.com/office/drawing/2014/main" id="{8EB47EA6-B493-41D2-B6FF-5D7993132CBE}"/>
-              </a:ext>
-            </a:extLst>
-          </p:cNvPr>
-          <p:cNvPicPr>
-            <a:picLocks noChangeAspect="1"/>
-          </p:cNvPicPr>
-          <p:nvPr/>
-        </p:nvPicPr>
-        <p:blipFill>
-          <a:blip r:embed="rId2">
-            <a:extLst>
-              <a:ext uri="{28A0092B-C50C-407E-A947-70E740481C1C}">
-                <a14:useLocalDpi xmlns:a14="http://schemas.microsoft.com/office/drawing/2010/main" val="0"/>
-              </a:ext>
-            </a:extLst>
-          </a:blip>
-          <a:stretch>
-            <a:fillRect/>
-          </a:stretch>
-        </p:blipFill>
-        <p:spPr>
-          <a:xfrm>
-            <a:off x="2065851" y="1368428"/>
-            <a:ext cx="7264400" cy="4679950"/>
-          </a:xfrm>
-          <a:prstGeom prst="rect">
-            <a:avLst/>
-          </a:prstGeom>
-          <a:effectLst>
-            <a:outerShdw blurRad="50800" dist="38100" dir="2700000" algn="tl" rotWithShape="0">
-              <a:prstClr val="black">
-                <a:alpha val="40000"/>
-              </a:prstClr>
-            </a:outerShdw>
-          </a:effectLst>
-        </p:spPr>
-      </p:pic>
-      <p:sp>
-        <p:nvSpPr>
-          <p:cNvPr id="7" name="Rectangle 6">
-            <a:extLst>
-              <a:ext uri="{FF2B5EF4-FFF2-40B4-BE49-F238E27FC236}">
-                <a16:creationId xmlns:a16="http://schemas.microsoft.com/office/drawing/2014/main" id="{F9D7CDF4-54A5-4BEC-92C5-51C1956F4F58}"/>
-              </a:ext>
-            </a:extLst>
-          </p:cNvPr>
-          <p:cNvSpPr/>
-          <p:nvPr/>
-        </p:nvSpPr>
-        <p:spPr>
-          <a:xfrm>
-            <a:off x="8263467" y="5241118"/>
-            <a:ext cx="1066784" cy="807260"/>
-          </a:xfrm>
-          <a:prstGeom prst="rect">
-            <a:avLst/>
-          </a:prstGeom>
-          <a:noFill/>
-          <a:ln w="38100">
-            <a:solidFill>
-              <a:srgbClr val="FF0000"/>
-            </a:solidFill>
-          </a:ln>
-        </p:spPr>
-        <p:style>
-          <a:lnRef idx="2">
-            <a:schemeClr val="accent1">
-              <a:shade val="50000"/>
-            </a:schemeClr>
-          </a:lnRef>
-          <a:fillRef idx="1">
-            <a:schemeClr val="accent1"/>
-          </a:fillRef>
-          <a:effectRef idx="0">
-            <a:schemeClr val="accent1"/>
-          </a:effectRef>
-          <a:fontRef idx="minor">
-            <a:schemeClr val="lt1"/>
-          </a:fontRef>
-        </p:style>
-        <p:txBody>
-          <a:bodyPr rtlCol="0" anchor="ctr"/>
-          <a:lstStyle/>
-          <a:p>
-            <a:pPr algn="ctr"/>
-            <a:endParaRPr lang="en-SG"/>
-          </a:p>
-        </p:txBody>
-      </p:sp>
-    </p:spTree>
-    <p:extLst>
-      <p:ext uri="{BB962C8B-B14F-4D97-AF65-F5344CB8AC3E}">
-        <p14:creationId xmlns:p14="http://schemas.microsoft.com/office/powerpoint/2010/main" val="1018233839"/>
-      </p:ext>
-    </p:extLst>
-  </p:cSld>
-  <p:clrMapOvr>
-    <a:masterClrMapping/>
-  </p:clrMapOvr>
-  <p:timing>
-    <p:tnLst>
-      <p:par>
-        <p:cTn id="1" dur="indefinite" restart="never" nodeType="tmRoot">
-          <p:childTnLst>
-            <p:seq concurrent="1" nextAc="seek">
-              <p:cTn id="2" dur="indefinite" nodeType="mainSeq">
-                <p:childTnLst>
-                  <p:par>
-                    <p:cTn id="3" fill="hold">
-                      <p:stCondLst>
-                        <p:cond delay="indefinite"/>
-                      </p:stCondLst>
-                      <p:childTnLst>
-                        <p:par>
-                          <p:cTn id="4" fill="hold">
-                            <p:stCondLst>
-                              <p:cond delay="0"/>
-                            </p:stCondLst>
-                            <p:childTnLst>
-                              <p:par>
-                                <p:cTn id="5" presetID="1" presetClass="entr" presetSubtype="0" fill="hold" nodeType="clickEffect">
-                                  <p:stCondLst>
-                                    <p:cond delay="0"/>
-                                  </p:stCondLst>
-                                  <p:childTnLst>
-                                    <p:set>
-                                      <p:cBhvr>
-                                        <p:cTn id="6" dur="1" fill="hold">
-                                          <p:stCondLst>
-                                            <p:cond delay="0"/>
-                                          </p:stCondLst>
-                                        </p:cTn>
-                                        <p:tgtEl>
-                                          <p:sldTgt/>
-                                        </p:tgtEl>
-                                        <p:attrNameLst>
-                                          <p:attrName>style.visibility</p:attrName>
-                                        </p:attrNameLst>
-                                      </p:cBhvr>
-                                      <p:to>
-                                        <p:strVal val="visible"/>
-                                      </p:to>
-                                    </p:set>
-                                  </p:childTnLst>
-                                </p:cTn>
-                              </p:par>
-                            </p:childTnLst>
-                          </p:cTn>
-                        </p:par>
-                      </p:childTnLst>
-                    </p:cTn>
-                  </p:par>
-                </p:childTnLst>
-              </p:cTn>
-              <p:prevCondLst>
-                <p:cond evt="onPrev" delay="0">
-                  <p:tgtEl>
-                    <p:sldTgt/>
-                  </p:tgtEl>
-                </p:cond>
-              </p:prevCondLst>
-              <p:nextCondLst>
-                <p:cond evt="onNext" delay="0">
-                  <p:tgtEl>
-                    <p:sldTgt/>
-                  </p:tgtEl>
-                </p:cond>
-              </p:nextCondLst>
-            </p:seq>
-          </p:childTnLst>
-        </p:cTn>
-      </p:par>
-    </p:tnLst>
-  </p:timing>
-</p:sld>
-</file>
-
-<file path=ppt/slides/slide39.xml><?xml version="1.0" encoding="utf-8"?>
-<p:sld xmlns:a="http://schemas.openxmlformats.org/drawingml/2006/main" xmlns:r="http://schemas.openxmlformats.org/officeDocument/2006/relationships" xmlns:p="http://schemas.openxmlformats.org/presentationml/2006/main">
-  <p:cSld>
-    <p:spTree>
-      <p:nvGrpSpPr>
-        <p:cNvPr id="1" name=""/>
-        <p:cNvGrpSpPr/>
-        <p:nvPr/>
-      </p:nvGrpSpPr>
-      <p:grpSpPr>
-        <a:xfrm>
-          <a:off x="0" y="0"/>
-          <a:ext cx="0" cy="0"/>
-          <a:chOff x="0" y="0"/>
-          <a:chExt cx="0" cy="0"/>
-        </a:xfrm>
-      </p:grpSpPr>
-      <p:pic>
-        <p:nvPicPr>
-          <p:cNvPr id="7" name="Picture 6">
-            <a:extLst>
-              <a:ext uri="{FF2B5EF4-FFF2-40B4-BE49-F238E27FC236}">
-                <a16:creationId xmlns:a16="http://schemas.microsoft.com/office/drawing/2014/main" id="{ABB7B86D-7264-4CD7-A85E-F7182ED5844A}"/>
-              </a:ext>
-            </a:extLst>
-          </p:cNvPr>
-          <p:cNvPicPr>
-            <a:picLocks noChangeAspect="1"/>
-          </p:cNvPicPr>
-          <p:nvPr/>
-        </p:nvPicPr>
-        <p:blipFill>
-          <a:blip r:embed="rId2">
-            <a:extLst>
-              <a:ext uri="{28A0092B-C50C-407E-A947-70E740481C1C}">
-                <a14:useLocalDpi xmlns:a14="http://schemas.microsoft.com/office/drawing/2010/main" val="0"/>
-              </a:ext>
-            </a:extLst>
-          </a:blip>
-          <a:stretch>
-            <a:fillRect/>
-          </a:stretch>
-        </p:blipFill>
-        <p:spPr>
-          <a:xfrm>
-            <a:off x="452103" y="3840297"/>
-            <a:ext cx="6120000" cy="2773288"/>
-          </a:xfrm>
-          <a:prstGeom prst="rect">
-            <a:avLst/>
-          </a:prstGeom>
-          <a:effectLst>
-            <a:outerShdw blurRad="50800" dist="38100" dir="2700000" algn="tl" rotWithShape="0">
-              <a:prstClr val="black">
-                <a:alpha val="40000"/>
-              </a:prstClr>
-            </a:outerShdw>
-          </a:effectLst>
-        </p:spPr>
-      </p:pic>
-      <p:pic>
-        <p:nvPicPr>
-          <p:cNvPr id="3" name="Picture 2">
-            <a:extLst>
-              <a:ext uri="{FF2B5EF4-FFF2-40B4-BE49-F238E27FC236}">
-                <a16:creationId xmlns:a16="http://schemas.microsoft.com/office/drawing/2014/main" id="{981EAA7F-CA87-4CD9-A376-FA105D02E2BF}"/>
-              </a:ext>
-            </a:extLst>
-          </p:cNvPr>
-          <p:cNvPicPr>
-            <a:picLocks noChangeAspect="1"/>
-          </p:cNvPicPr>
-          <p:nvPr/>
-        </p:nvPicPr>
-        <p:blipFill>
-          <a:blip r:embed="rId3">
-            <a:extLst>
-              <a:ext uri="{28A0092B-C50C-407E-A947-70E740481C1C}">
-                <a14:useLocalDpi xmlns:a14="http://schemas.microsoft.com/office/drawing/2010/main" val="0"/>
-              </a:ext>
-            </a:extLst>
-          </a:blip>
-          <a:stretch>
-            <a:fillRect/>
-          </a:stretch>
-        </p:blipFill>
-        <p:spPr>
-          <a:xfrm>
-            <a:off x="452103" y="934780"/>
-            <a:ext cx="6120000" cy="2697465"/>
-          </a:xfrm>
-          <a:prstGeom prst="rect">
-            <a:avLst/>
-          </a:prstGeom>
-          <a:effectLst>
-            <a:outerShdw blurRad="50800" dist="38100" dir="2700000" algn="tl" rotWithShape="0">
-              <a:prstClr val="black">
-                <a:alpha val="40000"/>
-              </a:prstClr>
-            </a:outerShdw>
-          </a:effectLst>
-        </p:spPr>
-      </p:pic>
-      <p:sp>
-        <p:nvSpPr>
-          <p:cNvPr id="6" name="Content Placeholder 2">
-            <a:extLst>
-              <a:ext uri="{FF2B5EF4-FFF2-40B4-BE49-F238E27FC236}">
-                <a16:creationId xmlns:a16="http://schemas.microsoft.com/office/drawing/2014/main" id="{0C5E1F70-EB6D-4153-BFFA-6AA630462D4A}"/>
-              </a:ext>
-            </a:extLst>
-          </p:cNvPr>
-          <p:cNvSpPr txBox="1">
-            <a:spLocks/>
-          </p:cNvSpPr>
-          <p:nvPr/>
-        </p:nvSpPr>
-        <p:spPr>
-          <a:xfrm>
-            <a:off x="1400371" y="174932"/>
-            <a:ext cx="8595360" cy="755373"/>
-          </a:xfrm>
-          <a:prstGeom prst="rect">
-            <a:avLst/>
-          </a:prstGeom>
-        </p:spPr>
-        <p:txBody>
-          <a:bodyPr vert="horz" lIns="91440" tIns="45720" rIns="91440" bIns="45720" rtlCol="0" anchor="ctr">
-            <a:normAutofit/>
-          </a:bodyPr>
-          <a:lstStyle>
-            <a:lvl1pPr marL="182880" indent="-182880" algn="l" defTabSz="914400" rtl="0" eaLnBrk="1" latinLnBrk="0" hangingPunct="1">
-              <a:lnSpc>
-                <a:spcPct val="95000"/>
-              </a:lnSpc>
-              <a:spcBef>
-                <a:spcPts val="1400"/>
-              </a:spcBef>
-              <a:spcAft>
-                <a:spcPts val="200"/>
-              </a:spcAft>
-              <a:buClr>
-                <a:schemeClr val="accent1"/>
-              </a:buClr>
-              <a:buSzPct val="80000"/>
-              <a:buFont typeface="Arial" pitchFamily="34" charset="0"/>
-              <a:buChar char="•"/>
-              <a:defRPr sz="1800" kern="1200" spc="10" baseline="0">
-                <a:solidFill>
-                  <a:schemeClr val="tx1"/>
-                </a:solidFill>
-                <a:latin typeface="+mn-lt"/>
-                <a:ea typeface="+mn-ea"/>
-                <a:cs typeface="+mn-cs"/>
-              </a:defRPr>
-            </a:lvl1pPr>
-            <a:lvl2pPr marL="457200" indent="-182880" algn="l" defTabSz="914400" rtl="0" eaLnBrk="1" latinLnBrk="0" hangingPunct="1">
-              <a:lnSpc>
-                <a:spcPct val="90000"/>
-              </a:lnSpc>
-              <a:spcBef>
-                <a:spcPts val="300"/>
-              </a:spcBef>
-              <a:spcAft>
-                <a:spcPts val="300"/>
-              </a:spcAft>
-              <a:buClr>
-                <a:schemeClr val="accent1"/>
-              </a:buClr>
-              <a:buFont typeface="Wingdings 2" pitchFamily="18" charset="2"/>
-              <a:buChar char=""/>
-              <a:defRPr sz="1600" kern="1200">
-                <a:solidFill>
-                  <a:schemeClr val="tx1">
-                    <a:lumMod val="85000"/>
-                    <a:lumOff val="15000"/>
-                  </a:schemeClr>
-                </a:solidFill>
-                <a:latin typeface="+mn-lt"/>
-                <a:ea typeface="+mn-ea"/>
-                <a:cs typeface="+mn-cs"/>
-              </a:defRPr>
-            </a:lvl2pPr>
-            <a:lvl3pPr marL="731520" indent="-182880" algn="l" defTabSz="914400" rtl="0" eaLnBrk="1" latinLnBrk="0" hangingPunct="1">
-              <a:lnSpc>
-                <a:spcPct val="90000"/>
-              </a:lnSpc>
-              <a:spcBef>
-                <a:spcPts val="300"/>
-              </a:spcBef>
-              <a:spcAft>
-                <a:spcPts val="300"/>
-              </a:spcAft>
-              <a:buClr>
-                <a:schemeClr val="accent1"/>
-              </a:buClr>
-              <a:buFont typeface="Wingdings 2" pitchFamily="18" charset="2"/>
-              <a:buChar char=""/>
-              <a:defRPr sz="1400" kern="1200">
-                <a:solidFill>
-                  <a:schemeClr val="tx1">
-                    <a:lumMod val="85000"/>
-                    <a:lumOff val="15000"/>
-                  </a:schemeClr>
-                </a:solidFill>
-                <a:latin typeface="+mn-lt"/>
-                <a:ea typeface="+mn-ea"/>
-                <a:cs typeface="+mn-cs"/>
-              </a:defRPr>
-            </a:lvl3pPr>
-            <a:lvl4pPr marL="1005840" indent="-182880" algn="l" defTabSz="914400" rtl="0" eaLnBrk="1" latinLnBrk="0" hangingPunct="1">
-              <a:lnSpc>
-                <a:spcPct val="90000"/>
-              </a:lnSpc>
-              <a:spcBef>
-                <a:spcPts val="300"/>
-              </a:spcBef>
-              <a:spcAft>
-                <a:spcPts val="300"/>
-              </a:spcAft>
-              <a:buClr>
-                <a:schemeClr val="accent1"/>
-              </a:buClr>
-              <a:buFont typeface="Wingdings 2" pitchFamily="18" charset="2"/>
-              <a:buChar char=""/>
-              <a:defRPr sz="1400" kern="1200">
-                <a:solidFill>
-                  <a:schemeClr val="tx1">
-                    <a:lumMod val="85000"/>
-                    <a:lumOff val="15000"/>
-                  </a:schemeClr>
-                </a:solidFill>
-                <a:latin typeface="+mn-lt"/>
-                <a:ea typeface="+mn-ea"/>
-                <a:cs typeface="+mn-cs"/>
-              </a:defRPr>
-            </a:lvl4pPr>
-            <a:lvl5pPr marL="1280160" indent="-182880" algn="l" defTabSz="914400" rtl="0" eaLnBrk="1" latinLnBrk="0" hangingPunct="1">
-              <a:lnSpc>
-                <a:spcPct val="90000"/>
-              </a:lnSpc>
-              <a:spcBef>
-                <a:spcPts val="300"/>
-              </a:spcBef>
-              <a:spcAft>
-                <a:spcPts val="300"/>
-              </a:spcAft>
-              <a:buClr>
-                <a:schemeClr val="accent1"/>
-              </a:buClr>
-              <a:buFont typeface="Wingdings 2" pitchFamily="18" charset="2"/>
-              <a:buChar char=""/>
-              <a:defRPr sz="1400" kern="1200">
-                <a:solidFill>
-                  <a:schemeClr val="tx1">
-                    <a:lumMod val="85000"/>
-                    <a:lumOff val="15000"/>
-                  </a:schemeClr>
-                </a:solidFill>
-                <a:latin typeface="+mn-lt"/>
-                <a:ea typeface="+mn-ea"/>
-                <a:cs typeface="+mn-cs"/>
-              </a:defRPr>
-            </a:lvl5pPr>
-            <a:lvl6pPr marL="1600000" indent="-228600" algn="l" defTabSz="914400" rtl="0" eaLnBrk="1" latinLnBrk="0" hangingPunct="1">
-              <a:lnSpc>
-                <a:spcPct val="90000"/>
-              </a:lnSpc>
-              <a:spcBef>
-                <a:spcPts val="300"/>
-              </a:spcBef>
-              <a:spcAft>
-                <a:spcPts val="300"/>
-              </a:spcAft>
-              <a:buClr>
-                <a:schemeClr val="accent1"/>
-              </a:buClr>
-              <a:buFont typeface="Wingdings 2" pitchFamily="18" charset="2"/>
-              <a:buChar char=""/>
-              <a:defRPr sz="1400" kern="1200">
-                <a:solidFill>
-                  <a:schemeClr val="tx1">
-                    <a:lumMod val="85000"/>
-                    <a:lumOff val="15000"/>
-                  </a:schemeClr>
-                </a:solidFill>
-                <a:latin typeface="+mn-lt"/>
-                <a:ea typeface="+mn-ea"/>
-                <a:cs typeface="+mn-cs"/>
-              </a:defRPr>
-            </a:lvl6pPr>
-            <a:lvl7pPr marL="1900000" indent="-228600" algn="l" defTabSz="914400" rtl="0" eaLnBrk="1" latinLnBrk="0" hangingPunct="1">
-              <a:lnSpc>
-                <a:spcPct val="90000"/>
-              </a:lnSpc>
-              <a:spcBef>
-                <a:spcPts val="300"/>
-              </a:spcBef>
-              <a:spcAft>
-                <a:spcPts val="300"/>
-              </a:spcAft>
-              <a:buClr>
-                <a:schemeClr val="accent1"/>
-              </a:buClr>
-              <a:buFont typeface="Wingdings 2" pitchFamily="18" charset="2"/>
-              <a:buChar char=""/>
-              <a:defRPr sz="1400" kern="1200">
-                <a:solidFill>
-                  <a:schemeClr val="tx1">
-                    <a:lumMod val="85000"/>
-                    <a:lumOff val="15000"/>
-                  </a:schemeClr>
-                </a:solidFill>
-                <a:latin typeface="+mn-lt"/>
-                <a:ea typeface="+mn-ea"/>
-                <a:cs typeface="+mn-cs"/>
-              </a:defRPr>
-            </a:lvl7pPr>
-            <a:lvl8pPr marL="2200000" indent="-228600" algn="l" defTabSz="914400" rtl="0" eaLnBrk="1" latinLnBrk="0" hangingPunct="1">
-              <a:lnSpc>
-                <a:spcPct val="90000"/>
-              </a:lnSpc>
-              <a:spcBef>
-                <a:spcPts val="300"/>
-              </a:spcBef>
-              <a:spcAft>
-                <a:spcPts val="300"/>
-              </a:spcAft>
-              <a:buClr>
-                <a:schemeClr val="accent1"/>
-              </a:buClr>
-              <a:buFont typeface="Wingdings 2" pitchFamily="18" charset="2"/>
-              <a:buChar char=""/>
-              <a:defRPr sz="1400" kern="1200">
-                <a:solidFill>
-                  <a:schemeClr val="tx1">
-                    <a:lumMod val="85000"/>
-                    <a:lumOff val="15000"/>
-                  </a:schemeClr>
-                </a:solidFill>
-                <a:latin typeface="+mn-lt"/>
-                <a:ea typeface="+mn-ea"/>
-                <a:cs typeface="+mn-cs"/>
-              </a:defRPr>
-            </a:lvl8pPr>
-            <a:lvl9pPr marL="2500000" indent="-228600" algn="l" defTabSz="914400" rtl="0" eaLnBrk="1" latinLnBrk="0" hangingPunct="1">
-              <a:lnSpc>
-                <a:spcPct val="90000"/>
-              </a:lnSpc>
-              <a:spcBef>
-                <a:spcPts val="300"/>
-              </a:spcBef>
-              <a:spcAft>
-                <a:spcPts val="300"/>
-              </a:spcAft>
-              <a:buClr>
-                <a:schemeClr val="accent1"/>
-              </a:buClr>
-              <a:buFont typeface="Wingdings 2" pitchFamily="18" charset="2"/>
-              <a:buChar char=""/>
-              <a:defRPr sz="1400" kern="1200">
-                <a:solidFill>
-                  <a:schemeClr val="tx1">
-                    <a:lumMod val="85000"/>
-                    <a:lumOff val="15000"/>
-                  </a:schemeClr>
-                </a:solidFill>
-                <a:latin typeface="+mn-lt"/>
-                <a:ea typeface="+mn-ea"/>
-                <a:cs typeface="+mn-cs"/>
-              </a:defRPr>
-            </a:lvl9pPr>
-          </a:lstStyle>
-          <a:p>
-            <a:pPr marL="0" indent="0" algn="ctr">
-              <a:buNone/>
-            </a:pPr>
-            <a:r>
-              <a:rPr lang="en-SG" sz="2400" b="1" u="sng" dirty="0"/>
-              <a:t>High Minus Low (HML) Factor</a:t>
-            </a:r>
-            <a:endParaRPr lang="en-SG" sz="2000" b="1" u="sng" dirty="0"/>
-          </a:p>
-        </p:txBody>
-      </p:sp>
-      <p:sp>
-        <p:nvSpPr>
-          <p:cNvPr id="10" name="Content Placeholder 2">
-            <a:extLst>
-              <a:ext uri="{FF2B5EF4-FFF2-40B4-BE49-F238E27FC236}">
-                <a16:creationId xmlns:a16="http://schemas.microsoft.com/office/drawing/2014/main" id="{2F20C218-B024-4F31-9B17-0A8B341ECB9F}"/>
-              </a:ext>
-            </a:extLst>
-          </p:cNvPr>
-          <p:cNvSpPr>
-            <a:spLocks noGrp="1"/>
-          </p:cNvSpPr>
-          <p:nvPr>
-            <p:ph idx="1"/>
-          </p:nvPr>
-        </p:nvSpPr>
-        <p:spPr>
-          <a:xfrm>
-            <a:off x="6705600" y="930305"/>
-            <a:ext cx="4377267" cy="5688493"/>
-          </a:xfrm>
-        </p:spPr>
-        <p:txBody>
-          <a:bodyPr anchor="ctr">
-            <a:normAutofit fontScale="85000" lnSpcReduction="20000"/>
-          </a:bodyPr>
-          <a:lstStyle/>
-          <a:p>
-            <a:pPr algn="just"/>
-            <a:r>
-              <a:rPr lang="en-US" dirty="0"/>
-              <a:t>The HML factor was observed to exhibit mildly negative mean readings for the period between July 2011 and December 2018, though the HML factor's mean reading of -0.10% is deemed to be statistically indifferent from 0 at the 5% level. </a:t>
-            </a:r>
-          </a:p>
-          <a:p>
-            <a:pPr algn="just"/>
-            <a:r>
-              <a:rPr lang="en-US" dirty="0"/>
-              <a:t>The HML factor was seen to have displayed more consistently and persistently positive readings over the extended sample period of between January 1929 and December 2018 compared to the SMB factor. </a:t>
-            </a:r>
-          </a:p>
-          <a:p>
-            <a:pPr algn="just"/>
-            <a:r>
-              <a:rPr lang="en-US" dirty="0"/>
-              <a:t>This makes the unravelling of the HML factor's positive readings over the recent decade all the more an unprecedented one, which also explains the divergence between our observed mean HML and that of </a:t>
-            </a:r>
-            <a:r>
-              <a:rPr lang="en-US" dirty="0" err="1"/>
-              <a:t>Fama</a:t>
-            </a:r>
-            <a:r>
-              <a:rPr lang="en-US" dirty="0"/>
-              <a:t> and French (1993). </a:t>
-            </a:r>
-          </a:p>
-          <a:p>
-            <a:pPr algn="just"/>
-            <a:r>
-              <a:rPr lang="en-US" dirty="0"/>
-              <a:t>Our constructed HML portfolio has grossly outperformed our constructed SMB portfolio over the extended sample period in terms of nominal returns. </a:t>
-            </a:r>
-          </a:p>
-          <a:p>
-            <a:pPr algn="just"/>
-            <a:r>
-              <a:rPr lang="en-US" dirty="0"/>
-              <a:t>The HML portfolio clocked 3,200.59% returns while the SMB portfolio only clocked 500.96%, with the latter's Sharpe ratio coming up as negative for returns over the extended sample period. </a:t>
-            </a:r>
-          </a:p>
-        </p:txBody>
-      </p:sp>
-    </p:spTree>
-    <p:extLst>
-      <p:ext uri="{BB962C8B-B14F-4D97-AF65-F5344CB8AC3E}">
-        <p14:creationId xmlns:p14="http://schemas.microsoft.com/office/powerpoint/2010/main" val="1599909052"/>
-      </p:ext>
-    </p:extLst>
-  </p:cSld>
-  <p:clrMapOvr>
-    <a:masterClrMapping/>
-  </p:clrMapOvr>
-  <p:timing>
-    <p:tnLst>
-      <p:par>
-        <p:cTn id="1" dur="indefinite" restart="never" nodeType="tmRoot">
-          <p:childTnLst>
-            <p:seq concurrent="1" nextAc="seek">
-              <p:cTn id="2" dur="indefinite" nodeType="mainSeq">
-                <p:childTnLst>
-                  <p:par>
-                    <p:cTn id="3" fill="hold">
-                      <p:stCondLst>
-                        <p:cond delay="indefinite"/>
-                      </p:stCondLst>
-                      <p:childTnLst>
-                        <p:par>
-                          <p:cTn id="4" fill="hold">
-                            <p:stCondLst>
-                              <p:cond delay="0"/>
-                            </p:stCondLst>
-                            <p:childTnLst>
-                              <p:par>
-                                <p:cTn id="5" presetID="1" presetClass="entr" presetSubtype="0" fill="hold" nodeType="clickEffect">
-                                  <p:stCondLst>
-                                    <p:cond delay="0"/>
-                                  </p:stCondLst>
-                                  <p:childTnLst>
-                                    <p:set>
-                                      <p:cBhvr>
-                                        <p:cTn id="6" dur="1" fill="hold">
-                                          <p:stCondLst>
-                                            <p:cond delay="0"/>
-                                          </p:stCondLst>
-                                        </p:cTn>
-                                        <p:tgtEl>
-                                          <p:sldTgt/>
-                                        </p:tgtEl>
-                                        <p:attrNameLst>
-                                          <p:attrName>style.visibility</p:attrName>
-                                        </p:attrNameLst>
-                                      </p:cBhvr>
-                                      <p:to>
-                                        <p:strVal val="visible"/>
-                                      </p:to>
-                                    </p:set>
-                                  </p:childTnLst>
-                                </p:cTn>
-                              </p:par>
-                            </p:childTnLst>
-                          </p:cTn>
-                        </p:par>
-                      </p:childTnLst>
-                    </p:cTn>
-                  </p:par>
-                </p:childTnLst>
-              </p:cTn>
-              <p:prevCondLst>
-                <p:cond evt="onPrev" delay="0">
-                  <p:tgtEl>
-                    <p:sldTgt/>
-                  </p:tgtEl>
-                </p:cond>
-              </p:prevCondLst>
-              <p:nextCondLst>
-                <p:cond evt="onNext" delay="0">
-                  <p:tgtEl>
-                    <p:sldTgt/>
-                  </p:tgtEl>
-                </p:cond>
-              </p:nextCondLst>
-            </p:seq>
-          </p:childTnLst>
-        </p:cTn>
-      </p:par>
-    </p:tnLst>
-  </p:timing>
-</p:sld>
-</file>
-
 <file path=ppt/slides/slide4.xml><?xml version="1.0" encoding="utf-8"?>
 <p:sld xmlns:a="http://schemas.openxmlformats.org/drawingml/2006/main" xmlns:r="http://schemas.openxmlformats.org/officeDocument/2006/relationships" xmlns:p="http://schemas.openxmlformats.org/presentationml/2006/main">
   <p:cSld>
@@ -14738,2160 +10230,6 @@
     <p:extLst>
       <p:ext uri="{BB962C8B-B14F-4D97-AF65-F5344CB8AC3E}">
         <p14:creationId xmlns:p14="http://schemas.microsoft.com/office/powerpoint/2010/main" val="2204832120"/>
-      </p:ext>
-    </p:extLst>
-  </p:cSld>
-  <p:clrMapOvr>
-    <a:masterClrMapping/>
-  </p:clrMapOvr>
-</p:sld>
-</file>
-
-<file path=ppt/slides/slide40.xml><?xml version="1.0" encoding="utf-8"?>
-<p:sld xmlns:a="http://schemas.openxmlformats.org/drawingml/2006/main" xmlns:r="http://schemas.openxmlformats.org/officeDocument/2006/relationships" xmlns:p="http://schemas.openxmlformats.org/presentationml/2006/main">
-  <p:cSld>
-    <p:spTree>
-      <p:nvGrpSpPr>
-        <p:cNvPr id="1" name=""/>
-        <p:cNvGrpSpPr/>
-        <p:nvPr/>
-      </p:nvGrpSpPr>
-      <p:grpSpPr>
-        <a:xfrm>
-          <a:off x="0" y="0"/>
-          <a:ext cx="0" cy="0"/>
-          <a:chOff x="0" y="0"/>
-          <a:chExt cx="0" cy="0"/>
-        </a:xfrm>
-      </p:grpSpPr>
-      <p:pic>
-        <p:nvPicPr>
-          <p:cNvPr id="8" name="Picture 7">
-            <a:extLst>
-              <a:ext uri="{FF2B5EF4-FFF2-40B4-BE49-F238E27FC236}">
-                <a16:creationId xmlns:a16="http://schemas.microsoft.com/office/drawing/2014/main" id="{419FE061-F538-4FFA-93F5-F9E10701667D}"/>
-              </a:ext>
-            </a:extLst>
-          </p:cNvPr>
-          <p:cNvPicPr>
-            <a:picLocks noChangeAspect="1"/>
-          </p:cNvPicPr>
-          <p:nvPr/>
-        </p:nvPicPr>
-        <p:blipFill>
-          <a:blip r:embed="rId2">
-            <a:extLst>
-              <a:ext uri="{28A0092B-C50C-407E-A947-70E740481C1C}">
-                <a14:useLocalDpi xmlns:a14="http://schemas.microsoft.com/office/drawing/2010/main" val="0"/>
-              </a:ext>
-            </a:extLst>
-          </a:blip>
-          <a:stretch>
-            <a:fillRect/>
-          </a:stretch>
-        </p:blipFill>
-        <p:spPr>
-          <a:xfrm>
-            <a:off x="2065851" y="1368428"/>
-            <a:ext cx="7264400" cy="4679950"/>
-          </a:xfrm>
-          <a:prstGeom prst="rect">
-            <a:avLst/>
-          </a:prstGeom>
-        </p:spPr>
-      </p:pic>
-      <p:sp>
-        <p:nvSpPr>
-          <p:cNvPr id="6" name="Content Placeholder 2">
-            <a:extLst>
-              <a:ext uri="{FF2B5EF4-FFF2-40B4-BE49-F238E27FC236}">
-                <a16:creationId xmlns:a16="http://schemas.microsoft.com/office/drawing/2014/main" id="{0C5E1F70-EB6D-4153-BFFA-6AA630462D4A}"/>
-              </a:ext>
-            </a:extLst>
-          </p:cNvPr>
-          <p:cNvSpPr txBox="1">
-            <a:spLocks/>
-          </p:cNvSpPr>
-          <p:nvPr/>
-        </p:nvSpPr>
-        <p:spPr>
-          <a:xfrm>
-            <a:off x="1400371" y="174932"/>
-            <a:ext cx="8595360" cy="755373"/>
-          </a:xfrm>
-          <a:prstGeom prst="rect">
-            <a:avLst/>
-          </a:prstGeom>
-        </p:spPr>
-        <p:txBody>
-          <a:bodyPr vert="horz" lIns="91440" tIns="45720" rIns="91440" bIns="45720" rtlCol="0" anchor="ctr">
-            <a:normAutofit/>
-          </a:bodyPr>
-          <a:lstStyle>
-            <a:lvl1pPr marL="182880" indent="-182880" algn="l" defTabSz="914400" rtl="0" eaLnBrk="1" latinLnBrk="0" hangingPunct="1">
-              <a:lnSpc>
-                <a:spcPct val="95000"/>
-              </a:lnSpc>
-              <a:spcBef>
-                <a:spcPts val="1400"/>
-              </a:spcBef>
-              <a:spcAft>
-                <a:spcPts val="200"/>
-              </a:spcAft>
-              <a:buClr>
-                <a:schemeClr val="accent1"/>
-              </a:buClr>
-              <a:buSzPct val="80000"/>
-              <a:buFont typeface="Arial" pitchFamily="34" charset="0"/>
-              <a:buChar char="•"/>
-              <a:defRPr sz="1800" kern="1200" spc="10" baseline="0">
-                <a:solidFill>
-                  <a:schemeClr val="tx1"/>
-                </a:solidFill>
-                <a:latin typeface="+mn-lt"/>
-                <a:ea typeface="+mn-ea"/>
-                <a:cs typeface="+mn-cs"/>
-              </a:defRPr>
-            </a:lvl1pPr>
-            <a:lvl2pPr marL="457200" indent="-182880" algn="l" defTabSz="914400" rtl="0" eaLnBrk="1" latinLnBrk="0" hangingPunct="1">
-              <a:lnSpc>
-                <a:spcPct val="90000"/>
-              </a:lnSpc>
-              <a:spcBef>
-                <a:spcPts val="300"/>
-              </a:spcBef>
-              <a:spcAft>
-                <a:spcPts val="300"/>
-              </a:spcAft>
-              <a:buClr>
-                <a:schemeClr val="accent1"/>
-              </a:buClr>
-              <a:buFont typeface="Wingdings 2" pitchFamily="18" charset="2"/>
-              <a:buChar char=""/>
-              <a:defRPr sz="1600" kern="1200">
-                <a:solidFill>
-                  <a:schemeClr val="tx1">
-                    <a:lumMod val="85000"/>
-                    <a:lumOff val="15000"/>
-                  </a:schemeClr>
-                </a:solidFill>
-                <a:latin typeface="+mn-lt"/>
-                <a:ea typeface="+mn-ea"/>
-                <a:cs typeface="+mn-cs"/>
-              </a:defRPr>
-            </a:lvl2pPr>
-            <a:lvl3pPr marL="731520" indent="-182880" algn="l" defTabSz="914400" rtl="0" eaLnBrk="1" latinLnBrk="0" hangingPunct="1">
-              <a:lnSpc>
-                <a:spcPct val="90000"/>
-              </a:lnSpc>
-              <a:spcBef>
-                <a:spcPts val="300"/>
-              </a:spcBef>
-              <a:spcAft>
-                <a:spcPts val="300"/>
-              </a:spcAft>
-              <a:buClr>
-                <a:schemeClr val="accent1"/>
-              </a:buClr>
-              <a:buFont typeface="Wingdings 2" pitchFamily="18" charset="2"/>
-              <a:buChar char=""/>
-              <a:defRPr sz="1400" kern="1200">
-                <a:solidFill>
-                  <a:schemeClr val="tx1">
-                    <a:lumMod val="85000"/>
-                    <a:lumOff val="15000"/>
-                  </a:schemeClr>
-                </a:solidFill>
-                <a:latin typeface="+mn-lt"/>
-                <a:ea typeface="+mn-ea"/>
-                <a:cs typeface="+mn-cs"/>
-              </a:defRPr>
-            </a:lvl3pPr>
-            <a:lvl4pPr marL="1005840" indent="-182880" algn="l" defTabSz="914400" rtl="0" eaLnBrk="1" latinLnBrk="0" hangingPunct="1">
-              <a:lnSpc>
-                <a:spcPct val="90000"/>
-              </a:lnSpc>
-              <a:spcBef>
-                <a:spcPts val="300"/>
-              </a:spcBef>
-              <a:spcAft>
-                <a:spcPts val="300"/>
-              </a:spcAft>
-              <a:buClr>
-                <a:schemeClr val="accent1"/>
-              </a:buClr>
-              <a:buFont typeface="Wingdings 2" pitchFamily="18" charset="2"/>
-              <a:buChar char=""/>
-              <a:defRPr sz="1400" kern="1200">
-                <a:solidFill>
-                  <a:schemeClr val="tx1">
-                    <a:lumMod val="85000"/>
-                    <a:lumOff val="15000"/>
-                  </a:schemeClr>
-                </a:solidFill>
-                <a:latin typeface="+mn-lt"/>
-                <a:ea typeface="+mn-ea"/>
-                <a:cs typeface="+mn-cs"/>
-              </a:defRPr>
-            </a:lvl4pPr>
-            <a:lvl5pPr marL="1280160" indent="-182880" algn="l" defTabSz="914400" rtl="0" eaLnBrk="1" latinLnBrk="0" hangingPunct="1">
-              <a:lnSpc>
-                <a:spcPct val="90000"/>
-              </a:lnSpc>
-              <a:spcBef>
-                <a:spcPts val="300"/>
-              </a:spcBef>
-              <a:spcAft>
-                <a:spcPts val="300"/>
-              </a:spcAft>
-              <a:buClr>
-                <a:schemeClr val="accent1"/>
-              </a:buClr>
-              <a:buFont typeface="Wingdings 2" pitchFamily="18" charset="2"/>
-              <a:buChar char=""/>
-              <a:defRPr sz="1400" kern="1200">
-                <a:solidFill>
-                  <a:schemeClr val="tx1">
-                    <a:lumMod val="85000"/>
-                    <a:lumOff val="15000"/>
-                  </a:schemeClr>
-                </a:solidFill>
-                <a:latin typeface="+mn-lt"/>
-                <a:ea typeface="+mn-ea"/>
-                <a:cs typeface="+mn-cs"/>
-              </a:defRPr>
-            </a:lvl5pPr>
-            <a:lvl6pPr marL="1600000" indent="-228600" algn="l" defTabSz="914400" rtl="0" eaLnBrk="1" latinLnBrk="0" hangingPunct="1">
-              <a:lnSpc>
-                <a:spcPct val="90000"/>
-              </a:lnSpc>
-              <a:spcBef>
-                <a:spcPts val="300"/>
-              </a:spcBef>
-              <a:spcAft>
-                <a:spcPts val="300"/>
-              </a:spcAft>
-              <a:buClr>
-                <a:schemeClr val="accent1"/>
-              </a:buClr>
-              <a:buFont typeface="Wingdings 2" pitchFamily="18" charset="2"/>
-              <a:buChar char=""/>
-              <a:defRPr sz="1400" kern="1200">
-                <a:solidFill>
-                  <a:schemeClr val="tx1">
-                    <a:lumMod val="85000"/>
-                    <a:lumOff val="15000"/>
-                  </a:schemeClr>
-                </a:solidFill>
-                <a:latin typeface="+mn-lt"/>
-                <a:ea typeface="+mn-ea"/>
-                <a:cs typeface="+mn-cs"/>
-              </a:defRPr>
-            </a:lvl6pPr>
-            <a:lvl7pPr marL="1900000" indent="-228600" algn="l" defTabSz="914400" rtl="0" eaLnBrk="1" latinLnBrk="0" hangingPunct="1">
-              <a:lnSpc>
-                <a:spcPct val="90000"/>
-              </a:lnSpc>
-              <a:spcBef>
-                <a:spcPts val="300"/>
-              </a:spcBef>
-              <a:spcAft>
-                <a:spcPts val="300"/>
-              </a:spcAft>
-              <a:buClr>
-                <a:schemeClr val="accent1"/>
-              </a:buClr>
-              <a:buFont typeface="Wingdings 2" pitchFamily="18" charset="2"/>
-              <a:buChar char=""/>
-              <a:defRPr sz="1400" kern="1200">
-                <a:solidFill>
-                  <a:schemeClr val="tx1">
-                    <a:lumMod val="85000"/>
-                    <a:lumOff val="15000"/>
-                  </a:schemeClr>
-                </a:solidFill>
-                <a:latin typeface="+mn-lt"/>
-                <a:ea typeface="+mn-ea"/>
-                <a:cs typeface="+mn-cs"/>
-              </a:defRPr>
-            </a:lvl7pPr>
-            <a:lvl8pPr marL="2200000" indent="-228600" algn="l" defTabSz="914400" rtl="0" eaLnBrk="1" latinLnBrk="0" hangingPunct="1">
-              <a:lnSpc>
-                <a:spcPct val="90000"/>
-              </a:lnSpc>
-              <a:spcBef>
-                <a:spcPts val="300"/>
-              </a:spcBef>
-              <a:spcAft>
-                <a:spcPts val="300"/>
-              </a:spcAft>
-              <a:buClr>
-                <a:schemeClr val="accent1"/>
-              </a:buClr>
-              <a:buFont typeface="Wingdings 2" pitchFamily="18" charset="2"/>
-              <a:buChar char=""/>
-              <a:defRPr sz="1400" kern="1200">
-                <a:solidFill>
-                  <a:schemeClr val="tx1">
-                    <a:lumMod val="85000"/>
-                    <a:lumOff val="15000"/>
-                  </a:schemeClr>
-                </a:solidFill>
-                <a:latin typeface="+mn-lt"/>
-                <a:ea typeface="+mn-ea"/>
-                <a:cs typeface="+mn-cs"/>
-              </a:defRPr>
-            </a:lvl8pPr>
-            <a:lvl9pPr marL="2500000" indent="-228600" algn="l" defTabSz="914400" rtl="0" eaLnBrk="1" latinLnBrk="0" hangingPunct="1">
-              <a:lnSpc>
-                <a:spcPct val="90000"/>
-              </a:lnSpc>
-              <a:spcBef>
-                <a:spcPts val="300"/>
-              </a:spcBef>
-              <a:spcAft>
-                <a:spcPts val="300"/>
-              </a:spcAft>
-              <a:buClr>
-                <a:schemeClr val="accent1"/>
-              </a:buClr>
-              <a:buFont typeface="Wingdings 2" pitchFamily="18" charset="2"/>
-              <a:buChar char=""/>
-              <a:defRPr sz="1400" kern="1200">
-                <a:solidFill>
-                  <a:schemeClr val="tx1">
-                    <a:lumMod val="85000"/>
-                    <a:lumOff val="15000"/>
-                  </a:schemeClr>
-                </a:solidFill>
-                <a:latin typeface="+mn-lt"/>
-                <a:ea typeface="+mn-ea"/>
-                <a:cs typeface="+mn-cs"/>
-              </a:defRPr>
-            </a:lvl9pPr>
-          </a:lstStyle>
-          <a:p>
-            <a:pPr marL="0" indent="0" algn="ctr">
-              <a:buNone/>
-            </a:pPr>
-            <a:r>
-              <a:rPr lang="en-SG" sz="2400" b="1" u="sng" dirty="0"/>
-              <a:t>High Minus Low (HML) Factor</a:t>
-            </a:r>
-            <a:endParaRPr lang="en-SG" sz="2000" b="1" u="sng" dirty="0"/>
-          </a:p>
-        </p:txBody>
-      </p:sp>
-      <p:sp>
-        <p:nvSpPr>
-          <p:cNvPr id="7" name="Rectangle 6">
-            <a:extLst>
-              <a:ext uri="{FF2B5EF4-FFF2-40B4-BE49-F238E27FC236}">
-                <a16:creationId xmlns:a16="http://schemas.microsoft.com/office/drawing/2014/main" id="{E8D4C3D8-319C-424C-A555-5D3FD8EFDB7B}"/>
-              </a:ext>
-            </a:extLst>
-          </p:cNvPr>
-          <p:cNvSpPr/>
-          <p:nvPr/>
-        </p:nvSpPr>
-        <p:spPr>
-          <a:xfrm>
-            <a:off x="8263467" y="5241118"/>
-            <a:ext cx="1066784" cy="807260"/>
-          </a:xfrm>
-          <a:prstGeom prst="rect">
-            <a:avLst/>
-          </a:prstGeom>
-          <a:noFill/>
-          <a:ln w="38100">
-            <a:solidFill>
-              <a:srgbClr val="FF0000"/>
-            </a:solidFill>
-          </a:ln>
-        </p:spPr>
-        <p:style>
-          <a:lnRef idx="2">
-            <a:schemeClr val="accent1">
-              <a:shade val="50000"/>
-            </a:schemeClr>
-          </a:lnRef>
-          <a:fillRef idx="1">
-            <a:schemeClr val="accent1"/>
-          </a:fillRef>
-          <a:effectRef idx="0">
-            <a:schemeClr val="accent1"/>
-          </a:effectRef>
-          <a:fontRef idx="minor">
-            <a:schemeClr val="lt1"/>
-          </a:fontRef>
-        </p:style>
-        <p:txBody>
-          <a:bodyPr rtlCol="0" anchor="ctr"/>
-          <a:lstStyle/>
-          <a:p>
-            <a:pPr algn="ctr"/>
-            <a:endParaRPr lang="en-SG"/>
-          </a:p>
-        </p:txBody>
-      </p:sp>
-    </p:spTree>
-    <p:extLst>
-      <p:ext uri="{BB962C8B-B14F-4D97-AF65-F5344CB8AC3E}">
-        <p14:creationId xmlns:p14="http://schemas.microsoft.com/office/powerpoint/2010/main" val="841592352"/>
-      </p:ext>
-    </p:extLst>
-  </p:cSld>
-  <p:clrMapOvr>
-    <a:masterClrMapping/>
-  </p:clrMapOvr>
-  <p:timing>
-    <p:tnLst>
-      <p:par>
-        <p:cTn id="1" dur="indefinite" restart="never" nodeType="tmRoot">
-          <p:childTnLst>
-            <p:seq concurrent="1" nextAc="seek">
-              <p:cTn id="2" dur="indefinite" nodeType="mainSeq">
-                <p:childTnLst>
-                  <p:par>
-                    <p:cTn id="3" fill="hold">
-                      <p:stCondLst>
-                        <p:cond delay="indefinite"/>
-                      </p:stCondLst>
-                      <p:childTnLst>
-                        <p:par>
-                          <p:cTn id="4" fill="hold">
-                            <p:stCondLst>
-                              <p:cond delay="0"/>
-                            </p:stCondLst>
-                            <p:childTnLst>
-                              <p:par>
-                                <p:cTn id="5" presetID="1" presetClass="entr" presetSubtype="0" fill="hold" nodeType="clickEffect">
-                                  <p:stCondLst>
-                                    <p:cond delay="0"/>
-                                  </p:stCondLst>
-                                  <p:childTnLst>
-                                    <p:set>
-                                      <p:cBhvr>
-                                        <p:cTn id="6" dur="1" fill="hold">
-                                          <p:stCondLst>
-                                            <p:cond delay="0"/>
-                                          </p:stCondLst>
-                                        </p:cTn>
-                                        <p:tgtEl>
-                                          <p:sldTgt/>
-                                        </p:tgtEl>
-                                        <p:attrNameLst>
-                                          <p:attrName>style.visibility</p:attrName>
-                                        </p:attrNameLst>
-                                      </p:cBhvr>
-                                      <p:to>
-                                        <p:strVal val="visible"/>
-                                      </p:to>
-                                    </p:set>
-                                  </p:childTnLst>
-                                </p:cTn>
-                              </p:par>
-                            </p:childTnLst>
-                          </p:cTn>
-                        </p:par>
-                      </p:childTnLst>
-                    </p:cTn>
-                  </p:par>
-                </p:childTnLst>
-              </p:cTn>
-              <p:prevCondLst>
-                <p:cond evt="onPrev" delay="0">
-                  <p:tgtEl>
-                    <p:sldTgt/>
-                  </p:tgtEl>
-                </p:cond>
-              </p:prevCondLst>
-              <p:nextCondLst>
-                <p:cond evt="onNext" delay="0">
-                  <p:tgtEl>
-                    <p:sldTgt/>
-                  </p:tgtEl>
-                </p:cond>
-              </p:nextCondLst>
-            </p:seq>
-          </p:childTnLst>
-        </p:cTn>
-      </p:par>
-    </p:tnLst>
-  </p:timing>
-</p:sld>
-</file>
-
-<file path=ppt/slides/slide41.xml><?xml version="1.0" encoding="utf-8"?>
-<p:sld xmlns:a="http://schemas.openxmlformats.org/drawingml/2006/main" xmlns:r="http://schemas.openxmlformats.org/officeDocument/2006/relationships" xmlns:p="http://schemas.openxmlformats.org/presentationml/2006/main">
-  <p:cSld>
-    <p:spTree>
-      <p:nvGrpSpPr>
-        <p:cNvPr id="1" name=""/>
-        <p:cNvGrpSpPr/>
-        <p:nvPr/>
-      </p:nvGrpSpPr>
-      <p:grpSpPr>
-        <a:xfrm>
-          <a:off x="0" y="0"/>
-          <a:ext cx="0" cy="0"/>
-          <a:chOff x="0" y="0"/>
-          <a:chExt cx="0" cy="0"/>
-        </a:xfrm>
-      </p:grpSpPr>
-      <p:sp>
-        <p:nvSpPr>
-          <p:cNvPr id="6" name="Content Placeholder 2">
-            <a:extLst>
-              <a:ext uri="{FF2B5EF4-FFF2-40B4-BE49-F238E27FC236}">
-                <a16:creationId xmlns:a16="http://schemas.microsoft.com/office/drawing/2014/main" id="{0C5E1F70-EB6D-4153-BFFA-6AA630462D4A}"/>
-              </a:ext>
-            </a:extLst>
-          </p:cNvPr>
-          <p:cNvSpPr txBox="1">
-            <a:spLocks/>
-          </p:cNvSpPr>
-          <p:nvPr/>
-        </p:nvSpPr>
-        <p:spPr>
-          <a:xfrm>
-            <a:off x="1400371" y="174932"/>
-            <a:ext cx="8595360" cy="755373"/>
-          </a:xfrm>
-          <a:prstGeom prst="rect">
-            <a:avLst/>
-          </a:prstGeom>
-        </p:spPr>
-        <p:txBody>
-          <a:bodyPr vert="horz" lIns="91440" tIns="45720" rIns="91440" bIns="45720" rtlCol="0" anchor="ctr">
-            <a:normAutofit/>
-          </a:bodyPr>
-          <a:lstStyle>
-            <a:lvl1pPr marL="182880" indent="-182880" algn="l" defTabSz="914400" rtl="0" eaLnBrk="1" latinLnBrk="0" hangingPunct="1">
-              <a:lnSpc>
-                <a:spcPct val="95000"/>
-              </a:lnSpc>
-              <a:spcBef>
-                <a:spcPts val="1400"/>
-              </a:spcBef>
-              <a:spcAft>
-                <a:spcPts val="200"/>
-              </a:spcAft>
-              <a:buClr>
-                <a:schemeClr val="accent1"/>
-              </a:buClr>
-              <a:buSzPct val="80000"/>
-              <a:buFont typeface="Arial" pitchFamily="34" charset="0"/>
-              <a:buChar char="•"/>
-              <a:defRPr sz="1800" kern="1200" spc="10" baseline="0">
-                <a:solidFill>
-                  <a:schemeClr val="tx1"/>
-                </a:solidFill>
-                <a:latin typeface="+mn-lt"/>
-                <a:ea typeface="+mn-ea"/>
-                <a:cs typeface="+mn-cs"/>
-              </a:defRPr>
-            </a:lvl1pPr>
-            <a:lvl2pPr marL="457200" indent="-182880" algn="l" defTabSz="914400" rtl="0" eaLnBrk="1" latinLnBrk="0" hangingPunct="1">
-              <a:lnSpc>
-                <a:spcPct val="90000"/>
-              </a:lnSpc>
-              <a:spcBef>
-                <a:spcPts val="300"/>
-              </a:spcBef>
-              <a:spcAft>
-                <a:spcPts val="300"/>
-              </a:spcAft>
-              <a:buClr>
-                <a:schemeClr val="accent1"/>
-              </a:buClr>
-              <a:buFont typeface="Wingdings 2" pitchFamily="18" charset="2"/>
-              <a:buChar char=""/>
-              <a:defRPr sz="1600" kern="1200">
-                <a:solidFill>
-                  <a:schemeClr val="tx1">
-                    <a:lumMod val="85000"/>
-                    <a:lumOff val="15000"/>
-                  </a:schemeClr>
-                </a:solidFill>
-                <a:latin typeface="+mn-lt"/>
-                <a:ea typeface="+mn-ea"/>
-                <a:cs typeface="+mn-cs"/>
-              </a:defRPr>
-            </a:lvl2pPr>
-            <a:lvl3pPr marL="731520" indent="-182880" algn="l" defTabSz="914400" rtl="0" eaLnBrk="1" latinLnBrk="0" hangingPunct="1">
-              <a:lnSpc>
-                <a:spcPct val="90000"/>
-              </a:lnSpc>
-              <a:spcBef>
-                <a:spcPts val="300"/>
-              </a:spcBef>
-              <a:spcAft>
-                <a:spcPts val="300"/>
-              </a:spcAft>
-              <a:buClr>
-                <a:schemeClr val="accent1"/>
-              </a:buClr>
-              <a:buFont typeface="Wingdings 2" pitchFamily="18" charset="2"/>
-              <a:buChar char=""/>
-              <a:defRPr sz="1400" kern="1200">
-                <a:solidFill>
-                  <a:schemeClr val="tx1">
-                    <a:lumMod val="85000"/>
-                    <a:lumOff val="15000"/>
-                  </a:schemeClr>
-                </a:solidFill>
-                <a:latin typeface="+mn-lt"/>
-                <a:ea typeface="+mn-ea"/>
-                <a:cs typeface="+mn-cs"/>
-              </a:defRPr>
-            </a:lvl3pPr>
-            <a:lvl4pPr marL="1005840" indent="-182880" algn="l" defTabSz="914400" rtl="0" eaLnBrk="1" latinLnBrk="0" hangingPunct="1">
-              <a:lnSpc>
-                <a:spcPct val="90000"/>
-              </a:lnSpc>
-              <a:spcBef>
-                <a:spcPts val="300"/>
-              </a:spcBef>
-              <a:spcAft>
-                <a:spcPts val="300"/>
-              </a:spcAft>
-              <a:buClr>
-                <a:schemeClr val="accent1"/>
-              </a:buClr>
-              <a:buFont typeface="Wingdings 2" pitchFamily="18" charset="2"/>
-              <a:buChar char=""/>
-              <a:defRPr sz="1400" kern="1200">
-                <a:solidFill>
-                  <a:schemeClr val="tx1">
-                    <a:lumMod val="85000"/>
-                    <a:lumOff val="15000"/>
-                  </a:schemeClr>
-                </a:solidFill>
-                <a:latin typeface="+mn-lt"/>
-                <a:ea typeface="+mn-ea"/>
-                <a:cs typeface="+mn-cs"/>
-              </a:defRPr>
-            </a:lvl4pPr>
-            <a:lvl5pPr marL="1280160" indent="-182880" algn="l" defTabSz="914400" rtl="0" eaLnBrk="1" latinLnBrk="0" hangingPunct="1">
-              <a:lnSpc>
-                <a:spcPct val="90000"/>
-              </a:lnSpc>
-              <a:spcBef>
-                <a:spcPts val="300"/>
-              </a:spcBef>
-              <a:spcAft>
-                <a:spcPts val="300"/>
-              </a:spcAft>
-              <a:buClr>
-                <a:schemeClr val="accent1"/>
-              </a:buClr>
-              <a:buFont typeface="Wingdings 2" pitchFamily="18" charset="2"/>
-              <a:buChar char=""/>
-              <a:defRPr sz="1400" kern="1200">
-                <a:solidFill>
-                  <a:schemeClr val="tx1">
-                    <a:lumMod val="85000"/>
-                    <a:lumOff val="15000"/>
-                  </a:schemeClr>
-                </a:solidFill>
-                <a:latin typeface="+mn-lt"/>
-                <a:ea typeface="+mn-ea"/>
-                <a:cs typeface="+mn-cs"/>
-              </a:defRPr>
-            </a:lvl5pPr>
-            <a:lvl6pPr marL="1600000" indent="-228600" algn="l" defTabSz="914400" rtl="0" eaLnBrk="1" latinLnBrk="0" hangingPunct="1">
-              <a:lnSpc>
-                <a:spcPct val="90000"/>
-              </a:lnSpc>
-              <a:spcBef>
-                <a:spcPts val="300"/>
-              </a:spcBef>
-              <a:spcAft>
-                <a:spcPts val="300"/>
-              </a:spcAft>
-              <a:buClr>
-                <a:schemeClr val="accent1"/>
-              </a:buClr>
-              <a:buFont typeface="Wingdings 2" pitchFamily="18" charset="2"/>
-              <a:buChar char=""/>
-              <a:defRPr sz="1400" kern="1200">
-                <a:solidFill>
-                  <a:schemeClr val="tx1">
-                    <a:lumMod val="85000"/>
-                    <a:lumOff val="15000"/>
-                  </a:schemeClr>
-                </a:solidFill>
-                <a:latin typeface="+mn-lt"/>
-                <a:ea typeface="+mn-ea"/>
-                <a:cs typeface="+mn-cs"/>
-              </a:defRPr>
-            </a:lvl6pPr>
-            <a:lvl7pPr marL="1900000" indent="-228600" algn="l" defTabSz="914400" rtl="0" eaLnBrk="1" latinLnBrk="0" hangingPunct="1">
-              <a:lnSpc>
-                <a:spcPct val="90000"/>
-              </a:lnSpc>
-              <a:spcBef>
-                <a:spcPts val="300"/>
-              </a:spcBef>
-              <a:spcAft>
-                <a:spcPts val="300"/>
-              </a:spcAft>
-              <a:buClr>
-                <a:schemeClr val="accent1"/>
-              </a:buClr>
-              <a:buFont typeface="Wingdings 2" pitchFamily="18" charset="2"/>
-              <a:buChar char=""/>
-              <a:defRPr sz="1400" kern="1200">
-                <a:solidFill>
-                  <a:schemeClr val="tx1">
-                    <a:lumMod val="85000"/>
-                    <a:lumOff val="15000"/>
-                  </a:schemeClr>
-                </a:solidFill>
-                <a:latin typeface="+mn-lt"/>
-                <a:ea typeface="+mn-ea"/>
-                <a:cs typeface="+mn-cs"/>
-              </a:defRPr>
-            </a:lvl7pPr>
-            <a:lvl8pPr marL="2200000" indent="-228600" algn="l" defTabSz="914400" rtl="0" eaLnBrk="1" latinLnBrk="0" hangingPunct="1">
-              <a:lnSpc>
-                <a:spcPct val="90000"/>
-              </a:lnSpc>
-              <a:spcBef>
-                <a:spcPts val="300"/>
-              </a:spcBef>
-              <a:spcAft>
-                <a:spcPts val="300"/>
-              </a:spcAft>
-              <a:buClr>
-                <a:schemeClr val="accent1"/>
-              </a:buClr>
-              <a:buFont typeface="Wingdings 2" pitchFamily="18" charset="2"/>
-              <a:buChar char=""/>
-              <a:defRPr sz="1400" kern="1200">
-                <a:solidFill>
-                  <a:schemeClr val="tx1">
-                    <a:lumMod val="85000"/>
-                    <a:lumOff val="15000"/>
-                  </a:schemeClr>
-                </a:solidFill>
-                <a:latin typeface="+mn-lt"/>
-                <a:ea typeface="+mn-ea"/>
-                <a:cs typeface="+mn-cs"/>
-              </a:defRPr>
-            </a:lvl8pPr>
-            <a:lvl9pPr marL="2500000" indent="-228600" algn="l" defTabSz="914400" rtl="0" eaLnBrk="1" latinLnBrk="0" hangingPunct="1">
-              <a:lnSpc>
-                <a:spcPct val="90000"/>
-              </a:lnSpc>
-              <a:spcBef>
-                <a:spcPts val="300"/>
-              </a:spcBef>
-              <a:spcAft>
-                <a:spcPts val="300"/>
-              </a:spcAft>
-              <a:buClr>
-                <a:schemeClr val="accent1"/>
-              </a:buClr>
-              <a:buFont typeface="Wingdings 2" pitchFamily="18" charset="2"/>
-              <a:buChar char=""/>
-              <a:defRPr sz="1400" kern="1200">
-                <a:solidFill>
-                  <a:schemeClr val="tx1">
-                    <a:lumMod val="85000"/>
-                    <a:lumOff val="15000"/>
-                  </a:schemeClr>
-                </a:solidFill>
-                <a:latin typeface="+mn-lt"/>
-                <a:ea typeface="+mn-ea"/>
-                <a:cs typeface="+mn-cs"/>
-              </a:defRPr>
-            </a:lvl9pPr>
-          </a:lstStyle>
-          <a:p>
-            <a:pPr marL="0" indent="0" algn="ctr">
-              <a:buNone/>
-            </a:pPr>
-            <a:r>
-              <a:rPr lang="en-SG" sz="2400" b="1" u="sng" dirty="0"/>
-              <a:t>Bonus: Up Minus Down (UMD) Factor</a:t>
-            </a:r>
-            <a:endParaRPr lang="en-SG" sz="2000" b="1" u="sng" dirty="0"/>
-          </a:p>
-        </p:txBody>
-      </p:sp>
-      <p:pic>
-        <p:nvPicPr>
-          <p:cNvPr id="3" name="Picture 2">
-            <a:extLst>
-              <a:ext uri="{FF2B5EF4-FFF2-40B4-BE49-F238E27FC236}">
-                <a16:creationId xmlns:a16="http://schemas.microsoft.com/office/drawing/2014/main" id="{B93D8E67-6898-4303-83BE-E671456639E9}"/>
-              </a:ext>
-            </a:extLst>
-          </p:cNvPr>
-          <p:cNvPicPr>
-            <a:picLocks noChangeAspect="1"/>
-          </p:cNvPicPr>
-          <p:nvPr/>
-        </p:nvPicPr>
-        <p:blipFill>
-          <a:blip r:embed="rId2">
-            <a:extLst>
-              <a:ext uri="{28A0092B-C50C-407E-A947-70E740481C1C}">
-                <a14:useLocalDpi xmlns:a14="http://schemas.microsoft.com/office/drawing/2010/main" val="0"/>
-              </a:ext>
-            </a:extLst>
-          </a:blip>
-          <a:stretch>
-            <a:fillRect/>
-          </a:stretch>
-        </p:blipFill>
-        <p:spPr>
-          <a:xfrm>
-            <a:off x="452103" y="2374732"/>
-            <a:ext cx="6120000" cy="2697465"/>
-          </a:xfrm>
-          <a:prstGeom prst="rect">
-            <a:avLst/>
-          </a:prstGeom>
-          <a:effectLst>
-            <a:outerShdw blurRad="50800" dist="38100" dir="2700000" algn="tl" rotWithShape="0">
-              <a:prstClr val="black">
-                <a:alpha val="40000"/>
-              </a:prstClr>
-            </a:outerShdw>
-          </a:effectLst>
-        </p:spPr>
-      </p:pic>
-      <p:sp>
-        <p:nvSpPr>
-          <p:cNvPr id="9" name="Content Placeholder 2">
-            <a:extLst>
-              <a:ext uri="{FF2B5EF4-FFF2-40B4-BE49-F238E27FC236}">
-                <a16:creationId xmlns:a16="http://schemas.microsoft.com/office/drawing/2014/main" id="{28E2FDAA-1689-4AD6-986E-7E9EF0CB4864}"/>
-              </a:ext>
-            </a:extLst>
-          </p:cNvPr>
-          <p:cNvSpPr>
-            <a:spLocks noGrp="1"/>
-          </p:cNvSpPr>
-          <p:nvPr>
-            <p:ph idx="1"/>
-          </p:nvPr>
-        </p:nvSpPr>
-        <p:spPr>
-          <a:xfrm>
-            <a:off x="6705600" y="930305"/>
-            <a:ext cx="4377267" cy="5688493"/>
-          </a:xfrm>
-        </p:spPr>
-        <p:txBody>
-          <a:bodyPr anchor="ctr">
-            <a:normAutofit fontScale="85000" lnSpcReduction="10000"/>
-          </a:bodyPr>
-          <a:lstStyle/>
-          <a:p>
-            <a:pPr algn="just"/>
-            <a:r>
-              <a:rPr lang="en-US" dirty="0"/>
-              <a:t>We also looked at one of the additional stock market factors introduced and </a:t>
-            </a:r>
-            <a:r>
-              <a:rPr lang="en-US" dirty="0" err="1"/>
-              <a:t>popularised</a:t>
-            </a:r>
-            <a:r>
-              <a:rPr lang="en-US" dirty="0"/>
-              <a:t> by Carhart (1997): the momentum factor (UMD). </a:t>
-            </a:r>
-          </a:p>
-          <a:p>
-            <a:pPr algn="just"/>
-            <a:r>
-              <a:rPr lang="en-US" dirty="0"/>
-              <a:t>Like the HML factor, it was observed that the UMD factor is consistently and persistently positive.</a:t>
-            </a:r>
-          </a:p>
-          <a:p>
-            <a:pPr algn="just"/>
-            <a:r>
-              <a:rPr lang="en-US" dirty="0"/>
-              <a:t>Also, like the SMB and HML factors, we observed an unravelling of the long UMD play in the recent decade, though said unravelling took place relatively earlier from April 2009 and has already recovered since April 2016. </a:t>
-            </a:r>
-          </a:p>
-          <a:p>
-            <a:pPr algn="just"/>
-            <a:r>
-              <a:rPr lang="en-US" dirty="0"/>
-              <a:t>In terms of cumulative returns, the long UMD play has grossly outperformed both the long SMB play and the long HML play, with cumulative nominal returns of 24,252.43% observed over the extended sample period and 24.18% over the original sample period. </a:t>
-            </a:r>
-          </a:p>
-          <a:p>
-            <a:pPr algn="just"/>
-            <a:r>
-              <a:rPr lang="en-US" dirty="0"/>
-              <a:t>On a risk-adjusted basis and in terms of Sharpe ratios, the long UMD outperforms the long SMB play and the long HML play too. </a:t>
-            </a:r>
-          </a:p>
-        </p:txBody>
-      </p:sp>
-    </p:spTree>
-    <p:extLst>
-      <p:ext uri="{BB962C8B-B14F-4D97-AF65-F5344CB8AC3E}">
-        <p14:creationId xmlns:p14="http://schemas.microsoft.com/office/powerpoint/2010/main" val="4029640817"/>
-      </p:ext>
-    </p:extLst>
-  </p:cSld>
-  <p:clrMapOvr>
-    <a:masterClrMapping/>
-  </p:clrMapOvr>
-  <p:timing>
-    <p:tnLst>
-      <p:par>
-        <p:cTn id="1" dur="indefinite" restart="never" nodeType="tmRoot">
-          <p:childTnLst>
-            <p:seq concurrent="1" nextAc="seek">
-              <p:cTn id="2" dur="indefinite" nodeType="mainSeq">
-                <p:childTnLst>
-                  <p:par>
-                    <p:cTn id="3" fill="hold">
-                      <p:stCondLst>
-                        <p:cond delay="indefinite"/>
-                      </p:stCondLst>
-                      <p:childTnLst>
-                        <p:par>
-                          <p:cTn id="4" fill="hold">
-                            <p:stCondLst>
-                              <p:cond delay="0"/>
-                            </p:stCondLst>
-                            <p:childTnLst>
-                              <p:par>
-                                <p:cTn id="5" presetID="1" presetClass="entr" presetSubtype="0" fill="hold" nodeType="clickEffect">
-                                  <p:stCondLst>
-                                    <p:cond delay="0"/>
-                                  </p:stCondLst>
-                                  <p:childTnLst>
-                                    <p:set>
-                                      <p:cBhvr>
-                                        <p:cTn id="6" dur="1" fill="hold">
-                                          <p:stCondLst>
-                                            <p:cond delay="0"/>
-                                          </p:stCondLst>
-                                        </p:cTn>
-                                        <p:tgtEl>
-                                          <p:sldTgt/>
-                                        </p:tgtEl>
-                                        <p:attrNameLst>
-                                          <p:attrName>style.visibility</p:attrName>
-                                        </p:attrNameLst>
-                                      </p:cBhvr>
-                                      <p:to>
-                                        <p:strVal val="visible"/>
-                                      </p:to>
-                                    </p:set>
-                                  </p:childTnLst>
-                                </p:cTn>
-                              </p:par>
-                            </p:childTnLst>
-                          </p:cTn>
-                        </p:par>
-                      </p:childTnLst>
-                    </p:cTn>
-                  </p:par>
-                </p:childTnLst>
-              </p:cTn>
-              <p:prevCondLst>
-                <p:cond evt="onPrev" delay="0">
-                  <p:tgtEl>
-                    <p:sldTgt/>
-                  </p:tgtEl>
-                </p:cond>
-              </p:prevCondLst>
-              <p:nextCondLst>
-                <p:cond evt="onNext" delay="0">
-                  <p:tgtEl>
-                    <p:sldTgt/>
-                  </p:tgtEl>
-                </p:cond>
-              </p:nextCondLst>
-            </p:seq>
-          </p:childTnLst>
-        </p:cTn>
-      </p:par>
-    </p:tnLst>
-  </p:timing>
-</p:sld>
-</file>
-
-<file path=ppt/slides/slide42.xml><?xml version="1.0" encoding="utf-8"?>
-<p:sld xmlns:a="http://schemas.openxmlformats.org/drawingml/2006/main" xmlns:r="http://schemas.openxmlformats.org/officeDocument/2006/relationships" xmlns:p="http://schemas.openxmlformats.org/presentationml/2006/main">
-  <p:cSld>
-    <p:spTree>
-      <p:nvGrpSpPr>
-        <p:cNvPr id="1" name=""/>
-        <p:cNvGrpSpPr/>
-        <p:nvPr/>
-      </p:nvGrpSpPr>
-      <p:grpSpPr>
-        <a:xfrm>
-          <a:off x="0" y="0"/>
-          <a:ext cx="0" cy="0"/>
-          <a:chOff x="0" y="0"/>
-          <a:chExt cx="0" cy="0"/>
-        </a:xfrm>
-      </p:grpSpPr>
-      <p:sp>
-        <p:nvSpPr>
-          <p:cNvPr id="6" name="Content Placeholder 2">
-            <a:extLst>
-              <a:ext uri="{FF2B5EF4-FFF2-40B4-BE49-F238E27FC236}">
-                <a16:creationId xmlns:a16="http://schemas.microsoft.com/office/drawing/2014/main" id="{0C5E1F70-EB6D-4153-BFFA-6AA630462D4A}"/>
-              </a:ext>
-            </a:extLst>
-          </p:cNvPr>
-          <p:cNvSpPr txBox="1">
-            <a:spLocks/>
-          </p:cNvSpPr>
-          <p:nvPr/>
-        </p:nvSpPr>
-        <p:spPr>
-          <a:xfrm>
-            <a:off x="1400371" y="174932"/>
-            <a:ext cx="8595360" cy="755373"/>
-          </a:xfrm>
-          <a:prstGeom prst="rect">
-            <a:avLst/>
-          </a:prstGeom>
-        </p:spPr>
-        <p:txBody>
-          <a:bodyPr vert="horz" lIns="91440" tIns="45720" rIns="91440" bIns="45720" rtlCol="0" anchor="ctr">
-            <a:normAutofit/>
-          </a:bodyPr>
-          <a:lstStyle>
-            <a:lvl1pPr marL="182880" indent="-182880" algn="l" defTabSz="914400" rtl="0" eaLnBrk="1" latinLnBrk="0" hangingPunct="1">
-              <a:lnSpc>
-                <a:spcPct val="95000"/>
-              </a:lnSpc>
-              <a:spcBef>
-                <a:spcPts val="1400"/>
-              </a:spcBef>
-              <a:spcAft>
-                <a:spcPts val="200"/>
-              </a:spcAft>
-              <a:buClr>
-                <a:schemeClr val="accent1"/>
-              </a:buClr>
-              <a:buSzPct val="80000"/>
-              <a:buFont typeface="Arial" pitchFamily="34" charset="0"/>
-              <a:buChar char="•"/>
-              <a:defRPr sz="1800" kern="1200" spc="10" baseline="0">
-                <a:solidFill>
-                  <a:schemeClr val="tx1"/>
-                </a:solidFill>
-                <a:latin typeface="+mn-lt"/>
-                <a:ea typeface="+mn-ea"/>
-                <a:cs typeface="+mn-cs"/>
-              </a:defRPr>
-            </a:lvl1pPr>
-            <a:lvl2pPr marL="457200" indent="-182880" algn="l" defTabSz="914400" rtl="0" eaLnBrk="1" latinLnBrk="0" hangingPunct="1">
-              <a:lnSpc>
-                <a:spcPct val="90000"/>
-              </a:lnSpc>
-              <a:spcBef>
-                <a:spcPts val="300"/>
-              </a:spcBef>
-              <a:spcAft>
-                <a:spcPts val="300"/>
-              </a:spcAft>
-              <a:buClr>
-                <a:schemeClr val="accent1"/>
-              </a:buClr>
-              <a:buFont typeface="Wingdings 2" pitchFamily="18" charset="2"/>
-              <a:buChar char=""/>
-              <a:defRPr sz="1600" kern="1200">
-                <a:solidFill>
-                  <a:schemeClr val="tx1">
-                    <a:lumMod val="85000"/>
-                    <a:lumOff val="15000"/>
-                  </a:schemeClr>
-                </a:solidFill>
-                <a:latin typeface="+mn-lt"/>
-                <a:ea typeface="+mn-ea"/>
-                <a:cs typeface="+mn-cs"/>
-              </a:defRPr>
-            </a:lvl2pPr>
-            <a:lvl3pPr marL="731520" indent="-182880" algn="l" defTabSz="914400" rtl="0" eaLnBrk="1" latinLnBrk="0" hangingPunct="1">
-              <a:lnSpc>
-                <a:spcPct val="90000"/>
-              </a:lnSpc>
-              <a:spcBef>
-                <a:spcPts val="300"/>
-              </a:spcBef>
-              <a:spcAft>
-                <a:spcPts val="300"/>
-              </a:spcAft>
-              <a:buClr>
-                <a:schemeClr val="accent1"/>
-              </a:buClr>
-              <a:buFont typeface="Wingdings 2" pitchFamily="18" charset="2"/>
-              <a:buChar char=""/>
-              <a:defRPr sz="1400" kern="1200">
-                <a:solidFill>
-                  <a:schemeClr val="tx1">
-                    <a:lumMod val="85000"/>
-                    <a:lumOff val="15000"/>
-                  </a:schemeClr>
-                </a:solidFill>
-                <a:latin typeface="+mn-lt"/>
-                <a:ea typeface="+mn-ea"/>
-                <a:cs typeface="+mn-cs"/>
-              </a:defRPr>
-            </a:lvl3pPr>
-            <a:lvl4pPr marL="1005840" indent="-182880" algn="l" defTabSz="914400" rtl="0" eaLnBrk="1" latinLnBrk="0" hangingPunct="1">
-              <a:lnSpc>
-                <a:spcPct val="90000"/>
-              </a:lnSpc>
-              <a:spcBef>
-                <a:spcPts val="300"/>
-              </a:spcBef>
-              <a:spcAft>
-                <a:spcPts val="300"/>
-              </a:spcAft>
-              <a:buClr>
-                <a:schemeClr val="accent1"/>
-              </a:buClr>
-              <a:buFont typeface="Wingdings 2" pitchFamily="18" charset="2"/>
-              <a:buChar char=""/>
-              <a:defRPr sz="1400" kern="1200">
-                <a:solidFill>
-                  <a:schemeClr val="tx1">
-                    <a:lumMod val="85000"/>
-                    <a:lumOff val="15000"/>
-                  </a:schemeClr>
-                </a:solidFill>
-                <a:latin typeface="+mn-lt"/>
-                <a:ea typeface="+mn-ea"/>
-                <a:cs typeface="+mn-cs"/>
-              </a:defRPr>
-            </a:lvl4pPr>
-            <a:lvl5pPr marL="1280160" indent="-182880" algn="l" defTabSz="914400" rtl="0" eaLnBrk="1" latinLnBrk="0" hangingPunct="1">
-              <a:lnSpc>
-                <a:spcPct val="90000"/>
-              </a:lnSpc>
-              <a:spcBef>
-                <a:spcPts val="300"/>
-              </a:spcBef>
-              <a:spcAft>
-                <a:spcPts val="300"/>
-              </a:spcAft>
-              <a:buClr>
-                <a:schemeClr val="accent1"/>
-              </a:buClr>
-              <a:buFont typeface="Wingdings 2" pitchFamily="18" charset="2"/>
-              <a:buChar char=""/>
-              <a:defRPr sz="1400" kern="1200">
-                <a:solidFill>
-                  <a:schemeClr val="tx1">
-                    <a:lumMod val="85000"/>
-                    <a:lumOff val="15000"/>
-                  </a:schemeClr>
-                </a:solidFill>
-                <a:latin typeface="+mn-lt"/>
-                <a:ea typeface="+mn-ea"/>
-                <a:cs typeface="+mn-cs"/>
-              </a:defRPr>
-            </a:lvl5pPr>
-            <a:lvl6pPr marL="1600000" indent="-228600" algn="l" defTabSz="914400" rtl="0" eaLnBrk="1" latinLnBrk="0" hangingPunct="1">
-              <a:lnSpc>
-                <a:spcPct val="90000"/>
-              </a:lnSpc>
-              <a:spcBef>
-                <a:spcPts val="300"/>
-              </a:spcBef>
-              <a:spcAft>
-                <a:spcPts val="300"/>
-              </a:spcAft>
-              <a:buClr>
-                <a:schemeClr val="accent1"/>
-              </a:buClr>
-              <a:buFont typeface="Wingdings 2" pitchFamily="18" charset="2"/>
-              <a:buChar char=""/>
-              <a:defRPr sz="1400" kern="1200">
-                <a:solidFill>
-                  <a:schemeClr val="tx1">
-                    <a:lumMod val="85000"/>
-                    <a:lumOff val="15000"/>
-                  </a:schemeClr>
-                </a:solidFill>
-                <a:latin typeface="+mn-lt"/>
-                <a:ea typeface="+mn-ea"/>
-                <a:cs typeface="+mn-cs"/>
-              </a:defRPr>
-            </a:lvl6pPr>
-            <a:lvl7pPr marL="1900000" indent="-228600" algn="l" defTabSz="914400" rtl="0" eaLnBrk="1" latinLnBrk="0" hangingPunct="1">
-              <a:lnSpc>
-                <a:spcPct val="90000"/>
-              </a:lnSpc>
-              <a:spcBef>
-                <a:spcPts val="300"/>
-              </a:spcBef>
-              <a:spcAft>
-                <a:spcPts val="300"/>
-              </a:spcAft>
-              <a:buClr>
-                <a:schemeClr val="accent1"/>
-              </a:buClr>
-              <a:buFont typeface="Wingdings 2" pitchFamily="18" charset="2"/>
-              <a:buChar char=""/>
-              <a:defRPr sz="1400" kern="1200">
-                <a:solidFill>
-                  <a:schemeClr val="tx1">
-                    <a:lumMod val="85000"/>
-                    <a:lumOff val="15000"/>
-                  </a:schemeClr>
-                </a:solidFill>
-                <a:latin typeface="+mn-lt"/>
-                <a:ea typeface="+mn-ea"/>
-                <a:cs typeface="+mn-cs"/>
-              </a:defRPr>
-            </a:lvl7pPr>
-            <a:lvl8pPr marL="2200000" indent="-228600" algn="l" defTabSz="914400" rtl="0" eaLnBrk="1" latinLnBrk="0" hangingPunct="1">
-              <a:lnSpc>
-                <a:spcPct val="90000"/>
-              </a:lnSpc>
-              <a:spcBef>
-                <a:spcPts val="300"/>
-              </a:spcBef>
-              <a:spcAft>
-                <a:spcPts val="300"/>
-              </a:spcAft>
-              <a:buClr>
-                <a:schemeClr val="accent1"/>
-              </a:buClr>
-              <a:buFont typeface="Wingdings 2" pitchFamily="18" charset="2"/>
-              <a:buChar char=""/>
-              <a:defRPr sz="1400" kern="1200">
-                <a:solidFill>
-                  <a:schemeClr val="tx1">
-                    <a:lumMod val="85000"/>
-                    <a:lumOff val="15000"/>
-                  </a:schemeClr>
-                </a:solidFill>
-                <a:latin typeface="+mn-lt"/>
-                <a:ea typeface="+mn-ea"/>
-                <a:cs typeface="+mn-cs"/>
-              </a:defRPr>
-            </a:lvl8pPr>
-            <a:lvl9pPr marL="2500000" indent="-228600" algn="l" defTabSz="914400" rtl="0" eaLnBrk="1" latinLnBrk="0" hangingPunct="1">
-              <a:lnSpc>
-                <a:spcPct val="90000"/>
-              </a:lnSpc>
-              <a:spcBef>
-                <a:spcPts val="300"/>
-              </a:spcBef>
-              <a:spcAft>
-                <a:spcPts val="300"/>
-              </a:spcAft>
-              <a:buClr>
-                <a:schemeClr val="accent1"/>
-              </a:buClr>
-              <a:buFont typeface="Wingdings 2" pitchFamily="18" charset="2"/>
-              <a:buChar char=""/>
-              <a:defRPr sz="1400" kern="1200">
-                <a:solidFill>
-                  <a:schemeClr val="tx1">
-                    <a:lumMod val="85000"/>
-                    <a:lumOff val="15000"/>
-                  </a:schemeClr>
-                </a:solidFill>
-                <a:latin typeface="+mn-lt"/>
-                <a:ea typeface="+mn-ea"/>
-                <a:cs typeface="+mn-cs"/>
-              </a:defRPr>
-            </a:lvl9pPr>
-          </a:lstStyle>
-          <a:p>
-            <a:pPr marL="0" indent="0" algn="ctr">
-              <a:buNone/>
-            </a:pPr>
-            <a:r>
-              <a:rPr lang="en-SG" sz="2400" b="1" u="sng" dirty="0"/>
-              <a:t>Bonus: Up Minus Down (UMD) Factor</a:t>
-            </a:r>
-            <a:endParaRPr lang="en-SG" sz="2000" b="1" u="sng" dirty="0"/>
-          </a:p>
-        </p:txBody>
-      </p:sp>
-      <p:pic>
-        <p:nvPicPr>
-          <p:cNvPr id="4" name="Picture 3">
-            <a:extLst>
-              <a:ext uri="{FF2B5EF4-FFF2-40B4-BE49-F238E27FC236}">
-                <a16:creationId xmlns:a16="http://schemas.microsoft.com/office/drawing/2014/main" id="{DEE1F734-232D-460E-9A76-2C01D17BA234}"/>
-              </a:ext>
-            </a:extLst>
-          </p:cNvPr>
-          <p:cNvPicPr>
-            <a:picLocks noChangeAspect="1"/>
-          </p:cNvPicPr>
-          <p:nvPr/>
-        </p:nvPicPr>
-        <p:blipFill>
-          <a:blip r:embed="rId2">
-            <a:extLst>
-              <a:ext uri="{28A0092B-C50C-407E-A947-70E740481C1C}">
-                <a14:useLocalDpi xmlns:a14="http://schemas.microsoft.com/office/drawing/2010/main" val="0"/>
-              </a:ext>
-            </a:extLst>
-          </a:blip>
-          <a:stretch>
-            <a:fillRect/>
-          </a:stretch>
-        </p:blipFill>
-        <p:spPr>
-          <a:xfrm>
-            <a:off x="2065851" y="2016128"/>
-            <a:ext cx="7264400" cy="3384550"/>
-          </a:xfrm>
-          <a:prstGeom prst="rect">
-            <a:avLst/>
-          </a:prstGeom>
-          <a:effectLst>
-            <a:outerShdw blurRad="50800" dist="38100" dir="2700000" algn="tl" rotWithShape="0">
-              <a:prstClr val="black">
-                <a:alpha val="40000"/>
-              </a:prstClr>
-            </a:outerShdw>
-          </a:effectLst>
-        </p:spPr>
-      </p:pic>
-      <p:sp>
-        <p:nvSpPr>
-          <p:cNvPr id="7" name="Rectangle 6">
-            <a:extLst>
-              <a:ext uri="{FF2B5EF4-FFF2-40B4-BE49-F238E27FC236}">
-                <a16:creationId xmlns:a16="http://schemas.microsoft.com/office/drawing/2014/main" id="{8B2016B7-DE45-45C6-8E04-8D4CE5BBAA8C}"/>
-              </a:ext>
-            </a:extLst>
-          </p:cNvPr>
-          <p:cNvSpPr/>
-          <p:nvPr/>
-        </p:nvSpPr>
-        <p:spPr>
-          <a:xfrm>
-            <a:off x="8263467" y="4614582"/>
-            <a:ext cx="1066784" cy="807260"/>
-          </a:xfrm>
-          <a:prstGeom prst="rect">
-            <a:avLst/>
-          </a:prstGeom>
-          <a:noFill/>
-          <a:ln w="38100">
-            <a:solidFill>
-              <a:srgbClr val="FF0000"/>
-            </a:solidFill>
-          </a:ln>
-        </p:spPr>
-        <p:style>
-          <a:lnRef idx="2">
-            <a:schemeClr val="accent1">
-              <a:shade val="50000"/>
-            </a:schemeClr>
-          </a:lnRef>
-          <a:fillRef idx="1">
-            <a:schemeClr val="accent1"/>
-          </a:fillRef>
-          <a:effectRef idx="0">
-            <a:schemeClr val="accent1"/>
-          </a:effectRef>
-          <a:fontRef idx="minor">
-            <a:schemeClr val="lt1"/>
-          </a:fontRef>
-        </p:style>
-        <p:txBody>
-          <a:bodyPr rtlCol="0" anchor="ctr"/>
-          <a:lstStyle/>
-          <a:p>
-            <a:pPr algn="ctr"/>
-            <a:endParaRPr lang="en-SG"/>
-          </a:p>
-        </p:txBody>
-      </p:sp>
-      <p:sp>
-        <p:nvSpPr>
-          <p:cNvPr id="8" name="Rectangle 7">
-            <a:extLst>
-              <a:ext uri="{FF2B5EF4-FFF2-40B4-BE49-F238E27FC236}">
-                <a16:creationId xmlns:a16="http://schemas.microsoft.com/office/drawing/2014/main" id="{87A5612D-2B76-4333-B507-49F9ED50128A}"/>
-              </a:ext>
-            </a:extLst>
-          </p:cNvPr>
-          <p:cNvSpPr/>
-          <p:nvPr/>
-        </p:nvSpPr>
-        <p:spPr>
-          <a:xfrm>
-            <a:off x="6036733" y="4593418"/>
-            <a:ext cx="1066784" cy="807260"/>
-          </a:xfrm>
-          <a:prstGeom prst="rect">
-            <a:avLst/>
-          </a:prstGeom>
-          <a:noFill/>
-          <a:ln w="38100">
-            <a:solidFill>
-              <a:srgbClr val="FF0000"/>
-            </a:solidFill>
-          </a:ln>
-        </p:spPr>
-        <p:style>
-          <a:lnRef idx="2">
-            <a:schemeClr val="accent1">
-              <a:shade val="50000"/>
-            </a:schemeClr>
-          </a:lnRef>
-          <a:fillRef idx="1">
-            <a:schemeClr val="accent1"/>
-          </a:fillRef>
-          <a:effectRef idx="0">
-            <a:schemeClr val="accent1"/>
-          </a:effectRef>
-          <a:fontRef idx="minor">
-            <a:schemeClr val="lt1"/>
-          </a:fontRef>
-        </p:style>
-        <p:txBody>
-          <a:bodyPr rtlCol="0" anchor="ctr"/>
-          <a:lstStyle/>
-          <a:p>
-            <a:pPr algn="ctr"/>
-            <a:endParaRPr lang="en-SG"/>
-          </a:p>
-        </p:txBody>
-      </p:sp>
-    </p:spTree>
-    <p:extLst>
-      <p:ext uri="{BB962C8B-B14F-4D97-AF65-F5344CB8AC3E}">
-        <p14:creationId xmlns:p14="http://schemas.microsoft.com/office/powerpoint/2010/main" val="2848505282"/>
-      </p:ext>
-    </p:extLst>
-  </p:cSld>
-  <p:clrMapOvr>
-    <a:masterClrMapping/>
-  </p:clrMapOvr>
-  <p:timing>
-    <p:tnLst>
-      <p:par>
-        <p:cTn id="1" dur="indefinite" restart="never" nodeType="tmRoot">
-          <p:childTnLst>
-            <p:seq concurrent="1" nextAc="seek">
-              <p:cTn id="2" dur="indefinite" nodeType="mainSeq">
-                <p:childTnLst>
-                  <p:par>
-                    <p:cTn id="3" fill="hold">
-                      <p:stCondLst>
-                        <p:cond delay="indefinite"/>
-                      </p:stCondLst>
-                      <p:childTnLst>
-                        <p:par>
-                          <p:cTn id="4" fill="hold">
-                            <p:stCondLst>
-                              <p:cond delay="0"/>
-                            </p:stCondLst>
-                            <p:childTnLst>
-                              <p:par>
-                                <p:cTn id="5" presetID="1" presetClass="entr" presetSubtype="0" fill="hold" nodeType="clickEffect">
-                                  <p:stCondLst>
-                                    <p:cond delay="0"/>
-                                  </p:stCondLst>
-                                  <p:childTnLst>
-                                    <p:set>
-                                      <p:cBhvr>
-                                        <p:cTn id="6" dur="1" fill="hold">
-                                          <p:stCondLst>
-                                            <p:cond delay="0"/>
-                                          </p:stCondLst>
-                                        </p:cTn>
-                                        <p:tgtEl>
-                                          <p:sldTgt/>
-                                        </p:tgtEl>
-                                        <p:attrNameLst>
-                                          <p:attrName>style.visibility</p:attrName>
-                                        </p:attrNameLst>
-                                      </p:cBhvr>
-                                      <p:to>
-                                        <p:strVal val="visible"/>
-                                      </p:to>
-                                    </p:set>
-                                  </p:childTnLst>
-                                </p:cTn>
-                              </p:par>
-                            </p:childTnLst>
-                          </p:cTn>
-                        </p:par>
-                      </p:childTnLst>
-                    </p:cTn>
-                  </p:par>
-                </p:childTnLst>
-              </p:cTn>
-              <p:prevCondLst>
-                <p:cond evt="onPrev" delay="0">
-                  <p:tgtEl>
-                    <p:sldTgt/>
-                  </p:tgtEl>
-                </p:cond>
-              </p:prevCondLst>
-              <p:nextCondLst>
-                <p:cond evt="onNext" delay="0">
-                  <p:tgtEl>
-                    <p:sldTgt/>
-                  </p:tgtEl>
-                </p:cond>
-              </p:nextCondLst>
-            </p:seq>
-          </p:childTnLst>
-        </p:cTn>
-      </p:par>
-    </p:tnLst>
-  </p:timing>
-</p:sld>
-</file>
-
-<file path=ppt/slides/slide43.xml><?xml version="1.0" encoding="utf-8"?>
-<p:sld xmlns:a="http://schemas.openxmlformats.org/drawingml/2006/main" xmlns:r="http://schemas.openxmlformats.org/officeDocument/2006/relationships" xmlns:p="http://schemas.openxmlformats.org/presentationml/2006/main">
-  <p:cSld>
-    <p:spTree>
-      <p:nvGrpSpPr>
-        <p:cNvPr id="1" name=""/>
-        <p:cNvGrpSpPr/>
-        <p:nvPr/>
-      </p:nvGrpSpPr>
-      <p:grpSpPr>
-        <a:xfrm>
-          <a:off x="0" y="0"/>
-          <a:ext cx="0" cy="0"/>
-          <a:chOff x="0" y="0"/>
-          <a:chExt cx="0" cy="0"/>
-        </a:xfrm>
-      </p:grpSpPr>
-      <p:sp>
-        <p:nvSpPr>
-          <p:cNvPr id="6" name="TextBox 5">
-            <a:extLst>
-              <a:ext uri="{FF2B5EF4-FFF2-40B4-BE49-F238E27FC236}">
-                <a16:creationId xmlns:a16="http://schemas.microsoft.com/office/drawing/2014/main" id="{D0E58ACE-BDD6-4F97-8AAE-520552BF048D}"/>
-              </a:ext>
-            </a:extLst>
-          </p:cNvPr>
-          <p:cNvSpPr txBox="1"/>
-          <p:nvPr/>
-        </p:nvSpPr>
-        <p:spPr>
-          <a:xfrm>
-            <a:off x="5115140" y="990027"/>
-            <a:ext cx="45719" cy="4508927"/>
-          </a:xfrm>
-          <a:prstGeom prst="rect">
-            <a:avLst/>
-          </a:prstGeom>
-          <a:noFill/>
-        </p:spPr>
-        <p:txBody>
-          <a:bodyPr wrap="square" rtlCol="0">
-            <a:spAutoFit/>
-          </a:bodyPr>
-          <a:lstStyle/>
-          <a:p>
-            <a:r>
-              <a:rPr lang="en-US" sz="28700" b="1" dirty="0">
-                <a:solidFill>
-                  <a:schemeClr val="bg1">
-                    <a:lumMod val="50000"/>
-                    <a:lumOff val="50000"/>
-                  </a:schemeClr>
-                </a:solidFill>
-              </a:rPr>
-              <a:t>7</a:t>
-            </a:r>
-            <a:endParaRPr lang="en-GB" sz="28700" b="1" dirty="0">
-              <a:solidFill>
-                <a:schemeClr val="bg1">
-                  <a:lumMod val="50000"/>
-                  <a:lumOff val="50000"/>
-                </a:schemeClr>
-              </a:solidFill>
-            </a:endParaRPr>
-          </a:p>
-        </p:txBody>
-      </p:sp>
-      <p:sp>
-        <p:nvSpPr>
-          <p:cNvPr id="2" name="Title 1">
-            <a:extLst>
-              <a:ext uri="{FF2B5EF4-FFF2-40B4-BE49-F238E27FC236}">
-                <a16:creationId xmlns:a16="http://schemas.microsoft.com/office/drawing/2014/main" id="{E32021F1-307B-408C-9FCF-6F677B44ECFE}"/>
-              </a:ext>
-            </a:extLst>
-          </p:cNvPr>
-          <p:cNvSpPr>
-            <a:spLocks noGrp="1"/>
-          </p:cNvSpPr>
-          <p:nvPr>
-            <p:ph type="ctrTitle"/>
-          </p:nvPr>
-        </p:nvSpPr>
-        <p:spPr>
-          <a:xfrm>
-            <a:off x="3780286" y="2335072"/>
-            <a:ext cx="5050448" cy="1913021"/>
-          </a:xfrm>
-        </p:spPr>
-        <p:txBody>
-          <a:bodyPr anchor="ctr">
-            <a:normAutofit/>
-          </a:bodyPr>
-          <a:lstStyle/>
-          <a:p>
-            <a:pPr algn="ctr"/>
-            <a:r>
-              <a:rPr lang="en-US" sz="6600" u="sng" dirty="0"/>
-              <a:t>C</a:t>
-            </a:r>
-            <a:r>
-              <a:rPr lang="en-GB" sz="6600" u="sng" dirty="0" err="1"/>
-              <a:t>onclusion</a:t>
-            </a:r>
-            <a:endParaRPr lang="en-SG" sz="6600" u="sng" dirty="0"/>
-          </a:p>
-        </p:txBody>
-      </p:sp>
-    </p:spTree>
-    <p:extLst>
-      <p:ext uri="{BB962C8B-B14F-4D97-AF65-F5344CB8AC3E}">
-        <p14:creationId xmlns:p14="http://schemas.microsoft.com/office/powerpoint/2010/main" val="343861740"/>
-      </p:ext>
-    </p:extLst>
-  </p:cSld>
-  <p:clrMapOvr>
-    <a:masterClrMapping/>
-  </p:clrMapOvr>
-</p:sld>
-</file>
-
-<file path=ppt/slides/slide44.xml><?xml version="1.0" encoding="utf-8"?>
-<p:sld xmlns:a="http://schemas.openxmlformats.org/drawingml/2006/main" xmlns:r="http://schemas.openxmlformats.org/officeDocument/2006/relationships" xmlns:p="http://schemas.openxmlformats.org/presentationml/2006/main">
-  <p:cSld>
-    <p:spTree>
-      <p:nvGrpSpPr>
-        <p:cNvPr id="1" name=""/>
-        <p:cNvGrpSpPr/>
-        <p:nvPr/>
-      </p:nvGrpSpPr>
-      <p:grpSpPr>
-        <a:xfrm>
-          <a:off x="0" y="0"/>
-          <a:ext cx="0" cy="0"/>
-          <a:chOff x="0" y="0"/>
-          <a:chExt cx="0" cy="0"/>
-        </a:xfrm>
-      </p:grpSpPr>
-      <p:sp>
-        <p:nvSpPr>
-          <p:cNvPr id="2" name="Title 1">
-            <a:extLst>
-              <a:ext uri="{FF2B5EF4-FFF2-40B4-BE49-F238E27FC236}">
-                <a16:creationId xmlns:a16="http://schemas.microsoft.com/office/drawing/2014/main" id="{A40B2407-7C5D-4BAD-9EDE-510B07FC2F5D}"/>
-              </a:ext>
-            </a:extLst>
-          </p:cNvPr>
-          <p:cNvSpPr>
-            <a:spLocks noGrp="1"/>
-          </p:cNvSpPr>
-          <p:nvPr>
-            <p:ph type="title"/>
-          </p:nvPr>
-        </p:nvSpPr>
-        <p:spPr/>
-        <p:txBody>
-          <a:bodyPr/>
-          <a:lstStyle/>
-          <a:p>
-            <a:r>
-              <a:rPr lang="en-US" dirty="0"/>
-              <a:t>Conclusion</a:t>
-            </a:r>
-            <a:endParaRPr lang="en-GB" dirty="0"/>
-          </a:p>
-        </p:txBody>
-      </p:sp>
-      <p:sp>
-        <p:nvSpPr>
-          <p:cNvPr id="5" name="Content Placeholder 4">
-            <a:extLst>
-              <a:ext uri="{FF2B5EF4-FFF2-40B4-BE49-F238E27FC236}">
-                <a16:creationId xmlns:a16="http://schemas.microsoft.com/office/drawing/2014/main" id="{D9A09288-B8E7-4641-A3B5-FE8A442FC630}"/>
-              </a:ext>
-            </a:extLst>
-          </p:cNvPr>
-          <p:cNvSpPr>
-            <a:spLocks noGrp="1"/>
-          </p:cNvSpPr>
-          <p:nvPr>
-            <p:ph idx="1"/>
-          </p:nvPr>
-        </p:nvSpPr>
-        <p:spPr/>
-        <p:txBody>
-          <a:bodyPr anchor="ctr">
-            <a:normAutofit/>
-          </a:bodyPr>
-          <a:lstStyle/>
-          <a:p>
-            <a:pPr marL="0" indent="0">
-              <a:buNone/>
-            </a:pPr>
-            <a:r>
-              <a:rPr lang="en-SG" dirty="0"/>
-              <a:t>Research Null Hypothesis Revisited:</a:t>
-            </a:r>
-          </a:p>
-          <a:p>
-            <a:pPr marL="0" indent="0">
-              <a:buNone/>
-            </a:pPr>
-            <a:r>
-              <a:rPr lang="en-SG" dirty="0"/>
-              <a:t>The three stock-market factors suggested by Eugene F. </a:t>
-            </a:r>
-            <a:r>
-              <a:rPr lang="en-SG" dirty="0" err="1"/>
-              <a:t>Fama</a:t>
-            </a:r>
-            <a:r>
-              <a:rPr lang="en-SG" dirty="0"/>
-              <a:t> and Kenneth R. French in their 1993 paper titled “Common Risk Factors in the Returns on Stocks and Bonds” </a:t>
-            </a:r>
-            <a:r>
-              <a:rPr lang="en-SG" b="1" dirty="0"/>
-              <a:t>do not </a:t>
-            </a:r>
-            <a:r>
-              <a:rPr lang="en-SG" dirty="0"/>
-              <a:t>significantly explain the returns of stocks listed on the NYSE, NASDAQ and AMEX for the period between Jul 2011 – Dec 2018.</a:t>
-            </a:r>
-          </a:p>
-          <a:p>
-            <a:pPr marL="0" indent="0">
-              <a:buNone/>
-            </a:pPr>
-            <a:endParaRPr lang="en-SG" dirty="0"/>
-          </a:p>
-          <a:p>
-            <a:pPr marL="0" indent="0" algn="ctr">
-              <a:buNone/>
-            </a:pPr>
-            <a:r>
-              <a:rPr lang="en-SG" dirty="0"/>
-              <a:t>Conclusion: We </a:t>
-            </a:r>
-            <a:r>
-              <a:rPr lang="en-SG" b="1" u="sng" dirty="0"/>
-              <a:t>Reject</a:t>
-            </a:r>
-            <a:r>
-              <a:rPr lang="en-SG" dirty="0"/>
-              <a:t> Our Research Null Hypothesis.</a:t>
-            </a:r>
-          </a:p>
-          <a:p>
-            <a:pPr marL="0" indent="0">
-              <a:buNone/>
-            </a:pPr>
-            <a:endParaRPr lang="en-SG" dirty="0"/>
-          </a:p>
-          <a:p>
-            <a:pPr marL="0" indent="0">
-              <a:buNone/>
-            </a:pPr>
-            <a:r>
-              <a:rPr lang="en-SG" dirty="0"/>
-              <a:t>Additional Finding: </a:t>
-            </a:r>
-          </a:p>
-          <a:p>
-            <a:pPr marL="0" indent="0">
-              <a:buNone/>
-            </a:pPr>
-            <a:r>
-              <a:rPr lang="en-SG" dirty="0"/>
-              <a:t>SMB factor turns negative in our testing period due to recent large cap relative outperformance.</a:t>
-            </a:r>
-            <a:endParaRPr lang="en-GB" dirty="0"/>
-          </a:p>
-        </p:txBody>
-      </p:sp>
-    </p:spTree>
-    <p:extLst>
-      <p:ext uri="{BB962C8B-B14F-4D97-AF65-F5344CB8AC3E}">
-        <p14:creationId xmlns:p14="http://schemas.microsoft.com/office/powerpoint/2010/main" val="4005877077"/>
-      </p:ext>
-    </p:extLst>
-  </p:cSld>
-  <p:clrMapOvr>
-    <a:masterClrMapping/>
-  </p:clrMapOvr>
-</p:sld>
-</file>
-
-<file path=ppt/slides/slide45.xml><?xml version="1.0" encoding="utf-8"?>
-<p:sld xmlns:a="http://schemas.openxmlformats.org/drawingml/2006/main" xmlns:r="http://schemas.openxmlformats.org/officeDocument/2006/relationships" xmlns:p="http://schemas.openxmlformats.org/presentationml/2006/main">
-  <p:cSld>
-    <p:spTree>
-      <p:nvGrpSpPr>
-        <p:cNvPr id="1" name=""/>
-        <p:cNvGrpSpPr/>
-        <p:nvPr/>
-      </p:nvGrpSpPr>
-      <p:grpSpPr>
-        <a:xfrm>
-          <a:off x="0" y="0"/>
-          <a:ext cx="0" cy="0"/>
-          <a:chOff x="0" y="0"/>
-          <a:chExt cx="0" cy="0"/>
-        </a:xfrm>
-      </p:grpSpPr>
-      <p:sp>
-        <p:nvSpPr>
-          <p:cNvPr id="6" name="TextBox 5">
-            <a:extLst>
-              <a:ext uri="{FF2B5EF4-FFF2-40B4-BE49-F238E27FC236}">
-                <a16:creationId xmlns:a16="http://schemas.microsoft.com/office/drawing/2014/main" id="{D0E58ACE-BDD6-4F97-8AAE-520552BF048D}"/>
-              </a:ext>
-            </a:extLst>
-          </p:cNvPr>
-          <p:cNvSpPr txBox="1"/>
-          <p:nvPr/>
-        </p:nvSpPr>
-        <p:spPr>
-          <a:xfrm>
-            <a:off x="5115140" y="990027"/>
-            <a:ext cx="45719" cy="4508927"/>
-          </a:xfrm>
-          <a:prstGeom prst="rect">
-            <a:avLst/>
-          </a:prstGeom>
-          <a:noFill/>
-        </p:spPr>
-        <p:txBody>
-          <a:bodyPr wrap="square" rtlCol="0">
-            <a:spAutoFit/>
-          </a:bodyPr>
-          <a:lstStyle/>
-          <a:p>
-            <a:r>
-              <a:rPr lang="en-US" sz="28700" b="1" dirty="0">
-                <a:solidFill>
-                  <a:schemeClr val="bg1">
-                    <a:lumMod val="50000"/>
-                    <a:lumOff val="50000"/>
-                  </a:schemeClr>
-                </a:solidFill>
-              </a:rPr>
-              <a:t>8</a:t>
-            </a:r>
-            <a:endParaRPr lang="en-GB" sz="28700" b="1" dirty="0">
-              <a:solidFill>
-                <a:schemeClr val="bg1">
-                  <a:lumMod val="50000"/>
-                  <a:lumOff val="50000"/>
-                </a:schemeClr>
-              </a:solidFill>
-            </a:endParaRPr>
-          </a:p>
-        </p:txBody>
-      </p:sp>
-      <p:sp>
-        <p:nvSpPr>
-          <p:cNvPr id="2" name="Title 1">
-            <a:extLst>
-              <a:ext uri="{FF2B5EF4-FFF2-40B4-BE49-F238E27FC236}">
-                <a16:creationId xmlns:a16="http://schemas.microsoft.com/office/drawing/2014/main" id="{E32021F1-307B-408C-9FCF-6F677B44ECFE}"/>
-              </a:ext>
-            </a:extLst>
-          </p:cNvPr>
-          <p:cNvSpPr>
-            <a:spLocks noGrp="1"/>
-          </p:cNvSpPr>
-          <p:nvPr>
-            <p:ph type="ctrTitle"/>
-          </p:nvPr>
-        </p:nvSpPr>
-        <p:spPr>
-          <a:xfrm>
-            <a:off x="3271403" y="2248124"/>
-            <a:ext cx="5953880" cy="1913021"/>
-          </a:xfrm>
-        </p:spPr>
-        <p:txBody>
-          <a:bodyPr anchor="ctr">
-            <a:normAutofit/>
-          </a:bodyPr>
-          <a:lstStyle/>
-          <a:p>
-            <a:pPr algn="ctr"/>
-            <a:r>
-              <a:rPr lang="en-US" sz="6600" u="sng" dirty="0"/>
-              <a:t>References</a:t>
-            </a:r>
-            <a:endParaRPr lang="en-SG" sz="6600" u="sng" dirty="0"/>
-          </a:p>
-        </p:txBody>
-      </p:sp>
-    </p:spTree>
-    <p:extLst>
-      <p:ext uri="{BB962C8B-B14F-4D97-AF65-F5344CB8AC3E}">
-        <p14:creationId xmlns:p14="http://schemas.microsoft.com/office/powerpoint/2010/main" val="3866460608"/>
-      </p:ext>
-    </p:extLst>
-  </p:cSld>
-  <p:clrMapOvr>
-    <a:masterClrMapping/>
-  </p:clrMapOvr>
-</p:sld>
-</file>
-
-<file path=ppt/slides/slide46.xml><?xml version="1.0" encoding="utf-8"?>
-<p:sld xmlns:a="http://schemas.openxmlformats.org/drawingml/2006/main" xmlns:r="http://schemas.openxmlformats.org/officeDocument/2006/relationships" xmlns:p="http://schemas.openxmlformats.org/presentationml/2006/main">
-  <p:cSld>
-    <p:spTree>
-      <p:nvGrpSpPr>
-        <p:cNvPr id="1" name=""/>
-        <p:cNvGrpSpPr/>
-        <p:nvPr/>
-      </p:nvGrpSpPr>
-      <p:grpSpPr>
-        <a:xfrm>
-          <a:off x="0" y="0"/>
-          <a:ext cx="0" cy="0"/>
-          <a:chOff x="0" y="0"/>
-          <a:chExt cx="0" cy="0"/>
-        </a:xfrm>
-      </p:grpSpPr>
-      <p:sp>
-        <p:nvSpPr>
-          <p:cNvPr id="7" name="Title 1">
-            <a:extLst>
-              <a:ext uri="{FF2B5EF4-FFF2-40B4-BE49-F238E27FC236}">
-                <a16:creationId xmlns:a16="http://schemas.microsoft.com/office/drawing/2014/main" id="{64C4FB22-84F6-45C0-8E30-84EF2210C721}"/>
-              </a:ext>
-            </a:extLst>
-          </p:cNvPr>
-          <p:cNvSpPr>
-            <a:spLocks noGrp="1"/>
-          </p:cNvSpPr>
-          <p:nvPr>
-            <p:ph type="title"/>
-          </p:nvPr>
-        </p:nvSpPr>
-        <p:spPr>
-          <a:xfrm>
-            <a:off x="1261872" y="365760"/>
-            <a:ext cx="9692640" cy="1325562"/>
-          </a:xfrm>
-        </p:spPr>
-        <p:txBody>
-          <a:bodyPr>
-            <a:normAutofit/>
-          </a:bodyPr>
-          <a:lstStyle/>
-          <a:p>
-            <a:r>
-              <a:rPr lang="en-SG" sz="4800" dirty="0"/>
-              <a:t>Reference List</a:t>
-            </a:r>
-          </a:p>
-        </p:txBody>
-      </p:sp>
-      <p:sp>
-        <p:nvSpPr>
-          <p:cNvPr id="3" name="Content Placeholder 2">
-            <a:extLst>
-              <a:ext uri="{FF2B5EF4-FFF2-40B4-BE49-F238E27FC236}">
-                <a16:creationId xmlns:a16="http://schemas.microsoft.com/office/drawing/2014/main" id="{C5A6A21D-90D4-4D3D-A603-476DBD3CBF11}"/>
-              </a:ext>
-            </a:extLst>
-          </p:cNvPr>
-          <p:cNvSpPr>
-            <a:spLocks noGrp="1"/>
-          </p:cNvSpPr>
-          <p:nvPr>
-            <p:ph idx="1"/>
-          </p:nvPr>
-        </p:nvSpPr>
-        <p:spPr/>
-        <p:txBody>
-          <a:bodyPr anchor="ctr">
-            <a:normAutofit/>
-          </a:bodyPr>
-          <a:lstStyle/>
-          <a:p>
-            <a:pPr marL="617220" lvl="1" indent="-342900">
-              <a:buFont typeface="+mj-lt"/>
-              <a:buAutoNum type="arabicPeriod"/>
-            </a:pPr>
-            <a:endParaRPr lang="en-SG" dirty="0"/>
-          </a:p>
-          <a:p>
-            <a:pPr marL="617220" lvl="1" indent="-342900">
-              <a:buFont typeface="+mj-lt"/>
-              <a:buAutoNum type="arabicPeriod"/>
-            </a:pPr>
-            <a:endParaRPr lang="en-SG" dirty="0"/>
-          </a:p>
-        </p:txBody>
-      </p:sp>
-      <p:sp>
-        <p:nvSpPr>
-          <p:cNvPr id="8" name="TextBox 7">
-            <a:extLst>
-              <a:ext uri="{FF2B5EF4-FFF2-40B4-BE49-F238E27FC236}">
-                <a16:creationId xmlns:a16="http://schemas.microsoft.com/office/drawing/2014/main" id="{4284BB99-6D93-4CD9-ADBC-D2237EE3AF97}"/>
-              </a:ext>
-            </a:extLst>
-          </p:cNvPr>
-          <p:cNvSpPr txBox="1"/>
-          <p:nvPr/>
-        </p:nvSpPr>
-        <p:spPr>
-          <a:xfrm>
-            <a:off x="1193093" y="1828800"/>
-            <a:ext cx="8732918" cy="4801314"/>
-          </a:xfrm>
-          <a:prstGeom prst="rect">
-            <a:avLst/>
-          </a:prstGeom>
-          <a:noFill/>
-        </p:spPr>
-        <p:txBody>
-          <a:bodyPr wrap="square" rtlCol="0">
-            <a:spAutoFit/>
-          </a:bodyPr>
-          <a:lstStyle/>
-          <a:p>
-            <a:pPr marL="285750" indent="-285750">
-              <a:buFont typeface="Arial" panose="020B0604020202020204" pitchFamily="34" charset="0"/>
-              <a:buChar char="•"/>
-            </a:pPr>
-            <a:r>
-              <a:rPr lang="en-GB" dirty="0"/>
-              <a:t>Markowitz, H. (1952). Portfolio selection. The Journal of Finance, 7(1), 77-91.</a:t>
-            </a:r>
-          </a:p>
-          <a:p>
-            <a:pPr marL="285750" indent="-285750">
-              <a:buFont typeface="Arial" panose="020B0604020202020204" pitchFamily="34" charset="0"/>
-              <a:buChar char="•"/>
-            </a:pPr>
-            <a:r>
-              <a:rPr lang="en-GB" dirty="0"/>
-              <a:t>Sharpe, W. (1964). Capital asset prices: A theory of market equilibrium under conditions of risk. Journal of Finance, 19(3), 425-442.</a:t>
-            </a:r>
-          </a:p>
-          <a:p>
-            <a:pPr marL="285750" indent="-285750">
-              <a:buFont typeface="Arial" panose="020B0604020202020204" pitchFamily="34" charset="0"/>
-              <a:buChar char="•"/>
-            </a:pPr>
-            <a:r>
-              <a:rPr lang="en-GB" dirty="0"/>
-              <a:t>Lintner, J. (1965). The valuation of risk assets and the selection of risky investments in stock portfolios and capital budgets. Review of Economics and Statistics, 47(1), 12-37.</a:t>
-            </a:r>
-          </a:p>
-          <a:p>
-            <a:pPr marL="285750" indent="-285750">
-              <a:buFont typeface="Arial" panose="020B0604020202020204" pitchFamily="34" charset="0"/>
-              <a:buChar char="•"/>
-            </a:pPr>
-            <a:r>
-              <a:rPr lang="en-GB" dirty="0"/>
-              <a:t>Black, Fischer. Michael C. Jensen. and Myron Scholes. (1972). The capital asset pricing model: Some empirical tests. in: M. Jensen. ed.. Studies In the theory of capital markets (Praeger, New York, NY).</a:t>
-            </a:r>
-          </a:p>
-          <a:p>
-            <a:pPr marL="285750" indent="-285750">
-              <a:buFont typeface="Arial" panose="020B0604020202020204" pitchFamily="34" charset="0"/>
-              <a:buChar char="•"/>
-            </a:pPr>
-            <a:r>
-              <a:rPr lang="en-GB" dirty="0" err="1"/>
-              <a:t>Fama</a:t>
-            </a:r>
-            <a:r>
-              <a:rPr lang="en-GB" dirty="0"/>
-              <a:t>, E., &amp; French, K. (1993). Common risk factors in the returns on stocks and </a:t>
-            </a:r>
-            <a:r>
-              <a:rPr lang="en-GB" dirty="0" err="1"/>
-              <a:t>bonds.Journal</a:t>
-            </a:r>
-            <a:r>
-              <a:rPr lang="en-GB" dirty="0"/>
-              <a:t> of Financial Economics, 33(1), 3-56..</a:t>
-            </a:r>
-          </a:p>
-          <a:p>
-            <a:pPr marL="285750" indent="-285750">
-              <a:buFont typeface="Arial" panose="020B0604020202020204" pitchFamily="34" charset="0"/>
-              <a:buChar char="•"/>
-            </a:pPr>
-            <a:r>
-              <a:rPr lang="en-GB" dirty="0" err="1"/>
-              <a:t>Fama</a:t>
-            </a:r>
-            <a:r>
-              <a:rPr lang="en-GB" dirty="0"/>
-              <a:t>. Eugene F. and Kenneth R. French. (1992a). The cross-section of expected stock </a:t>
-            </a:r>
-            <a:r>
-              <a:rPr lang="en-GB" dirty="0" err="1"/>
-              <a:t>returns.Journal</a:t>
-            </a:r>
-            <a:r>
-              <a:rPr lang="en-GB" dirty="0"/>
-              <a:t> of Finance 47, 427 - 465.</a:t>
-            </a:r>
-          </a:p>
-          <a:p>
-            <a:pPr marL="285750" indent="-285750">
-              <a:buFont typeface="Arial" panose="020B0604020202020204" pitchFamily="34" charset="0"/>
-              <a:buChar char="•"/>
-            </a:pPr>
-            <a:r>
-              <a:rPr lang="en-GB" dirty="0" err="1"/>
-              <a:t>Banz</a:t>
-            </a:r>
-            <a:r>
-              <a:rPr lang="en-GB" dirty="0"/>
-              <a:t>. Rolf W.. 1981. The relationship between return and market value of common stocks, Journal of Financial Economics 9. 3-15.</a:t>
-            </a:r>
-          </a:p>
-          <a:p>
-            <a:pPr marL="285750" indent="-285750">
-              <a:buFont typeface="Arial" panose="020B0604020202020204" pitchFamily="34" charset="0"/>
-              <a:buChar char="•"/>
-            </a:pPr>
-            <a:r>
-              <a:rPr lang="en-GB" dirty="0"/>
-              <a:t>Daniel, K., &amp; Titman, S. (1997). Evidence on the characteristics of cross sectional variation in stock returns</a:t>
-            </a:r>
-          </a:p>
-        </p:txBody>
-      </p:sp>
-    </p:spTree>
-    <p:extLst>
-      <p:ext uri="{BB962C8B-B14F-4D97-AF65-F5344CB8AC3E}">
-        <p14:creationId xmlns:p14="http://schemas.microsoft.com/office/powerpoint/2010/main" val="526798641"/>
       </p:ext>
     </p:extLst>
   </p:cSld>
